--- a/presentation/hoho_SayCan.pptx
+++ b/presentation/hoho_SayCan.pptx
@@ -1,11 +1,26 @@
 
 <file path=ppt/presentation.xml><?xml version="1.0" encoding="utf-8"?>
-<p:presentation xmlns:a="http://schemas.openxmlformats.org/drawingml/2006/main" xmlns:r="http://schemas.openxmlformats.org/officeDocument/2006/relationships" xmlns:p="http://schemas.openxmlformats.org/presentationml/2006/main" saveSubsetFonts="1" autoCompressPictures="0">
+<p:presentation xmlns:a="http://schemas.openxmlformats.org/drawingml/2006/main" xmlns:r="http://schemas.openxmlformats.org/officeDocument/2006/relationships" xmlns:p="http://schemas.openxmlformats.org/presentationml/2006/main" autoCompressPictures="0">
   <p:sldMasterIdLst>
     <p:sldMasterId id="2147483648" r:id="rId1"/>
   </p:sldMasterIdLst>
   <p:sldIdLst>
-    <p:sldId id="256" r:id="rId2"/>
+    <p:sldId id="256" r:id="rId3"/>
+    <p:sldId id="257" r:id="rId4"/>
+    <p:sldId id="258" r:id="rId5"/>
+    <p:sldId id="259" r:id="rId6"/>
+    <p:sldId id="260" r:id="rId7"/>
+    <p:sldId id="261" r:id="rId8"/>
+    <p:sldId id="262" r:id="rId9"/>
+    <p:sldId id="263" r:id="rId10"/>
+    <p:sldId id="264" r:id="rId11"/>
+    <p:sldId id="265" r:id="rId12"/>
+    <p:sldId id="266" r:id="rId13"/>
+    <p:sldId id="267" r:id="rId14"/>
+    <p:sldId id="268" r:id="rId15"/>
+    <p:sldId id="269" r:id="rId16"/>
+    <p:sldId id="270" r:id="rId17"/>
+    <p:sldId id="271" r:id="rId18"/>
   </p:sldIdLst>
   <p:sldSz cx="12192000" cy="6858000"/>
   <p:notesSz cx="6858000" cy="9144000"/>
@@ -126,13 +141,7 @@
       </p:grpSpPr>
       <p:sp>
         <p:nvSpPr>
-          <p:cNvPr id="2" name="标题 1">
-            <a:extLst>
-              <a:ext uri="{FF2B5EF4-FFF2-40B4-BE49-F238E27FC236}">
-                <a16:creationId xmlns:a16="http://schemas.microsoft.com/office/drawing/2014/main" id="{1D0BB9E3-0983-8040-82C1-F297F3540502}"/>
-              </a:ext>
-            </a:extLst>
-          </p:cNvPr>
+          <p:cNvPr id="2" name="标题 1"/>
           <p:cNvSpPr>
             <a:spLocks noGrp="1"/>
           </p:cNvSpPr>
@@ -158,18 +167,13 @@
               <a:rPr kumimoji="1" lang="zh-CN" altLang="en-US"/>
               <a:t>单击此处编辑母版标题样式</a:t>
             </a:r>
-          </a:p>
-        </p:txBody>
-      </p:sp>
-      <p:sp>
-        <p:nvSpPr>
-          <p:cNvPr id="3" name="副标题 2">
-            <a:extLst>
-              <a:ext uri="{FF2B5EF4-FFF2-40B4-BE49-F238E27FC236}">
-                <a16:creationId xmlns:a16="http://schemas.microsoft.com/office/drawing/2014/main" id="{1444B97B-522C-C749-8D4A-A333B8399AA3}"/>
-              </a:ext>
-            </a:extLst>
-          </p:cNvPr>
+            <a:endParaRPr kumimoji="1" lang="zh-CN" altLang="en-US"/>
+          </a:p>
+        </p:txBody>
+      </p:sp>
+      <p:sp>
+        <p:nvSpPr>
+          <p:cNvPr id="3" name="副标题 2"/>
           <p:cNvSpPr>
             <a:spLocks noGrp="1"/>
           </p:cNvSpPr>
@@ -228,18 +232,13 @@
               <a:rPr kumimoji="1" lang="zh-CN" altLang="en-US"/>
               <a:t>单击此处编辑母版副标题样式</a:t>
             </a:r>
-          </a:p>
-        </p:txBody>
-      </p:sp>
-      <p:sp>
-        <p:nvSpPr>
-          <p:cNvPr id="4" name="日期占位符 3">
-            <a:extLst>
-              <a:ext uri="{FF2B5EF4-FFF2-40B4-BE49-F238E27FC236}">
-                <a16:creationId xmlns:a16="http://schemas.microsoft.com/office/drawing/2014/main" id="{E33B828A-0C7F-9B48-809F-63156C4B9B42}"/>
-              </a:ext>
-            </a:extLst>
-          </p:cNvPr>
+            <a:endParaRPr kumimoji="1" lang="zh-CN" altLang="en-US"/>
+          </a:p>
+        </p:txBody>
+      </p:sp>
+      <p:sp>
+        <p:nvSpPr>
+          <p:cNvPr id="4" name="日期占位符 3"/>
           <p:cNvSpPr>
             <a:spLocks noGrp="1"/>
           </p:cNvSpPr>
@@ -254,7 +253,6 @@
           <a:p>
             <a:fld id="{1BE6F865-66CC-5140-8791-263BB5DEED4D}" type="datetimeFigureOut">
               <a:rPr kumimoji="1" lang="zh-CN" altLang="en-US" smtClean="0"/>
-              <a:t>2022/9/17</a:t>
             </a:fld>
             <a:endParaRPr kumimoji="1" lang="zh-CN" altLang="en-US"/>
           </a:p>
@@ -262,13 +260,7 @@
       </p:sp>
       <p:sp>
         <p:nvSpPr>
-          <p:cNvPr id="5" name="页脚占位符 4">
-            <a:extLst>
-              <a:ext uri="{FF2B5EF4-FFF2-40B4-BE49-F238E27FC236}">
-                <a16:creationId xmlns:a16="http://schemas.microsoft.com/office/drawing/2014/main" id="{B8566A87-7BC9-B24A-A82A-86B4877E1E09}"/>
-              </a:ext>
-            </a:extLst>
-          </p:cNvPr>
+          <p:cNvPr id="5" name="页脚占位符 4"/>
           <p:cNvSpPr>
             <a:spLocks noGrp="1"/>
           </p:cNvSpPr>
@@ -287,13 +279,7 @@
       </p:sp>
       <p:sp>
         <p:nvSpPr>
-          <p:cNvPr id="6" name="灯片编号占位符 5">
-            <a:extLst>
-              <a:ext uri="{FF2B5EF4-FFF2-40B4-BE49-F238E27FC236}">
-                <a16:creationId xmlns:a16="http://schemas.microsoft.com/office/drawing/2014/main" id="{768C83D6-62D2-9B4D-B5F6-725E436063E6}"/>
-              </a:ext>
-            </a:extLst>
-          </p:cNvPr>
+          <p:cNvPr id="6" name="灯片编号占位符 5"/>
           <p:cNvSpPr>
             <a:spLocks noGrp="1"/>
           </p:cNvSpPr>
@@ -308,18 +294,12 @@
           <a:p>
             <a:fld id="{09C1DBF6-F383-2F44-8F8B-09A13366F6F1}" type="slidenum">
               <a:rPr kumimoji="1" lang="zh-CN" altLang="en-US" smtClean="0"/>
-              <a:t>‹#›</a:t>
             </a:fld>
             <a:endParaRPr kumimoji="1" lang="zh-CN" altLang="en-US"/>
           </a:p>
         </p:txBody>
       </p:sp>
     </p:spTree>
-    <p:extLst>
-      <p:ext uri="{BB962C8B-B14F-4D97-AF65-F5344CB8AC3E}">
-        <p14:creationId xmlns:p14="http://schemas.microsoft.com/office/powerpoint/2010/main" val="1569214009"/>
-      </p:ext>
-    </p:extLst>
   </p:cSld>
   <p:clrMapOvr>
     <a:masterClrMapping/>
@@ -346,13 +326,7 @@
       </p:grpSpPr>
       <p:sp>
         <p:nvSpPr>
-          <p:cNvPr id="2" name="标题 1">
-            <a:extLst>
-              <a:ext uri="{FF2B5EF4-FFF2-40B4-BE49-F238E27FC236}">
-                <a16:creationId xmlns:a16="http://schemas.microsoft.com/office/drawing/2014/main" id="{48C72173-0597-5C4C-918D-2ECC9CB3D564}"/>
-              </a:ext>
-            </a:extLst>
-          </p:cNvPr>
+          <p:cNvPr id="2" name="标题 1"/>
           <p:cNvSpPr>
             <a:spLocks noGrp="1"/>
           </p:cNvSpPr>
@@ -369,18 +343,13 @@
               <a:rPr kumimoji="1" lang="zh-CN" altLang="en-US"/>
               <a:t>单击此处编辑母版标题样式</a:t>
             </a:r>
-          </a:p>
-        </p:txBody>
-      </p:sp>
-      <p:sp>
-        <p:nvSpPr>
-          <p:cNvPr id="3" name="竖排文字占位符 2">
-            <a:extLst>
-              <a:ext uri="{FF2B5EF4-FFF2-40B4-BE49-F238E27FC236}">
-                <a16:creationId xmlns:a16="http://schemas.microsoft.com/office/drawing/2014/main" id="{64CD56AB-EA02-344F-8A74-8DEF3511B179}"/>
-              </a:ext>
-            </a:extLst>
-          </p:cNvPr>
+            <a:endParaRPr kumimoji="1" lang="zh-CN" altLang="en-US"/>
+          </a:p>
+        </p:txBody>
+      </p:sp>
+      <p:sp>
+        <p:nvSpPr>
+          <p:cNvPr id="3" name="竖排文字占位符 2"/>
           <p:cNvSpPr>
             <a:spLocks noGrp="1"/>
           </p:cNvSpPr>
@@ -398,6 +367,7 @@
               <a:rPr kumimoji="1" lang="zh-CN" altLang="en-US"/>
               <a:t>单击此处编辑母版文本样式</a:t>
             </a:r>
+            <a:endParaRPr kumimoji="1" lang="zh-CN" altLang="en-US"/>
           </a:p>
           <a:p>
             <a:pPr lvl="1"/>
@@ -405,6 +375,7 @@
               <a:rPr kumimoji="1" lang="zh-CN" altLang="en-US"/>
               <a:t>二级</a:t>
             </a:r>
+            <a:endParaRPr kumimoji="1" lang="zh-CN" altLang="en-US"/>
           </a:p>
           <a:p>
             <a:pPr lvl="2"/>
@@ -412,6 +383,7 @@
               <a:rPr kumimoji="1" lang="zh-CN" altLang="en-US"/>
               <a:t>三级</a:t>
             </a:r>
+            <a:endParaRPr kumimoji="1" lang="zh-CN" altLang="en-US"/>
           </a:p>
           <a:p>
             <a:pPr lvl="3"/>
@@ -419,6 +391,7 @@
               <a:rPr kumimoji="1" lang="zh-CN" altLang="en-US"/>
               <a:t>四级</a:t>
             </a:r>
+            <a:endParaRPr kumimoji="1" lang="zh-CN" altLang="en-US"/>
           </a:p>
           <a:p>
             <a:pPr lvl="4"/>
@@ -426,18 +399,13 @@
               <a:rPr kumimoji="1" lang="zh-CN" altLang="en-US"/>
               <a:t>五级</a:t>
             </a:r>
-          </a:p>
-        </p:txBody>
-      </p:sp>
-      <p:sp>
-        <p:nvSpPr>
-          <p:cNvPr id="4" name="日期占位符 3">
-            <a:extLst>
-              <a:ext uri="{FF2B5EF4-FFF2-40B4-BE49-F238E27FC236}">
-                <a16:creationId xmlns:a16="http://schemas.microsoft.com/office/drawing/2014/main" id="{F41C267A-FAAC-AD43-B6F3-DBB9633D4512}"/>
-              </a:ext>
-            </a:extLst>
-          </p:cNvPr>
+            <a:endParaRPr kumimoji="1" lang="zh-CN" altLang="en-US"/>
+          </a:p>
+        </p:txBody>
+      </p:sp>
+      <p:sp>
+        <p:nvSpPr>
+          <p:cNvPr id="4" name="日期占位符 3"/>
           <p:cNvSpPr>
             <a:spLocks noGrp="1"/>
           </p:cNvSpPr>
@@ -452,7 +420,6 @@
           <a:p>
             <a:fld id="{1BE6F865-66CC-5140-8791-263BB5DEED4D}" type="datetimeFigureOut">
               <a:rPr kumimoji="1" lang="zh-CN" altLang="en-US" smtClean="0"/>
-              <a:t>2022/9/17</a:t>
             </a:fld>
             <a:endParaRPr kumimoji="1" lang="zh-CN" altLang="en-US"/>
           </a:p>
@@ -460,13 +427,7 @@
       </p:sp>
       <p:sp>
         <p:nvSpPr>
-          <p:cNvPr id="5" name="页脚占位符 4">
-            <a:extLst>
-              <a:ext uri="{FF2B5EF4-FFF2-40B4-BE49-F238E27FC236}">
-                <a16:creationId xmlns:a16="http://schemas.microsoft.com/office/drawing/2014/main" id="{847EDF28-50B1-714A-9EED-245EA60B88C8}"/>
-              </a:ext>
-            </a:extLst>
-          </p:cNvPr>
+          <p:cNvPr id="5" name="页脚占位符 4"/>
           <p:cNvSpPr>
             <a:spLocks noGrp="1"/>
           </p:cNvSpPr>
@@ -485,13 +446,7 @@
       </p:sp>
       <p:sp>
         <p:nvSpPr>
-          <p:cNvPr id="6" name="灯片编号占位符 5">
-            <a:extLst>
-              <a:ext uri="{FF2B5EF4-FFF2-40B4-BE49-F238E27FC236}">
-                <a16:creationId xmlns:a16="http://schemas.microsoft.com/office/drawing/2014/main" id="{F056045E-53EE-704C-B99F-3ED64D6070FE}"/>
-              </a:ext>
-            </a:extLst>
-          </p:cNvPr>
+          <p:cNvPr id="6" name="灯片编号占位符 5"/>
           <p:cNvSpPr>
             <a:spLocks noGrp="1"/>
           </p:cNvSpPr>
@@ -506,18 +461,12 @@
           <a:p>
             <a:fld id="{09C1DBF6-F383-2F44-8F8B-09A13366F6F1}" type="slidenum">
               <a:rPr kumimoji="1" lang="zh-CN" altLang="en-US" smtClean="0"/>
-              <a:t>‹#›</a:t>
             </a:fld>
             <a:endParaRPr kumimoji="1" lang="zh-CN" altLang="en-US"/>
           </a:p>
         </p:txBody>
       </p:sp>
     </p:spTree>
-    <p:extLst>
-      <p:ext uri="{BB962C8B-B14F-4D97-AF65-F5344CB8AC3E}">
-        <p14:creationId xmlns:p14="http://schemas.microsoft.com/office/powerpoint/2010/main" val="930004838"/>
-      </p:ext>
-    </p:extLst>
   </p:cSld>
   <p:clrMapOvr>
     <a:masterClrMapping/>
@@ -544,13 +493,7 @@
       </p:grpSpPr>
       <p:sp>
         <p:nvSpPr>
-          <p:cNvPr id="2" name="竖排标题 1">
-            <a:extLst>
-              <a:ext uri="{FF2B5EF4-FFF2-40B4-BE49-F238E27FC236}">
-                <a16:creationId xmlns:a16="http://schemas.microsoft.com/office/drawing/2014/main" id="{319F3F68-D80E-C940-AAEA-491547F0C798}"/>
-              </a:ext>
-            </a:extLst>
-          </p:cNvPr>
+          <p:cNvPr id="2" name="竖排标题 1"/>
           <p:cNvSpPr>
             <a:spLocks noGrp="1"/>
           </p:cNvSpPr>
@@ -572,18 +515,13 @@
               <a:rPr kumimoji="1" lang="zh-CN" altLang="en-US"/>
               <a:t>单击此处编辑母版标题样式</a:t>
             </a:r>
-          </a:p>
-        </p:txBody>
-      </p:sp>
-      <p:sp>
-        <p:nvSpPr>
-          <p:cNvPr id="3" name="竖排文字占位符 2">
-            <a:extLst>
-              <a:ext uri="{FF2B5EF4-FFF2-40B4-BE49-F238E27FC236}">
-                <a16:creationId xmlns:a16="http://schemas.microsoft.com/office/drawing/2014/main" id="{7E33DD9D-FC7F-1C4A-8ECC-6D432C891D2E}"/>
-              </a:ext>
-            </a:extLst>
-          </p:cNvPr>
+            <a:endParaRPr kumimoji="1" lang="zh-CN" altLang="en-US"/>
+          </a:p>
+        </p:txBody>
+      </p:sp>
+      <p:sp>
+        <p:nvSpPr>
+          <p:cNvPr id="3" name="竖排文字占位符 2"/>
           <p:cNvSpPr>
             <a:spLocks noGrp="1"/>
           </p:cNvSpPr>
@@ -606,6 +544,7 @@
               <a:rPr kumimoji="1" lang="zh-CN" altLang="en-US"/>
               <a:t>单击此处编辑母版文本样式</a:t>
             </a:r>
+            <a:endParaRPr kumimoji="1" lang="zh-CN" altLang="en-US"/>
           </a:p>
           <a:p>
             <a:pPr lvl="1"/>
@@ -613,6 +552,7 @@
               <a:rPr kumimoji="1" lang="zh-CN" altLang="en-US"/>
               <a:t>二级</a:t>
             </a:r>
+            <a:endParaRPr kumimoji="1" lang="zh-CN" altLang="en-US"/>
           </a:p>
           <a:p>
             <a:pPr lvl="2"/>
@@ -620,6 +560,7 @@
               <a:rPr kumimoji="1" lang="zh-CN" altLang="en-US"/>
               <a:t>三级</a:t>
             </a:r>
+            <a:endParaRPr kumimoji="1" lang="zh-CN" altLang="en-US"/>
           </a:p>
           <a:p>
             <a:pPr lvl="3"/>
@@ -627,6 +568,7 @@
               <a:rPr kumimoji="1" lang="zh-CN" altLang="en-US"/>
               <a:t>四级</a:t>
             </a:r>
+            <a:endParaRPr kumimoji="1" lang="zh-CN" altLang="en-US"/>
           </a:p>
           <a:p>
             <a:pPr lvl="4"/>
@@ -634,18 +576,13 @@
               <a:rPr kumimoji="1" lang="zh-CN" altLang="en-US"/>
               <a:t>五级</a:t>
             </a:r>
-          </a:p>
-        </p:txBody>
-      </p:sp>
-      <p:sp>
-        <p:nvSpPr>
-          <p:cNvPr id="4" name="日期占位符 3">
-            <a:extLst>
-              <a:ext uri="{FF2B5EF4-FFF2-40B4-BE49-F238E27FC236}">
-                <a16:creationId xmlns:a16="http://schemas.microsoft.com/office/drawing/2014/main" id="{208926ED-DE1C-5E42-875C-C41F843DBF61}"/>
-              </a:ext>
-            </a:extLst>
-          </p:cNvPr>
+            <a:endParaRPr kumimoji="1" lang="zh-CN" altLang="en-US"/>
+          </a:p>
+        </p:txBody>
+      </p:sp>
+      <p:sp>
+        <p:nvSpPr>
+          <p:cNvPr id="4" name="日期占位符 3"/>
           <p:cNvSpPr>
             <a:spLocks noGrp="1"/>
           </p:cNvSpPr>
@@ -660,7 +597,6 @@
           <a:p>
             <a:fld id="{1BE6F865-66CC-5140-8791-263BB5DEED4D}" type="datetimeFigureOut">
               <a:rPr kumimoji="1" lang="zh-CN" altLang="en-US" smtClean="0"/>
-              <a:t>2022/9/17</a:t>
             </a:fld>
             <a:endParaRPr kumimoji="1" lang="zh-CN" altLang="en-US"/>
           </a:p>
@@ -668,13 +604,7 @@
       </p:sp>
       <p:sp>
         <p:nvSpPr>
-          <p:cNvPr id="5" name="页脚占位符 4">
-            <a:extLst>
-              <a:ext uri="{FF2B5EF4-FFF2-40B4-BE49-F238E27FC236}">
-                <a16:creationId xmlns:a16="http://schemas.microsoft.com/office/drawing/2014/main" id="{FDCC10DA-DB42-1447-BCB1-56658A01B75A}"/>
-              </a:ext>
-            </a:extLst>
-          </p:cNvPr>
+          <p:cNvPr id="5" name="页脚占位符 4"/>
           <p:cNvSpPr>
             <a:spLocks noGrp="1"/>
           </p:cNvSpPr>
@@ -693,13 +623,7 @@
       </p:sp>
       <p:sp>
         <p:nvSpPr>
-          <p:cNvPr id="6" name="灯片编号占位符 5">
-            <a:extLst>
-              <a:ext uri="{FF2B5EF4-FFF2-40B4-BE49-F238E27FC236}">
-                <a16:creationId xmlns:a16="http://schemas.microsoft.com/office/drawing/2014/main" id="{EC89C6BB-DF2A-F445-A042-C535E390BB10}"/>
-              </a:ext>
-            </a:extLst>
-          </p:cNvPr>
+          <p:cNvPr id="6" name="灯片编号占位符 5"/>
           <p:cNvSpPr>
             <a:spLocks noGrp="1"/>
           </p:cNvSpPr>
@@ -714,18 +638,12 @@
           <a:p>
             <a:fld id="{09C1DBF6-F383-2F44-8F8B-09A13366F6F1}" type="slidenum">
               <a:rPr kumimoji="1" lang="zh-CN" altLang="en-US" smtClean="0"/>
-              <a:t>‹#›</a:t>
             </a:fld>
             <a:endParaRPr kumimoji="1" lang="zh-CN" altLang="en-US"/>
           </a:p>
         </p:txBody>
       </p:sp>
     </p:spTree>
-    <p:extLst>
-      <p:ext uri="{BB962C8B-B14F-4D97-AF65-F5344CB8AC3E}">
-        <p14:creationId xmlns:p14="http://schemas.microsoft.com/office/powerpoint/2010/main" val="2046617664"/>
-      </p:ext>
-    </p:extLst>
   </p:cSld>
   <p:clrMapOvr>
     <a:masterClrMapping/>
@@ -752,13 +670,7 @@
       </p:grpSpPr>
       <p:sp>
         <p:nvSpPr>
-          <p:cNvPr id="2" name="标题 1">
-            <a:extLst>
-              <a:ext uri="{FF2B5EF4-FFF2-40B4-BE49-F238E27FC236}">
-                <a16:creationId xmlns:a16="http://schemas.microsoft.com/office/drawing/2014/main" id="{33AEB812-D8EC-F045-9896-913A24FFABF0}"/>
-              </a:ext>
-            </a:extLst>
-          </p:cNvPr>
+          <p:cNvPr id="2" name="标题 1"/>
           <p:cNvSpPr>
             <a:spLocks noGrp="1"/>
           </p:cNvSpPr>
@@ -775,18 +687,13 @@
               <a:rPr kumimoji="1" lang="zh-CN" altLang="en-US"/>
               <a:t>单击此处编辑母版标题样式</a:t>
             </a:r>
-          </a:p>
-        </p:txBody>
-      </p:sp>
-      <p:sp>
-        <p:nvSpPr>
-          <p:cNvPr id="3" name="内容占位符 2">
-            <a:extLst>
-              <a:ext uri="{FF2B5EF4-FFF2-40B4-BE49-F238E27FC236}">
-                <a16:creationId xmlns:a16="http://schemas.microsoft.com/office/drawing/2014/main" id="{3EBEB83B-E835-F046-8F57-F172EDC71899}"/>
-              </a:ext>
-            </a:extLst>
-          </p:cNvPr>
+            <a:endParaRPr kumimoji="1" lang="zh-CN" altLang="en-US"/>
+          </a:p>
+        </p:txBody>
+      </p:sp>
+      <p:sp>
+        <p:nvSpPr>
+          <p:cNvPr id="3" name="内容占位符 2"/>
           <p:cNvSpPr>
             <a:spLocks noGrp="1"/>
           </p:cNvSpPr>
@@ -804,6 +711,7 @@
               <a:rPr kumimoji="1" lang="zh-CN" altLang="en-US"/>
               <a:t>单击此处编辑母版文本样式</a:t>
             </a:r>
+            <a:endParaRPr kumimoji="1" lang="zh-CN" altLang="en-US"/>
           </a:p>
           <a:p>
             <a:pPr lvl="1"/>
@@ -811,6 +719,7 @@
               <a:rPr kumimoji="1" lang="zh-CN" altLang="en-US"/>
               <a:t>二级</a:t>
             </a:r>
+            <a:endParaRPr kumimoji="1" lang="zh-CN" altLang="en-US"/>
           </a:p>
           <a:p>
             <a:pPr lvl="2"/>
@@ -818,6 +727,7 @@
               <a:rPr kumimoji="1" lang="zh-CN" altLang="en-US"/>
               <a:t>三级</a:t>
             </a:r>
+            <a:endParaRPr kumimoji="1" lang="zh-CN" altLang="en-US"/>
           </a:p>
           <a:p>
             <a:pPr lvl="3"/>
@@ -825,6 +735,7 @@
               <a:rPr kumimoji="1" lang="zh-CN" altLang="en-US"/>
               <a:t>四级</a:t>
             </a:r>
+            <a:endParaRPr kumimoji="1" lang="zh-CN" altLang="en-US"/>
           </a:p>
           <a:p>
             <a:pPr lvl="4"/>
@@ -832,18 +743,13 @@
               <a:rPr kumimoji="1" lang="zh-CN" altLang="en-US"/>
               <a:t>五级</a:t>
             </a:r>
-          </a:p>
-        </p:txBody>
-      </p:sp>
-      <p:sp>
-        <p:nvSpPr>
-          <p:cNvPr id="4" name="日期占位符 3">
-            <a:extLst>
-              <a:ext uri="{FF2B5EF4-FFF2-40B4-BE49-F238E27FC236}">
-                <a16:creationId xmlns:a16="http://schemas.microsoft.com/office/drawing/2014/main" id="{E09D50D5-5625-0444-9569-756A144DB6C3}"/>
-              </a:ext>
-            </a:extLst>
-          </p:cNvPr>
+            <a:endParaRPr kumimoji="1" lang="zh-CN" altLang="en-US"/>
+          </a:p>
+        </p:txBody>
+      </p:sp>
+      <p:sp>
+        <p:nvSpPr>
+          <p:cNvPr id="4" name="日期占位符 3"/>
           <p:cNvSpPr>
             <a:spLocks noGrp="1"/>
           </p:cNvSpPr>
@@ -858,7 +764,6 @@
           <a:p>
             <a:fld id="{1BE6F865-66CC-5140-8791-263BB5DEED4D}" type="datetimeFigureOut">
               <a:rPr kumimoji="1" lang="zh-CN" altLang="en-US" smtClean="0"/>
-              <a:t>2022/9/17</a:t>
             </a:fld>
             <a:endParaRPr kumimoji="1" lang="zh-CN" altLang="en-US"/>
           </a:p>
@@ -866,13 +771,7 @@
       </p:sp>
       <p:sp>
         <p:nvSpPr>
-          <p:cNvPr id="5" name="页脚占位符 4">
-            <a:extLst>
-              <a:ext uri="{FF2B5EF4-FFF2-40B4-BE49-F238E27FC236}">
-                <a16:creationId xmlns:a16="http://schemas.microsoft.com/office/drawing/2014/main" id="{60D86706-42E3-F443-94FC-D0AB465B5071}"/>
-              </a:ext>
-            </a:extLst>
-          </p:cNvPr>
+          <p:cNvPr id="5" name="页脚占位符 4"/>
           <p:cNvSpPr>
             <a:spLocks noGrp="1"/>
           </p:cNvSpPr>
@@ -891,13 +790,7 @@
       </p:sp>
       <p:sp>
         <p:nvSpPr>
-          <p:cNvPr id="6" name="灯片编号占位符 5">
-            <a:extLst>
-              <a:ext uri="{FF2B5EF4-FFF2-40B4-BE49-F238E27FC236}">
-                <a16:creationId xmlns:a16="http://schemas.microsoft.com/office/drawing/2014/main" id="{B19E7D09-D88E-EF42-953C-3AEC24D72AF2}"/>
-              </a:ext>
-            </a:extLst>
-          </p:cNvPr>
+          <p:cNvPr id="6" name="灯片编号占位符 5"/>
           <p:cNvSpPr>
             <a:spLocks noGrp="1"/>
           </p:cNvSpPr>
@@ -912,18 +805,12 @@
           <a:p>
             <a:fld id="{09C1DBF6-F383-2F44-8F8B-09A13366F6F1}" type="slidenum">
               <a:rPr kumimoji="1" lang="zh-CN" altLang="en-US" smtClean="0"/>
-              <a:t>‹#›</a:t>
             </a:fld>
             <a:endParaRPr kumimoji="1" lang="zh-CN" altLang="en-US"/>
           </a:p>
         </p:txBody>
       </p:sp>
     </p:spTree>
-    <p:extLst>
-      <p:ext uri="{BB962C8B-B14F-4D97-AF65-F5344CB8AC3E}">
-        <p14:creationId xmlns:p14="http://schemas.microsoft.com/office/powerpoint/2010/main" val="4135447984"/>
-      </p:ext>
-    </p:extLst>
   </p:cSld>
   <p:clrMapOvr>
     <a:masterClrMapping/>
@@ -950,13 +837,7 @@
       </p:grpSpPr>
       <p:sp>
         <p:nvSpPr>
-          <p:cNvPr id="2" name="标题 1">
-            <a:extLst>
-              <a:ext uri="{FF2B5EF4-FFF2-40B4-BE49-F238E27FC236}">
-                <a16:creationId xmlns:a16="http://schemas.microsoft.com/office/drawing/2014/main" id="{49ADB5E5-E465-DA49-8D9D-F66B536B4302}"/>
-              </a:ext>
-            </a:extLst>
-          </p:cNvPr>
+          <p:cNvPr id="2" name="标题 1"/>
           <p:cNvSpPr>
             <a:spLocks noGrp="1"/>
           </p:cNvSpPr>
@@ -982,18 +863,13 @@
               <a:rPr kumimoji="1" lang="zh-CN" altLang="en-US"/>
               <a:t>单击此处编辑母版标题样式</a:t>
             </a:r>
-          </a:p>
-        </p:txBody>
-      </p:sp>
-      <p:sp>
-        <p:nvSpPr>
-          <p:cNvPr id="3" name="文本占位符 2">
-            <a:extLst>
-              <a:ext uri="{FF2B5EF4-FFF2-40B4-BE49-F238E27FC236}">
-                <a16:creationId xmlns:a16="http://schemas.microsoft.com/office/drawing/2014/main" id="{124CF6EB-CB92-4949-97EF-3C2E631C030E}"/>
-              </a:ext>
-            </a:extLst>
-          </p:cNvPr>
+            <a:endParaRPr kumimoji="1" lang="zh-CN" altLang="en-US"/>
+          </a:p>
+        </p:txBody>
+      </p:sp>
+      <p:sp>
+        <p:nvSpPr>
+          <p:cNvPr id="3" name="文本占位符 2"/>
           <p:cNvSpPr>
             <a:spLocks noGrp="1"/>
           </p:cNvSpPr>
@@ -1107,18 +983,13 @@
               <a:rPr kumimoji="1" lang="zh-CN" altLang="en-US"/>
               <a:t>单击此处编辑母版文本样式</a:t>
             </a:r>
-          </a:p>
-        </p:txBody>
-      </p:sp>
-      <p:sp>
-        <p:nvSpPr>
-          <p:cNvPr id="4" name="日期占位符 3">
-            <a:extLst>
-              <a:ext uri="{FF2B5EF4-FFF2-40B4-BE49-F238E27FC236}">
-                <a16:creationId xmlns:a16="http://schemas.microsoft.com/office/drawing/2014/main" id="{D104ECA9-CC3E-DF44-B2F2-B0B7A39160DE}"/>
-              </a:ext>
-            </a:extLst>
-          </p:cNvPr>
+            <a:endParaRPr kumimoji="1" lang="zh-CN" altLang="en-US"/>
+          </a:p>
+        </p:txBody>
+      </p:sp>
+      <p:sp>
+        <p:nvSpPr>
+          <p:cNvPr id="4" name="日期占位符 3"/>
           <p:cNvSpPr>
             <a:spLocks noGrp="1"/>
           </p:cNvSpPr>
@@ -1133,7 +1004,6 @@
           <a:p>
             <a:fld id="{1BE6F865-66CC-5140-8791-263BB5DEED4D}" type="datetimeFigureOut">
               <a:rPr kumimoji="1" lang="zh-CN" altLang="en-US" smtClean="0"/>
-              <a:t>2022/9/17</a:t>
             </a:fld>
             <a:endParaRPr kumimoji="1" lang="zh-CN" altLang="en-US"/>
           </a:p>
@@ -1141,13 +1011,7 @@
       </p:sp>
       <p:sp>
         <p:nvSpPr>
-          <p:cNvPr id="5" name="页脚占位符 4">
-            <a:extLst>
-              <a:ext uri="{FF2B5EF4-FFF2-40B4-BE49-F238E27FC236}">
-                <a16:creationId xmlns:a16="http://schemas.microsoft.com/office/drawing/2014/main" id="{1ABC4761-F8A2-894E-BA33-29BB49588D42}"/>
-              </a:ext>
-            </a:extLst>
-          </p:cNvPr>
+          <p:cNvPr id="5" name="页脚占位符 4"/>
           <p:cNvSpPr>
             <a:spLocks noGrp="1"/>
           </p:cNvSpPr>
@@ -1166,13 +1030,7 @@
       </p:sp>
       <p:sp>
         <p:nvSpPr>
-          <p:cNvPr id="6" name="灯片编号占位符 5">
-            <a:extLst>
-              <a:ext uri="{FF2B5EF4-FFF2-40B4-BE49-F238E27FC236}">
-                <a16:creationId xmlns:a16="http://schemas.microsoft.com/office/drawing/2014/main" id="{A8F4BBDC-BC88-4E4E-A1F1-81A1229029BA}"/>
-              </a:ext>
-            </a:extLst>
-          </p:cNvPr>
+          <p:cNvPr id="6" name="灯片编号占位符 5"/>
           <p:cNvSpPr>
             <a:spLocks noGrp="1"/>
           </p:cNvSpPr>
@@ -1187,18 +1045,12 @@
           <a:p>
             <a:fld id="{09C1DBF6-F383-2F44-8F8B-09A13366F6F1}" type="slidenum">
               <a:rPr kumimoji="1" lang="zh-CN" altLang="en-US" smtClean="0"/>
-              <a:t>‹#›</a:t>
             </a:fld>
             <a:endParaRPr kumimoji="1" lang="zh-CN" altLang="en-US"/>
           </a:p>
         </p:txBody>
       </p:sp>
     </p:spTree>
-    <p:extLst>
-      <p:ext uri="{BB962C8B-B14F-4D97-AF65-F5344CB8AC3E}">
-        <p14:creationId xmlns:p14="http://schemas.microsoft.com/office/powerpoint/2010/main" val="3606151963"/>
-      </p:ext>
-    </p:extLst>
   </p:cSld>
   <p:clrMapOvr>
     <a:masterClrMapping/>
@@ -1225,13 +1077,7 @@
       </p:grpSpPr>
       <p:sp>
         <p:nvSpPr>
-          <p:cNvPr id="2" name="标题 1">
-            <a:extLst>
-              <a:ext uri="{FF2B5EF4-FFF2-40B4-BE49-F238E27FC236}">
-                <a16:creationId xmlns:a16="http://schemas.microsoft.com/office/drawing/2014/main" id="{DE604E7C-C341-3F41-80F0-EFB843B3891C}"/>
-              </a:ext>
-            </a:extLst>
-          </p:cNvPr>
+          <p:cNvPr id="2" name="标题 1"/>
           <p:cNvSpPr>
             <a:spLocks noGrp="1"/>
           </p:cNvSpPr>
@@ -1248,18 +1094,13 @@
               <a:rPr kumimoji="1" lang="zh-CN" altLang="en-US"/>
               <a:t>单击此处编辑母版标题样式</a:t>
             </a:r>
-          </a:p>
-        </p:txBody>
-      </p:sp>
-      <p:sp>
-        <p:nvSpPr>
-          <p:cNvPr id="3" name="内容占位符 2">
-            <a:extLst>
-              <a:ext uri="{FF2B5EF4-FFF2-40B4-BE49-F238E27FC236}">
-                <a16:creationId xmlns:a16="http://schemas.microsoft.com/office/drawing/2014/main" id="{B5CEBC2C-44F2-7442-9C50-029F9E05A353}"/>
-              </a:ext>
-            </a:extLst>
-          </p:cNvPr>
+            <a:endParaRPr kumimoji="1" lang="zh-CN" altLang="en-US"/>
+          </a:p>
+        </p:txBody>
+      </p:sp>
+      <p:sp>
+        <p:nvSpPr>
+          <p:cNvPr id="3" name="内容占位符 2"/>
           <p:cNvSpPr>
             <a:spLocks noGrp="1"/>
           </p:cNvSpPr>
@@ -1282,6 +1123,7 @@
               <a:rPr kumimoji="1" lang="zh-CN" altLang="en-US"/>
               <a:t>单击此处编辑母版文本样式</a:t>
             </a:r>
+            <a:endParaRPr kumimoji="1" lang="zh-CN" altLang="en-US"/>
           </a:p>
           <a:p>
             <a:pPr lvl="1"/>
@@ -1289,6 +1131,7 @@
               <a:rPr kumimoji="1" lang="zh-CN" altLang="en-US"/>
               <a:t>二级</a:t>
             </a:r>
+            <a:endParaRPr kumimoji="1" lang="zh-CN" altLang="en-US"/>
           </a:p>
           <a:p>
             <a:pPr lvl="2"/>
@@ -1296,6 +1139,7 @@
               <a:rPr kumimoji="1" lang="zh-CN" altLang="en-US"/>
               <a:t>三级</a:t>
             </a:r>
+            <a:endParaRPr kumimoji="1" lang="zh-CN" altLang="en-US"/>
           </a:p>
           <a:p>
             <a:pPr lvl="3"/>
@@ -1303,6 +1147,7 @@
               <a:rPr kumimoji="1" lang="zh-CN" altLang="en-US"/>
               <a:t>四级</a:t>
             </a:r>
+            <a:endParaRPr kumimoji="1" lang="zh-CN" altLang="en-US"/>
           </a:p>
           <a:p>
             <a:pPr lvl="4"/>
@@ -1310,18 +1155,13 @@
               <a:rPr kumimoji="1" lang="zh-CN" altLang="en-US"/>
               <a:t>五级</a:t>
             </a:r>
-          </a:p>
-        </p:txBody>
-      </p:sp>
-      <p:sp>
-        <p:nvSpPr>
-          <p:cNvPr id="4" name="内容占位符 3">
-            <a:extLst>
-              <a:ext uri="{FF2B5EF4-FFF2-40B4-BE49-F238E27FC236}">
-                <a16:creationId xmlns:a16="http://schemas.microsoft.com/office/drawing/2014/main" id="{FED811EC-B2AF-6A4C-9DDF-383A5F8B56BA}"/>
-              </a:ext>
-            </a:extLst>
-          </p:cNvPr>
+            <a:endParaRPr kumimoji="1" lang="zh-CN" altLang="en-US"/>
+          </a:p>
+        </p:txBody>
+      </p:sp>
+      <p:sp>
+        <p:nvSpPr>
+          <p:cNvPr id="4" name="内容占位符 3"/>
           <p:cNvSpPr>
             <a:spLocks noGrp="1"/>
           </p:cNvSpPr>
@@ -1344,6 +1184,7 @@
               <a:rPr kumimoji="1" lang="zh-CN" altLang="en-US"/>
               <a:t>单击此处编辑母版文本样式</a:t>
             </a:r>
+            <a:endParaRPr kumimoji="1" lang="zh-CN" altLang="en-US"/>
           </a:p>
           <a:p>
             <a:pPr lvl="1"/>
@@ -1351,6 +1192,7 @@
               <a:rPr kumimoji="1" lang="zh-CN" altLang="en-US"/>
               <a:t>二级</a:t>
             </a:r>
+            <a:endParaRPr kumimoji="1" lang="zh-CN" altLang="en-US"/>
           </a:p>
           <a:p>
             <a:pPr lvl="2"/>
@@ -1358,6 +1200,7 @@
               <a:rPr kumimoji="1" lang="zh-CN" altLang="en-US"/>
               <a:t>三级</a:t>
             </a:r>
+            <a:endParaRPr kumimoji="1" lang="zh-CN" altLang="en-US"/>
           </a:p>
           <a:p>
             <a:pPr lvl="3"/>
@@ -1365,6 +1208,7 @@
               <a:rPr kumimoji="1" lang="zh-CN" altLang="en-US"/>
               <a:t>四级</a:t>
             </a:r>
+            <a:endParaRPr kumimoji="1" lang="zh-CN" altLang="en-US"/>
           </a:p>
           <a:p>
             <a:pPr lvl="4"/>
@@ -1372,18 +1216,13 @@
               <a:rPr kumimoji="1" lang="zh-CN" altLang="en-US"/>
               <a:t>五级</a:t>
             </a:r>
-          </a:p>
-        </p:txBody>
-      </p:sp>
-      <p:sp>
-        <p:nvSpPr>
-          <p:cNvPr id="5" name="日期占位符 4">
-            <a:extLst>
-              <a:ext uri="{FF2B5EF4-FFF2-40B4-BE49-F238E27FC236}">
-                <a16:creationId xmlns:a16="http://schemas.microsoft.com/office/drawing/2014/main" id="{2A63A8A7-B390-8B44-ACE4-EF7E45E4F63F}"/>
-              </a:ext>
-            </a:extLst>
-          </p:cNvPr>
+            <a:endParaRPr kumimoji="1" lang="zh-CN" altLang="en-US"/>
+          </a:p>
+        </p:txBody>
+      </p:sp>
+      <p:sp>
+        <p:nvSpPr>
+          <p:cNvPr id="5" name="日期占位符 4"/>
           <p:cNvSpPr>
             <a:spLocks noGrp="1"/>
           </p:cNvSpPr>
@@ -1398,7 +1237,6 @@
           <a:p>
             <a:fld id="{1BE6F865-66CC-5140-8791-263BB5DEED4D}" type="datetimeFigureOut">
               <a:rPr kumimoji="1" lang="zh-CN" altLang="en-US" smtClean="0"/>
-              <a:t>2022/9/17</a:t>
             </a:fld>
             <a:endParaRPr kumimoji="1" lang="zh-CN" altLang="en-US"/>
           </a:p>
@@ -1406,13 +1244,7 @@
       </p:sp>
       <p:sp>
         <p:nvSpPr>
-          <p:cNvPr id="6" name="页脚占位符 5">
-            <a:extLst>
-              <a:ext uri="{FF2B5EF4-FFF2-40B4-BE49-F238E27FC236}">
-                <a16:creationId xmlns:a16="http://schemas.microsoft.com/office/drawing/2014/main" id="{3C52D168-2E60-EE4D-A7A6-D64F1245AE38}"/>
-              </a:ext>
-            </a:extLst>
-          </p:cNvPr>
+          <p:cNvPr id="6" name="页脚占位符 5"/>
           <p:cNvSpPr>
             <a:spLocks noGrp="1"/>
           </p:cNvSpPr>
@@ -1431,13 +1263,7 @@
       </p:sp>
       <p:sp>
         <p:nvSpPr>
-          <p:cNvPr id="7" name="灯片编号占位符 6">
-            <a:extLst>
-              <a:ext uri="{FF2B5EF4-FFF2-40B4-BE49-F238E27FC236}">
-                <a16:creationId xmlns:a16="http://schemas.microsoft.com/office/drawing/2014/main" id="{13D25A9A-2BDA-6342-B698-D4271CC01DE0}"/>
-              </a:ext>
-            </a:extLst>
-          </p:cNvPr>
+          <p:cNvPr id="7" name="灯片编号占位符 6"/>
           <p:cNvSpPr>
             <a:spLocks noGrp="1"/>
           </p:cNvSpPr>
@@ -1452,18 +1278,12 @@
           <a:p>
             <a:fld id="{09C1DBF6-F383-2F44-8F8B-09A13366F6F1}" type="slidenum">
               <a:rPr kumimoji="1" lang="zh-CN" altLang="en-US" smtClean="0"/>
-              <a:t>‹#›</a:t>
             </a:fld>
             <a:endParaRPr kumimoji="1" lang="zh-CN" altLang="en-US"/>
           </a:p>
         </p:txBody>
       </p:sp>
     </p:spTree>
-    <p:extLst>
-      <p:ext uri="{BB962C8B-B14F-4D97-AF65-F5344CB8AC3E}">
-        <p14:creationId xmlns:p14="http://schemas.microsoft.com/office/powerpoint/2010/main" val="3607828857"/>
-      </p:ext>
-    </p:extLst>
   </p:cSld>
   <p:clrMapOvr>
     <a:masterClrMapping/>
@@ -1490,13 +1310,7 @@
       </p:grpSpPr>
       <p:sp>
         <p:nvSpPr>
-          <p:cNvPr id="2" name="标题 1">
-            <a:extLst>
-              <a:ext uri="{FF2B5EF4-FFF2-40B4-BE49-F238E27FC236}">
-                <a16:creationId xmlns:a16="http://schemas.microsoft.com/office/drawing/2014/main" id="{5D4A4A4C-3130-F24A-8A5B-E35BEDAF6C70}"/>
-              </a:ext>
-            </a:extLst>
-          </p:cNvPr>
+          <p:cNvPr id="2" name="标题 1"/>
           <p:cNvSpPr>
             <a:spLocks noGrp="1"/>
           </p:cNvSpPr>
@@ -1518,18 +1332,13 @@
               <a:rPr kumimoji="1" lang="zh-CN" altLang="en-US"/>
               <a:t>单击此处编辑母版标题样式</a:t>
             </a:r>
-          </a:p>
-        </p:txBody>
-      </p:sp>
-      <p:sp>
-        <p:nvSpPr>
-          <p:cNvPr id="3" name="文本占位符 2">
-            <a:extLst>
-              <a:ext uri="{FF2B5EF4-FFF2-40B4-BE49-F238E27FC236}">
-                <a16:creationId xmlns:a16="http://schemas.microsoft.com/office/drawing/2014/main" id="{E19844F5-41EE-DA46-B016-0F3A9641A143}"/>
-              </a:ext>
-            </a:extLst>
-          </p:cNvPr>
+            <a:endParaRPr kumimoji="1" lang="zh-CN" altLang="en-US"/>
+          </a:p>
+        </p:txBody>
+      </p:sp>
+      <p:sp>
+        <p:nvSpPr>
+          <p:cNvPr id="3" name="文本占位符 2"/>
           <p:cNvSpPr>
             <a:spLocks noGrp="1"/>
           </p:cNvSpPr>
@@ -1589,18 +1398,13 @@
               <a:rPr kumimoji="1" lang="zh-CN" altLang="en-US"/>
               <a:t>单击此处编辑母版文本样式</a:t>
             </a:r>
-          </a:p>
-        </p:txBody>
-      </p:sp>
-      <p:sp>
-        <p:nvSpPr>
-          <p:cNvPr id="4" name="内容占位符 3">
-            <a:extLst>
-              <a:ext uri="{FF2B5EF4-FFF2-40B4-BE49-F238E27FC236}">
-                <a16:creationId xmlns:a16="http://schemas.microsoft.com/office/drawing/2014/main" id="{7A424E1A-7D7D-144E-8C01-0CDCCB2E5112}"/>
-              </a:ext>
-            </a:extLst>
-          </p:cNvPr>
+            <a:endParaRPr kumimoji="1" lang="zh-CN" altLang="en-US"/>
+          </a:p>
+        </p:txBody>
+      </p:sp>
+      <p:sp>
+        <p:nvSpPr>
+          <p:cNvPr id="4" name="内容占位符 3"/>
           <p:cNvSpPr>
             <a:spLocks noGrp="1"/>
           </p:cNvSpPr>
@@ -1623,6 +1427,7 @@
               <a:rPr kumimoji="1" lang="zh-CN" altLang="en-US"/>
               <a:t>单击此处编辑母版文本样式</a:t>
             </a:r>
+            <a:endParaRPr kumimoji="1" lang="zh-CN" altLang="en-US"/>
           </a:p>
           <a:p>
             <a:pPr lvl="1"/>
@@ -1630,6 +1435,7 @@
               <a:rPr kumimoji="1" lang="zh-CN" altLang="en-US"/>
               <a:t>二级</a:t>
             </a:r>
+            <a:endParaRPr kumimoji="1" lang="zh-CN" altLang="en-US"/>
           </a:p>
           <a:p>
             <a:pPr lvl="2"/>
@@ -1637,6 +1443,7 @@
               <a:rPr kumimoji="1" lang="zh-CN" altLang="en-US"/>
               <a:t>三级</a:t>
             </a:r>
+            <a:endParaRPr kumimoji="1" lang="zh-CN" altLang="en-US"/>
           </a:p>
           <a:p>
             <a:pPr lvl="3"/>
@@ -1644,6 +1451,7 @@
               <a:rPr kumimoji="1" lang="zh-CN" altLang="en-US"/>
               <a:t>四级</a:t>
             </a:r>
+            <a:endParaRPr kumimoji="1" lang="zh-CN" altLang="en-US"/>
           </a:p>
           <a:p>
             <a:pPr lvl="4"/>
@@ -1651,18 +1459,13 @@
               <a:rPr kumimoji="1" lang="zh-CN" altLang="en-US"/>
               <a:t>五级</a:t>
             </a:r>
-          </a:p>
-        </p:txBody>
-      </p:sp>
-      <p:sp>
-        <p:nvSpPr>
-          <p:cNvPr id="5" name="文本占位符 4">
-            <a:extLst>
-              <a:ext uri="{FF2B5EF4-FFF2-40B4-BE49-F238E27FC236}">
-                <a16:creationId xmlns:a16="http://schemas.microsoft.com/office/drawing/2014/main" id="{67248902-91C1-CE4E-AF18-2E6F4BA88639}"/>
-              </a:ext>
-            </a:extLst>
-          </p:cNvPr>
+            <a:endParaRPr kumimoji="1" lang="zh-CN" altLang="en-US"/>
+          </a:p>
+        </p:txBody>
+      </p:sp>
+      <p:sp>
+        <p:nvSpPr>
+          <p:cNvPr id="5" name="文本占位符 4"/>
           <p:cNvSpPr>
             <a:spLocks noGrp="1"/>
           </p:cNvSpPr>
@@ -1722,18 +1525,13 @@
               <a:rPr kumimoji="1" lang="zh-CN" altLang="en-US"/>
               <a:t>单击此处编辑母版文本样式</a:t>
             </a:r>
-          </a:p>
-        </p:txBody>
-      </p:sp>
-      <p:sp>
-        <p:nvSpPr>
-          <p:cNvPr id="6" name="内容占位符 5">
-            <a:extLst>
-              <a:ext uri="{FF2B5EF4-FFF2-40B4-BE49-F238E27FC236}">
-                <a16:creationId xmlns:a16="http://schemas.microsoft.com/office/drawing/2014/main" id="{FA70864D-EF59-AC41-9BDC-A73D8F33CDB2}"/>
-              </a:ext>
-            </a:extLst>
-          </p:cNvPr>
+            <a:endParaRPr kumimoji="1" lang="zh-CN" altLang="en-US"/>
+          </a:p>
+        </p:txBody>
+      </p:sp>
+      <p:sp>
+        <p:nvSpPr>
+          <p:cNvPr id="6" name="内容占位符 5"/>
           <p:cNvSpPr>
             <a:spLocks noGrp="1"/>
           </p:cNvSpPr>
@@ -1756,6 +1554,7 @@
               <a:rPr kumimoji="1" lang="zh-CN" altLang="en-US"/>
               <a:t>单击此处编辑母版文本样式</a:t>
             </a:r>
+            <a:endParaRPr kumimoji="1" lang="zh-CN" altLang="en-US"/>
           </a:p>
           <a:p>
             <a:pPr lvl="1"/>
@@ -1763,6 +1562,7 @@
               <a:rPr kumimoji="1" lang="zh-CN" altLang="en-US"/>
               <a:t>二级</a:t>
             </a:r>
+            <a:endParaRPr kumimoji="1" lang="zh-CN" altLang="en-US"/>
           </a:p>
           <a:p>
             <a:pPr lvl="2"/>
@@ -1770,6 +1570,7 @@
               <a:rPr kumimoji="1" lang="zh-CN" altLang="en-US"/>
               <a:t>三级</a:t>
             </a:r>
+            <a:endParaRPr kumimoji="1" lang="zh-CN" altLang="en-US"/>
           </a:p>
           <a:p>
             <a:pPr lvl="3"/>
@@ -1777,6 +1578,7 @@
               <a:rPr kumimoji="1" lang="zh-CN" altLang="en-US"/>
               <a:t>四级</a:t>
             </a:r>
+            <a:endParaRPr kumimoji="1" lang="zh-CN" altLang="en-US"/>
           </a:p>
           <a:p>
             <a:pPr lvl="4"/>
@@ -1784,18 +1586,13 @@
               <a:rPr kumimoji="1" lang="zh-CN" altLang="en-US"/>
               <a:t>五级</a:t>
             </a:r>
-          </a:p>
-        </p:txBody>
-      </p:sp>
-      <p:sp>
-        <p:nvSpPr>
-          <p:cNvPr id="7" name="日期占位符 6">
-            <a:extLst>
-              <a:ext uri="{FF2B5EF4-FFF2-40B4-BE49-F238E27FC236}">
-                <a16:creationId xmlns:a16="http://schemas.microsoft.com/office/drawing/2014/main" id="{39DC89DE-2026-5147-B2A8-BCB431F82116}"/>
-              </a:ext>
-            </a:extLst>
-          </p:cNvPr>
+            <a:endParaRPr kumimoji="1" lang="zh-CN" altLang="en-US"/>
+          </a:p>
+        </p:txBody>
+      </p:sp>
+      <p:sp>
+        <p:nvSpPr>
+          <p:cNvPr id="7" name="日期占位符 6"/>
           <p:cNvSpPr>
             <a:spLocks noGrp="1"/>
           </p:cNvSpPr>
@@ -1810,7 +1607,6 @@
           <a:p>
             <a:fld id="{1BE6F865-66CC-5140-8791-263BB5DEED4D}" type="datetimeFigureOut">
               <a:rPr kumimoji="1" lang="zh-CN" altLang="en-US" smtClean="0"/>
-              <a:t>2022/9/17</a:t>
             </a:fld>
             <a:endParaRPr kumimoji="1" lang="zh-CN" altLang="en-US"/>
           </a:p>
@@ -1818,13 +1614,7 @@
       </p:sp>
       <p:sp>
         <p:nvSpPr>
-          <p:cNvPr id="8" name="页脚占位符 7">
-            <a:extLst>
-              <a:ext uri="{FF2B5EF4-FFF2-40B4-BE49-F238E27FC236}">
-                <a16:creationId xmlns:a16="http://schemas.microsoft.com/office/drawing/2014/main" id="{BEB720E1-720B-9E4C-AB17-F916713958D4}"/>
-              </a:ext>
-            </a:extLst>
-          </p:cNvPr>
+          <p:cNvPr id="8" name="页脚占位符 7"/>
           <p:cNvSpPr>
             <a:spLocks noGrp="1"/>
           </p:cNvSpPr>
@@ -1843,13 +1633,7 @@
       </p:sp>
       <p:sp>
         <p:nvSpPr>
-          <p:cNvPr id="9" name="灯片编号占位符 8">
-            <a:extLst>
-              <a:ext uri="{FF2B5EF4-FFF2-40B4-BE49-F238E27FC236}">
-                <a16:creationId xmlns:a16="http://schemas.microsoft.com/office/drawing/2014/main" id="{46B5F6F1-E666-0345-AFA2-FFC574411A0C}"/>
-              </a:ext>
-            </a:extLst>
-          </p:cNvPr>
+          <p:cNvPr id="9" name="灯片编号占位符 8"/>
           <p:cNvSpPr>
             <a:spLocks noGrp="1"/>
           </p:cNvSpPr>
@@ -1864,18 +1648,12 @@
           <a:p>
             <a:fld id="{09C1DBF6-F383-2F44-8F8B-09A13366F6F1}" type="slidenum">
               <a:rPr kumimoji="1" lang="zh-CN" altLang="en-US" smtClean="0"/>
-              <a:t>‹#›</a:t>
             </a:fld>
             <a:endParaRPr kumimoji="1" lang="zh-CN" altLang="en-US"/>
           </a:p>
         </p:txBody>
       </p:sp>
     </p:spTree>
-    <p:extLst>
-      <p:ext uri="{BB962C8B-B14F-4D97-AF65-F5344CB8AC3E}">
-        <p14:creationId xmlns:p14="http://schemas.microsoft.com/office/powerpoint/2010/main" val="3583397769"/>
-      </p:ext>
-    </p:extLst>
   </p:cSld>
   <p:clrMapOvr>
     <a:masterClrMapping/>
@@ -1902,13 +1680,7 @@
       </p:grpSpPr>
       <p:sp>
         <p:nvSpPr>
-          <p:cNvPr id="2" name="标题 1">
-            <a:extLst>
-              <a:ext uri="{FF2B5EF4-FFF2-40B4-BE49-F238E27FC236}">
-                <a16:creationId xmlns:a16="http://schemas.microsoft.com/office/drawing/2014/main" id="{5E24F4C5-A45C-364E-A116-FE4092EE6331}"/>
-              </a:ext>
-            </a:extLst>
-          </p:cNvPr>
+          <p:cNvPr id="2" name="标题 1"/>
           <p:cNvSpPr>
             <a:spLocks noGrp="1"/>
           </p:cNvSpPr>
@@ -1925,18 +1697,13 @@
               <a:rPr kumimoji="1" lang="zh-CN" altLang="en-US"/>
               <a:t>单击此处编辑母版标题样式</a:t>
             </a:r>
-          </a:p>
-        </p:txBody>
-      </p:sp>
-      <p:sp>
-        <p:nvSpPr>
-          <p:cNvPr id="3" name="日期占位符 2">
-            <a:extLst>
-              <a:ext uri="{FF2B5EF4-FFF2-40B4-BE49-F238E27FC236}">
-                <a16:creationId xmlns:a16="http://schemas.microsoft.com/office/drawing/2014/main" id="{8EF27FCC-5EEA-D54E-AD11-3E96F172457B}"/>
-              </a:ext>
-            </a:extLst>
-          </p:cNvPr>
+            <a:endParaRPr kumimoji="1" lang="zh-CN" altLang="en-US"/>
+          </a:p>
+        </p:txBody>
+      </p:sp>
+      <p:sp>
+        <p:nvSpPr>
+          <p:cNvPr id="3" name="日期占位符 2"/>
           <p:cNvSpPr>
             <a:spLocks noGrp="1"/>
           </p:cNvSpPr>
@@ -1951,7 +1718,6 @@
           <a:p>
             <a:fld id="{1BE6F865-66CC-5140-8791-263BB5DEED4D}" type="datetimeFigureOut">
               <a:rPr kumimoji="1" lang="zh-CN" altLang="en-US" smtClean="0"/>
-              <a:t>2022/9/17</a:t>
             </a:fld>
             <a:endParaRPr kumimoji="1" lang="zh-CN" altLang="en-US"/>
           </a:p>
@@ -1959,13 +1725,7 @@
       </p:sp>
       <p:sp>
         <p:nvSpPr>
-          <p:cNvPr id="4" name="页脚占位符 3">
-            <a:extLst>
-              <a:ext uri="{FF2B5EF4-FFF2-40B4-BE49-F238E27FC236}">
-                <a16:creationId xmlns:a16="http://schemas.microsoft.com/office/drawing/2014/main" id="{3D505F64-8A25-EC45-A28B-5D4C9D850F44}"/>
-              </a:ext>
-            </a:extLst>
-          </p:cNvPr>
+          <p:cNvPr id="4" name="页脚占位符 3"/>
           <p:cNvSpPr>
             <a:spLocks noGrp="1"/>
           </p:cNvSpPr>
@@ -1984,13 +1744,7 @@
       </p:sp>
       <p:sp>
         <p:nvSpPr>
-          <p:cNvPr id="5" name="灯片编号占位符 4">
-            <a:extLst>
-              <a:ext uri="{FF2B5EF4-FFF2-40B4-BE49-F238E27FC236}">
-                <a16:creationId xmlns:a16="http://schemas.microsoft.com/office/drawing/2014/main" id="{D3B4BDBB-C3CA-B94F-A891-EBF6850F63D9}"/>
-              </a:ext>
-            </a:extLst>
-          </p:cNvPr>
+          <p:cNvPr id="5" name="灯片编号占位符 4"/>
           <p:cNvSpPr>
             <a:spLocks noGrp="1"/>
           </p:cNvSpPr>
@@ -2005,18 +1759,12 @@
           <a:p>
             <a:fld id="{09C1DBF6-F383-2F44-8F8B-09A13366F6F1}" type="slidenum">
               <a:rPr kumimoji="1" lang="zh-CN" altLang="en-US" smtClean="0"/>
-              <a:t>‹#›</a:t>
             </a:fld>
             <a:endParaRPr kumimoji="1" lang="zh-CN" altLang="en-US"/>
           </a:p>
         </p:txBody>
       </p:sp>
     </p:spTree>
-    <p:extLst>
-      <p:ext uri="{BB962C8B-B14F-4D97-AF65-F5344CB8AC3E}">
-        <p14:creationId xmlns:p14="http://schemas.microsoft.com/office/powerpoint/2010/main" val="860340476"/>
-      </p:ext>
-    </p:extLst>
   </p:cSld>
   <p:clrMapOvr>
     <a:masterClrMapping/>
@@ -2043,13 +1791,7 @@
       </p:grpSpPr>
       <p:sp>
         <p:nvSpPr>
-          <p:cNvPr id="2" name="日期占位符 1">
-            <a:extLst>
-              <a:ext uri="{FF2B5EF4-FFF2-40B4-BE49-F238E27FC236}">
-                <a16:creationId xmlns:a16="http://schemas.microsoft.com/office/drawing/2014/main" id="{BEE95985-4752-0743-8402-FFC6B7B73D44}"/>
-              </a:ext>
-            </a:extLst>
-          </p:cNvPr>
+          <p:cNvPr id="2" name="日期占位符 1"/>
           <p:cNvSpPr>
             <a:spLocks noGrp="1"/>
           </p:cNvSpPr>
@@ -2064,7 +1806,6 @@
           <a:p>
             <a:fld id="{1BE6F865-66CC-5140-8791-263BB5DEED4D}" type="datetimeFigureOut">
               <a:rPr kumimoji="1" lang="zh-CN" altLang="en-US" smtClean="0"/>
-              <a:t>2022/9/17</a:t>
             </a:fld>
             <a:endParaRPr kumimoji="1" lang="zh-CN" altLang="en-US"/>
           </a:p>
@@ -2072,13 +1813,7 @@
       </p:sp>
       <p:sp>
         <p:nvSpPr>
-          <p:cNvPr id="3" name="页脚占位符 2">
-            <a:extLst>
-              <a:ext uri="{FF2B5EF4-FFF2-40B4-BE49-F238E27FC236}">
-                <a16:creationId xmlns:a16="http://schemas.microsoft.com/office/drawing/2014/main" id="{D189A9FC-0150-F14C-9CDB-5B57B4533BF4}"/>
-              </a:ext>
-            </a:extLst>
-          </p:cNvPr>
+          <p:cNvPr id="3" name="页脚占位符 2"/>
           <p:cNvSpPr>
             <a:spLocks noGrp="1"/>
           </p:cNvSpPr>
@@ -2097,13 +1832,7 @@
       </p:sp>
       <p:sp>
         <p:nvSpPr>
-          <p:cNvPr id="4" name="灯片编号占位符 3">
-            <a:extLst>
-              <a:ext uri="{FF2B5EF4-FFF2-40B4-BE49-F238E27FC236}">
-                <a16:creationId xmlns:a16="http://schemas.microsoft.com/office/drawing/2014/main" id="{0F5774F5-D24B-6342-845E-FDFBE05D747A}"/>
-              </a:ext>
-            </a:extLst>
-          </p:cNvPr>
+          <p:cNvPr id="4" name="灯片编号占位符 3"/>
           <p:cNvSpPr>
             <a:spLocks noGrp="1"/>
           </p:cNvSpPr>
@@ -2118,18 +1847,12 @@
           <a:p>
             <a:fld id="{09C1DBF6-F383-2F44-8F8B-09A13366F6F1}" type="slidenum">
               <a:rPr kumimoji="1" lang="zh-CN" altLang="en-US" smtClean="0"/>
-              <a:t>‹#›</a:t>
             </a:fld>
             <a:endParaRPr kumimoji="1" lang="zh-CN" altLang="en-US"/>
           </a:p>
         </p:txBody>
       </p:sp>
     </p:spTree>
-    <p:extLst>
-      <p:ext uri="{BB962C8B-B14F-4D97-AF65-F5344CB8AC3E}">
-        <p14:creationId xmlns:p14="http://schemas.microsoft.com/office/powerpoint/2010/main" val="256054316"/>
-      </p:ext>
-    </p:extLst>
   </p:cSld>
   <p:clrMapOvr>
     <a:masterClrMapping/>
@@ -2156,13 +1879,7 @@
       </p:grpSpPr>
       <p:sp>
         <p:nvSpPr>
-          <p:cNvPr id="2" name="标题 1">
-            <a:extLst>
-              <a:ext uri="{FF2B5EF4-FFF2-40B4-BE49-F238E27FC236}">
-                <a16:creationId xmlns:a16="http://schemas.microsoft.com/office/drawing/2014/main" id="{02821C3B-EC0F-A441-9B77-1BABD39FFCF9}"/>
-              </a:ext>
-            </a:extLst>
-          </p:cNvPr>
+          <p:cNvPr id="2" name="标题 1"/>
           <p:cNvSpPr>
             <a:spLocks noGrp="1"/>
           </p:cNvSpPr>
@@ -2188,18 +1905,13 @@
               <a:rPr kumimoji="1" lang="zh-CN" altLang="en-US"/>
               <a:t>单击此处编辑母版标题样式</a:t>
             </a:r>
-          </a:p>
-        </p:txBody>
-      </p:sp>
-      <p:sp>
-        <p:nvSpPr>
-          <p:cNvPr id="3" name="内容占位符 2">
-            <a:extLst>
-              <a:ext uri="{FF2B5EF4-FFF2-40B4-BE49-F238E27FC236}">
-                <a16:creationId xmlns:a16="http://schemas.microsoft.com/office/drawing/2014/main" id="{7D4990CE-70BF-9A44-9FD4-F8E4E1774DF7}"/>
-              </a:ext>
-            </a:extLst>
-          </p:cNvPr>
+            <a:endParaRPr kumimoji="1" lang="zh-CN" altLang="en-US"/>
+          </a:p>
+        </p:txBody>
+      </p:sp>
+      <p:sp>
+        <p:nvSpPr>
+          <p:cNvPr id="3" name="内容占位符 2"/>
           <p:cNvSpPr>
             <a:spLocks noGrp="1"/>
           </p:cNvSpPr>
@@ -2250,6 +1962,7 @@
               <a:rPr kumimoji="1" lang="zh-CN" altLang="en-US"/>
               <a:t>单击此处编辑母版文本样式</a:t>
             </a:r>
+            <a:endParaRPr kumimoji="1" lang="zh-CN" altLang="en-US"/>
           </a:p>
           <a:p>
             <a:pPr lvl="1"/>
@@ -2257,6 +1970,7 @@
               <a:rPr kumimoji="1" lang="zh-CN" altLang="en-US"/>
               <a:t>二级</a:t>
             </a:r>
+            <a:endParaRPr kumimoji="1" lang="zh-CN" altLang="en-US"/>
           </a:p>
           <a:p>
             <a:pPr lvl="2"/>
@@ -2264,6 +1978,7 @@
               <a:rPr kumimoji="1" lang="zh-CN" altLang="en-US"/>
               <a:t>三级</a:t>
             </a:r>
+            <a:endParaRPr kumimoji="1" lang="zh-CN" altLang="en-US"/>
           </a:p>
           <a:p>
             <a:pPr lvl="3"/>
@@ -2271,6 +1986,7 @@
               <a:rPr kumimoji="1" lang="zh-CN" altLang="en-US"/>
               <a:t>四级</a:t>
             </a:r>
+            <a:endParaRPr kumimoji="1" lang="zh-CN" altLang="en-US"/>
           </a:p>
           <a:p>
             <a:pPr lvl="4"/>
@@ -2278,18 +1994,13 @@
               <a:rPr kumimoji="1" lang="zh-CN" altLang="en-US"/>
               <a:t>五级</a:t>
             </a:r>
-          </a:p>
-        </p:txBody>
-      </p:sp>
-      <p:sp>
-        <p:nvSpPr>
-          <p:cNvPr id="4" name="文本占位符 3">
-            <a:extLst>
-              <a:ext uri="{FF2B5EF4-FFF2-40B4-BE49-F238E27FC236}">
-                <a16:creationId xmlns:a16="http://schemas.microsoft.com/office/drawing/2014/main" id="{343211C3-36F8-4A4C-AC8D-7DC8B94AD1D6}"/>
-              </a:ext>
-            </a:extLst>
-          </p:cNvPr>
+            <a:endParaRPr kumimoji="1" lang="zh-CN" altLang="en-US"/>
+          </a:p>
+        </p:txBody>
+      </p:sp>
+      <p:sp>
+        <p:nvSpPr>
+          <p:cNvPr id="4" name="文本占位符 3"/>
           <p:cNvSpPr>
             <a:spLocks noGrp="1"/>
           </p:cNvSpPr>
@@ -2349,18 +2060,13 @@
               <a:rPr kumimoji="1" lang="zh-CN" altLang="en-US"/>
               <a:t>单击此处编辑母版文本样式</a:t>
             </a:r>
-          </a:p>
-        </p:txBody>
-      </p:sp>
-      <p:sp>
-        <p:nvSpPr>
-          <p:cNvPr id="5" name="日期占位符 4">
-            <a:extLst>
-              <a:ext uri="{FF2B5EF4-FFF2-40B4-BE49-F238E27FC236}">
-                <a16:creationId xmlns:a16="http://schemas.microsoft.com/office/drawing/2014/main" id="{CEF9DAEB-EE3A-1849-A7D6-731E2C854C7E}"/>
-              </a:ext>
-            </a:extLst>
-          </p:cNvPr>
+            <a:endParaRPr kumimoji="1" lang="zh-CN" altLang="en-US"/>
+          </a:p>
+        </p:txBody>
+      </p:sp>
+      <p:sp>
+        <p:nvSpPr>
+          <p:cNvPr id="5" name="日期占位符 4"/>
           <p:cNvSpPr>
             <a:spLocks noGrp="1"/>
           </p:cNvSpPr>
@@ -2375,7 +2081,6 @@
           <a:p>
             <a:fld id="{1BE6F865-66CC-5140-8791-263BB5DEED4D}" type="datetimeFigureOut">
               <a:rPr kumimoji="1" lang="zh-CN" altLang="en-US" smtClean="0"/>
-              <a:t>2022/9/17</a:t>
             </a:fld>
             <a:endParaRPr kumimoji="1" lang="zh-CN" altLang="en-US"/>
           </a:p>
@@ -2383,13 +2088,7 @@
       </p:sp>
       <p:sp>
         <p:nvSpPr>
-          <p:cNvPr id="6" name="页脚占位符 5">
-            <a:extLst>
-              <a:ext uri="{FF2B5EF4-FFF2-40B4-BE49-F238E27FC236}">
-                <a16:creationId xmlns:a16="http://schemas.microsoft.com/office/drawing/2014/main" id="{AE1D0F89-8B49-A847-BB90-8BC3B7618477}"/>
-              </a:ext>
-            </a:extLst>
-          </p:cNvPr>
+          <p:cNvPr id="6" name="页脚占位符 5"/>
           <p:cNvSpPr>
             <a:spLocks noGrp="1"/>
           </p:cNvSpPr>
@@ -2408,13 +2107,7 @@
       </p:sp>
       <p:sp>
         <p:nvSpPr>
-          <p:cNvPr id="7" name="灯片编号占位符 6">
-            <a:extLst>
-              <a:ext uri="{FF2B5EF4-FFF2-40B4-BE49-F238E27FC236}">
-                <a16:creationId xmlns:a16="http://schemas.microsoft.com/office/drawing/2014/main" id="{4666901B-F9A5-A14D-8D03-9F40C922014A}"/>
-              </a:ext>
-            </a:extLst>
-          </p:cNvPr>
+          <p:cNvPr id="7" name="灯片编号占位符 6"/>
           <p:cNvSpPr>
             <a:spLocks noGrp="1"/>
           </p:cNvSpPr>
@@ -2429,18 +2122,12 @@
           <a:p>
             <a:fld id="{09C1DBF6-F383-2F44-8F8B-09A13366F6F1}" type="slidenum">
               <a:rPr kumimoji="1" lang="zh-CN" altLang="en-US" smtClean="0"/>
-              <a:t>‹#›</a:t>
             </a:fld>
             <a:endParaRPr kumimoji="1" lang="zh-CN" altLang="en-US"/>
           </a:p>
         </p:txBody>
       </p:sp>
     </p:spTree>
-    <p:extLst>
-      <p:ext uri="{BB962C8B-B14F-4D97-AF65-F5344CB8AC3E}">
-        <p14:creationId xmlns:p14="http://schemas.microsoft.com/office/powerpoint/2010/main" val="3658752867"/>
-      </p:ext>
-    </p:extLst>
   </p:cSld>
   <p:clrMapOvr>
     <a:masterClrMapping/>
@@ -2467,13 +2154,7 @@
       </p:grpSpPr>
       <p:sp>
         <p:nvSpPr>
-          <p:cNvPr id="2" name="标题 1">
-            <a:extLst>
-              <a:ext uri="{FF2B5EF4-FFF2-40B4-BE49-F238E27FC236}">
-                <a16:creationId xmlns:a16="http://schemas.microsoft.com/office/drawing/2014/main" id="{AED1BD63-164B-7E4D-A01A-C314DB589404}"/>
-              </a:ext>
-            </a:extLst>
-          </p:cNvPr>
+          <p:cNvPr id="2" name="标题 1"/>
           <p:cNvSpPr>
             <a:spLocks noGrp="1"/>
           </p:cNvSpPr>
@@ -2499,18 +2180,13 @@
               <a:rPr kumimoji="1" lang="zh-CN" altLang="en-US"/>
               <a:t>单击此处编辑母版标题样式</a:t>
             </a:r>
-          </a:p>
-        </p:txBody>
-      </p:sp>
-      <p:sp>
-        <p:nvSpPr>
-          <p:cNvPr id="3" name="图片占位符 2">
-            <a:extLst>
-              <a:ext uri="{FF2B5EF4-FFF2-40B4-BE49-F238E27FC236}">
-                <a16:creationId xmlns:a16="http://schemas.microsoft.com/office/drawing/2014/main" id="{F25FEE83-AE4B-1F49-A0A9-3B62F4D21495}"/>
-              </a:ext>
-            </a:extLst>
-          </p:cNvPr>
+            <a:endParaRPr kumimoji="1" lang="zh-CN" altLang="en-US"/>
+          </a:p>
+        </p:txBody>
+      </p:sp>
+      <p:sp>
+        <p:nvSpPr>
+          <p:cNvPr id="3" name="图片占位符 2"/>
           <p:cNvSpPr>
             <a:spLocks noGrp="1"/>
           </p:cNvSpPr>
@@ -2571,13 +2247,7 @@
       </p:sp>
       <p:sp>
         <p:nvSpPr>
-          <p:cNvPr id="4" name="文本占位符 3">
-            <a:extLst>
-              <a:ext uri="{FF2B5EF4-FFF2-40B4-BE49-F238E27FC236}">
-                <a16:creationId xmlns:a16="http://schemas.microsoft.com/office/drawing/2014/main" id="{0DE8FE23-6F06-0948-ABE2-15D4EF129459}"/>
-              </a:ext>
-            </a:extLst>
-          </p:cNvPr>
+          <p:cNvPr id="4" name="文本占位符 3"/>
           <p:cNvSpPr>
             <a:spLocks noGrp="1"/>
           </p:cNvSpPr>
@@ -2637,18 +2307,13 @@
               <a:rPr kumimoji="1" lang="zh-CN" altLang="en-US"/>
               <a:t>单击此处编辑母版文本样式</a:t>
             </a:r>
-          </a:p>
-        </p:txBody>
-      </p:sp>
-      <p:sp>
-        <p:nvSpPr>
-          <p:cNvPr id="5" name="日期占位符 4">
-            <a:extLst>
-              <a:ext uri="{FF2B5EF4-FFF2-40B4-BE49-F238E27FC236}">
-                <a16:creationId xmlns:a16="http://schemas.microsoft.com/office/drawing/2014/main" id="{1C25C244-DC4E-A746-9831-7D6AA7804376}"/>
-              </a:ext>
-            </a:extLst>
-          </p:cNvPr>
+            <a:endParaRPr kumimoji="1" lang="zh-CN" altLang="en-US"/>
+          </a:p>
+        </p:txBody>
+      </p:sp>
+      <p:sp>
+        <p:nvSpPr>
+          <p:cNvPr id="5" name="日期占位符 4"/>
           <p:cNvSpPr>
             <a:spLocks noGrp="1"/>
           </p:cNvSpPr>
@@ -2663,7 +2328,6 @@
           <a:p>
             <a:fld id="{1BE6F865-66CC-5140-8791-263BB5DEED4D}" type="datetimeFigureOut">
               <a:rPr kumimoji="1" lang="zh-CN" altLang="en-US" smtClean="0"/>
-              <a:t>2022/9/17</a:t>
             </a:fld>
             <a:endParaRPr kumimoji="1" lang="zh-CN" altLang="en-US"/>
           </a:p>
@@ -2671,13 +2335,7 @@
       </p:sp>
       <p:sp>
         <p:nvSpPr>
-          <p:cNvPr id="6" name="页脚占位符 5">
-            <a:extLst>
-              <a:ext uri="{FF2B5EF4-FFF2-40B4-BE49-F238E27FC236}">
-                <a16:creationId xmlns:a16="http://schemas.microsoft.com/office/drawing/2014/main" id="{E2206482-5A22-F747-ACC5-83A34F8AF5DC}"/>
-              </a:ext>
-            </a:extLst>
-          </p:cNvPr>
+          <p:cNvPr id="6" name="页脚占位符 5"/>
           <p:cNvSpPr>
             <a:spLocks noGrp="1"/>
           </p:cNvSpPr>
@@ -2696,13 +2354,7 @@
       </p:sp>
       <p:sp>
         <p:nvSpPr>
-          <p:cNvPr id="7" name="灯片编号占位符 6">
-            <a:extLst>
-              <a:ext uri="{FF2B5EF4-FFF2-40B4-BE49-F238E27FC236}">
-                <a16:creationId xmlns:a16="http://schemas.microsoft.com/office/drawing/2014/main" id="{3C11CF0D-CA8A-624B-9C34-7E19966B9090}"/>
-              </a:ext>
-            </a:extLst>
-          </p:cNvPr>
+          <p:cNvPr id="7" name="灯片编号占位符 6"/>
           <p:cNvSpPr>
             <a:spLocks noGrp="1"/>
           </p:cNvSpPr>
@@ -2717,18 +2369,12 @@
           <a:p>
             <a:fld id="{09C1DBF6-F383-2F44-8F8B-09A13366F6F1}" type="slidenum">
               <a:rPr kumimoji="1" lang="zh-CN" altLang="en-US" smtClean="0"/>
-              <a:t>‹#›</a:t>
             </a:fld>
             <a:endParaRPr kumimoji="1" lang="zh-CN" altLang="en-US"/>
           </a:p>
         </p:txBody>
       </p:sp>
     </p:spTree>
-    <p:extLst>
-      <p:ext uri="{BB962C8B-B14F-4D97-AF65-F5344CB8AC3E}">
-        <p14:creationId xmlns:p14="http://schemas.microsoft.com/office/powerpoint/2010/main" val="2025322073"/>
-      </p:ext>
-    </p:extLst>
   </p:cSld>
   <p:clrMapOvr>
     <a:masterClrMapping/>
@@ -2760,13 +2406,7 @@
       </p:grpSpPr>
       <p:sp>
         <p:nvSpPr>
-          <p:cNvPr id="2" name="标题占位符 1">
-            <a:extLst>
-              <a:ext uri="{FF2B5EF4-FFF2-40B4-BE49-F238E27FC236}">
-                <a16:creationId xmlns:a16="http://schemas.microsoft.com/office/drawing/2014/main" id="{52878E38-4CE2-4341-A55F-05B0B83F52E1}"/>
-              </a:ext>
-            </a:extLst>
-          </p:cNvPr>
+          <p:cNvPr id="2" name="标题占位符 1"/>
           <p:cNvSpPr>
             <a:spLocks noGrp="1"/>
           </p:cNvSpPr>
@@ -2793,18 +2433,13 @@
               <a:rPr kumimoji="1" lang="zh-CN" altLang="en-US"/>
               <a:t>单击此处编辑母版标题样式</a:t>
             </a:r>
-          </a:p>
-        </p:txBody>
-      </p:sp>
-      <p:sp>
-        <p:nvSpPr>
-          <p:cNvPr id="3" name="文本占位符 2">
-            <a:extLst>
-              <a:ext uri="{FF2B5EF4-FFF2-40B4-BE49-F238E27FC236}">
-                <a16:creationId xmlns:a16="http://schemas.microsoft.com/office/drawing/2014/main" id="{C904FDC2-2964-0A49-B897-090DCCD2ACBF}"/>
-              </a:ext>
-            </a:extLst>
-          </p:cNvPr>
+            <a:endParaRPr kumimoji="1" lang="zh-CN" altLang="en-US"/>
+          </a:p>
+        </p:txBody>
+      </p:sp>
+      <p:sp>
+        <p:nvSpPr>
+          <p:cNvPr id="3" name="文本占位符 2"/>
           <p:cNvSpPr>
             <a:spLocks noGrp="1"/>
           </p:cNvSpPr>
@@ -2832,6 +2467,7 @@
               <a:rPr kumimoji="1" lang="zh-CN" altLang="en-US"/>
               <a:t>单击此处编辑母版文本样式</a:t>
             </a:r>
+            <a:endParaRPr kumimoji="1" lang="zh-CN" altLang="en-US"/>
           </a:p>
           <a:p>
             <a:pPr lvl="1"/>
@@ -2839,6 +2475,7 @@
               <a:rPr kumimoji="1" lang="zh-CN" altLang="en-US"/>
               <a:t>二级</a:t>
             </a:r>
+            <a:endParaRPr kumimoji="1" lang="zh-CN" altLang="en-US"/>
           </a:p>
           <a:p>
             <a:pPr lvl="2"/>
@@ -2846,6 +2483,7 @@
               <a:rPr kumimoji="1" lang="zh-CN" altLang="en-US"/>
               <a:t>三级</a:t>
             </a:r>
+            <a:endParaRPr kumimoji="1" lang="zh-CN" altLang="en-US"/>
           </a:p>
           <a:p>
             <a:pPr lvl="3"/>
@@ -2853,6 +2491,7 @@
               <a:rPr kumimoji="1" lang="zh-CN" altLang="en-US"/>
               <a:t>四级</a:t>
             </a:r>
+            <a:endParaRPr kumimoji="1" lang="zh-CN" altLang="en-US"/>
           </a:p>
           <a:p>
             <a:pPr lvl="4"/>
@@ -2860,18 +2499,13 @@
               <a:rPr kumimoji="1" lang="zh-CN" altLang="en-US"/>
               <a:t>五级</a:t>
             </a:r>
-          </a:p>
-        </p:txBody>
-      </p:sp>
-      <p:sp>
-        <p:nvSpPr>
-          <p:cNvPr id="4" name="日期占位符 3">
-            <a:extLst>
-              <a:ext uri="{FF2B5EF4-FFF2-40B4-BE49-F238E27FC236}">
-                <a16:creationId xmlns:a16="http://schemas.microsoft.com/office/drawing/2014/main" id="{80F361E7-3301-9F49-8ACE-4BF4AFA07CDA}"/>
-              </a:ext>
-            </a:extLst>
-          </p:cNvPr>
+            <a:endParaRPr kumimoji="1" lang="zh-CN" altLang="en-US"/>
+          </a:p>
+        </p:txBody>
+      </p:sp>
+      <p:sp>
+        <p:nvSpPr>
+          <p:cNvPr id="4" name="日期占位符 3"/>
           <p:cNvSpPr>
             <a:spLocks noGrp="1"/>
           </p:cNvSpPr>
@@ -2904,7 +2538,6 @@
           <a:p>
             <a:fld id="{1BE6F865-66CC-5140-8791-263BB5DEED4D}" type="datetimeFigureOut">
               <a:rPr kumimoji="1" lang="zh-CN" altLang="en-US" smtClean="0"/>
-              <a:t>2022/9/17</a:t>
             </a:fld>
             <a:endParaRPr kumimoji="1" lang="zh-CN" altLang="en-US"/>
           </a:p>
@@ -2912,13 +2545,7 @@
       </p:sp>
       <p:sp>
         <p:nvSpPr>
-          <p:cNvPr id="5" name="页脚占位符 4">
-            <a:extLst>
-              <a:ext uri="{FF2B5EF4-FFF2-40B4-BE49-F238E27FC236}">
-                <a16:creationId xmlns:a16="http://schemas.microsoft.com/office/drawing/2014/main" id="{301157A9-B91B-5B46-954E-FEA6ADAEA512}"/>
-              </a:ext>
-            </a:extLst>
-          </p:cNvPr>
+          <p:cNvPr id="5" name="页脚占位符 4"/>
           <p:cNvSpPr>
             <a:spLocks noGrp="1"/>
           </p:cNvSpPr>
@@ -2955,13 +2582,7 @@
       </p:sp>
       <p:sp>
         <p:nvSpPr>
-          <p:cNvPr id="6" name="灯片编号占位符 5">
-            <a:extLst>
-              <a:ext uri="{FF2B5EF4-FFF2-40B4-BE49-F238E27FC236}">
-                <a16:creationId xmlns:a16="http://schemas.microsoft.com/office/drawing/2014/main" id="{CC408008-FDEB-4C4A-9A59-3D9CEE18A263}"/>
-              </a:ext>
-            </a:extLst>
-          </p:cNvPr>
+          <p:cNvPr id="6" name="灯片编号占位符 5"/>
           <p:cNvSpPr>
             <a:spLocks noGrp="1"/>
           </p:cNvSpPr>
@@ -2994,18 +2615,12 @@
           <a:p>
             <a:fld id="{09C1DBF6-F383-2F44-8F8B-09A13366F6F1}" type="slidenum">
               <a:rPr kumimoji="1" lang="zh-CN" altLang="en-US" smtClean="0"/>
-              <a:t>‹#›</a:t>
             </a:fld>
             <a:endParaRPr kumimoji="1" lang="zh-CN" altLang="en-US"/>
           </a:p>
         </p:txBody>
       </p:sp>
     </p:spTree>
-    <p:extLst>
-      <p:ext uri="{BB962C8B-B14F-4D97-AF65-F5344CB8AC3E}">
-        <p14:creationId xmlns:p14="http://schemas.microsoft.com/office/powerpoint/2010/main" val="2684902713"/>
-      </p:ext>
-    </p:extLst>
   </p:cSld>
   <p:clrMap bg1="lt1" tx1="dk1" bg2="lt2" tx2="dk2" accent1="accent1" accent2="accent2" accent3="accent3" accent4="accent4" accent5="accent5" accent6="accent6" hlink="hlink" folHlink="folHlink"/>
   <p:sldLayoutIdLst>
@@ -3049,7 +2664,7 @@
         <a:spcBef>
           <a:spcPts val="1000"/>
         </a:spcBef>
-        <a:buFont typeface="Arial" panose="020B0604020202020204" pitchFamily="34" charset="0"/>
+        <a:buFont typeface="Arial" panose="020B0604020202090204" pitchFamily="34" charset="0"/>
         <a:buChar char="•"/>
         <a:defRPr sz="2800" kern="1200">
           <a:solidFill>
@@ -3067,7 +2682,7 @@
         <a:spcBef>
           <a:spcPts val="500"/>
         </a:spcBef>
-        <a:buFont typeface="Arial" panose="020B0604020202020204" pitchFamily="34" charset="0"/>
+        <a:buFont typeface="Arial" panose="020B0604020202090204" pitchFamily="34" charset="0"/>
         <a:buChar char="•"/>
         <a:defRPr sz="2400" kern="1200">
           <a:solidFill>
@@ -3085,7 +2700,7 @@
         <a:spcBef>
           <a:spcPts val="500"/>
         </a:spcBef>
-        <a:buFont typeface="Arial" panose="020B0604020202020204" pitchFamily="34" charset="0"/>
+        <a:buFont typeface="Arial" panose="020B0604020202090204" pitchFamily="34" charset="0"/>
         <a:buChar char="•"/>
         <a:defRPr sz="2000" kern="1200">
           <a:solidFill>
@@ -3103,7 +2718,7 @@
         <a:spcBef>
           <a:spcPts val="500"/>
         </a:spcBef>
-        <a:buFont typeface="Arial" panose="020B0604020202020204" pitchFamily="34" charset="0"/>
+        <a:buFont typeface="Arial" panose="020B0604020202090204" pitchFamily="34" charset="0"/>
         <a:buChar char="•"/>
         <a:defRPr sz="1800" kern="1200">
           <a:solidFill>
@@ -3121,7 +2736,7 @@
         <a:spcBef>
           <a:spcPts val="500"/>
         </a:spcBef>
-        <a:buFont typeface="Arial" panose="020B0604020202020204" pitchFamily="34" charset="0"/>
+        <a:buFont typeface="Arial" panose="020B0604020202090204" pitchFamily="34" charset="0"/>
         <a:buChar char="•"/>
         <a:defRPr sz="1800" kern="1200">
           <a:solidFill>
@@ -3139,7 +2754,7 @@
         <a:spcBef>
           <a:spcPts val="500"/>
         </a:spcBef>
-        <a:buFont typeface="Arial" panose="020B0604020202020204" pitchFamily="34" charset="0"/>
+        <a:buFont typeface="Arial" panose="020B0604020202090204" pitchFamily="34" charset="0"/>
         <a:buChar char="•"/>
         <a:defRPr sz="1800" kern="1200">
           <a:solidFill>
@@ -3157,7 +2772,7 @@
         <a:spcBef>
           <a:spcPts val="500"/>
         </a:spcBef>
-        <a:buFont typeface="Arial" panose="020B0604020202020204" pitchFamily="34" charset="0"/>
+        <a:buFont typeface="Arial" panose="020B0604020202090204" pitchFamily="34" charset="0"/>
         <a:buChar char="•"/>
         <a:defRPr sz="1800" kern="1200">
           <a:solidFill>
@@ -3175,7 +2790,7 @@
         <a:spcBef>
           <a:spcPts val="500"/>
         </a:spcBef>
-        <a:buFont typeface="Arial" panose="020B0604020202020204" pitchFamily="34" charset="0"/>
+        <a:buFont typeface="Arial" panose="020B0604020202090204" pitchFamily="34" charset="0"/>
         <a:buChar char="•"/>
         <a:defRPr sz="1800" kern="1200">
           <a:solidFill>
@@ -3193,7 +2808,7 @@
         <a:spcBef>
           <a:spcPts val="500"/>
         </a:spcBef>
-        <a:buFont typeface="Arial" panose="020B0604020202020204" pitchFamily="34" charset="0"/>
+        <a:buFont typeface="Arial" panose="020B0604020202090204" pitchFamily="34" charset="0"/>
         <a:buChar char="•"/>
         <a:defRPr sz="1800" kern="1200">
           <a:solidFill>
@@ -3323,13 +2938,7 @@
       </p:grpSpPr>
       <p:sp>
         <p:nvSpPr>
-          <p:cNvPr id="2" name="标题 1">
-            <a:extLst>
-              <a:ext uri="{FF2B5EF4-FFF2-40B4-BE49-F238E27FC236}">
-                <a16:creationId xmlns:a16="http://schemas.microsoft.com/office/drawing/2014/main" id="{8808A7AC-0B80-E544-8101-E7124F47F365}"/>
-              </a:ext>
-            </a:extLst>
-          </p:cNvPr>
+          <p:cNvPr id="2" name="标题 1"/>
           <p:cNvSpPr>
             <a:spLocks noGrp="1"/>
           </p:cNvSpPr>
@@ -3359,13 +2968,7 @@
       </p:sp>
       <p:sp>
         <p:nvSpPr>
-          <p:cNvPr id="3" name="副标题 2">
-            <a:extLst>
-              <a:ext uri="{FF2B5EF4-FFF2-40B4-BE49-F238E27FC236}">
-                <a16:creationId xmlns:a16="http://schemas.microsoft.com/office/drawing/2014/main" id="{478B72B7-1059-B04F-B40A-EBA4367DA2DE}"/>
-              </a:ext>
-            </a:extLst>
-          </p:cNvPr>
+          <p:cNvPr id="3" name="副标题 2"/>
           <p:cNvSpPr>
             <a:spLocks noGrp="1"/>
           </p:cNvSpPr>
@@ -3426,6 +3029,7 @@
               <a:rPr kumimoji="1" lang="en-US" altLang="zh-CN" sz="1800" dirty="0"/>
               <a:t>SYSU</a:t>
             </a:r>
+            <a:endParaRPr kumimoji="1" lang="en-US" altLang="zh-CN" sz="1800" dirty="0"/>
           </a:p>
           <a:p>
             <a:pPr algn="r"/>
@@ -3454,11 +3058,2621 @@
         </p:txBody>
       </p:sp>
     </p:spTree>
-    <p:extLst>
-      <p:ext uri="{BB962C8B-B14F-4D97-AF65-F5344CB8AC3E}">
-        <p14:creationId xmlns:p14="http://schemas.microsoft.com/office/powerpoint/2010/main" val="2266575595"/>
-      </p:ext>
-    </p:extLst>
+  </p:cSld>
+  <p:clrMapOvr>
+    <a:masterClrMapping/>
+  </p:clrMapOvr>
+</p:sld>
+</file>
+
+<file path=ppt/slides/slide10.xml><?xml version="1.0" encoding="utf-8"?>
+<p:sld xmlns:a="http://schemas.openxmlformats.org/drawingml/2006/main" xmlns:r="http://schemas.openxmlformats.org/officeDocument/2006/relationships" xmlns:p="http://schemas.openxmlformats.org/presentationml/2006/main">
+  <p:cSld>
+    <p:spTree>
+      <p:nvGrpSpPr>
+        <p:cNvPr id="1" name=""/>
+        <p:cNvGrpSpPr/>
+        <p:nvPr/>
+      </p:nvGrpSpPr>
+      <p:grpSpPr/>
+      <p:sp>
+        <p:nvSpPr>
+          <p:cNvPr id="6" name="标题 5"/>
+          <p:cNvSpPr>
+            <a:spLocks noGrp="1"/>
+          </p:cNvSpPr>
+          <p:nvPr>
+            <p:ph type="title"/>
+          </p:nvPr>
+        </p:nvSpPr>
+        <p:spPr>
+          <a:xfrm>
+            <a:off x="838200" y="342265"/>
+            <a:ext cx="10515600" cy="1325563"/>
+          </a:xfrm>
+        </p:spPr>
+        <p:txBody>
+          <a:bodyPr/>
+          <a:p>
+            <a:r>
+              <a:rPr lang="en-US" altLang="zh-CN"/>
+              <a:t>Model architecture</a:t>
+            </a:r>
+            <a:r>
+              <a:rPr lang="zh-CN" altLang="en-US"/>
+              <a:t>——</a:t>
+            </a:r>
+            <a:r>
+              <a:rPr lang="en-US" altLang="zh-CN"/>
+              <a:t>Agent</a:t>
+            </a:r>
+            <a:endParaRPr lang="en-US" altLang="zh-CN"/>
+          </a:p>
+        </p:txBody>
+      </p:sp>
+      <p:pic>
+        <p:nvPicPr>
+          <p:cNvPr id="7" name="图片 6" descr="截屏2022-09-18 下午3.01.05"/>
+          <p:cNvPicPr>
+            <a:picLocks noChangeAspect="1"/>
+          </p:cNvPicPr>
+          <p:nvPr/>
+        </p:nvPicPr>
+        <p:blipFill>
+          <a:blip r:embed="rId1"/>
+          <a:stretch>
+            <a:fillRect/>
+          </a:stretch>
+        </p:blipFill>
+        <p:spPr>
+          <a:xfrm>
+            <a:off x="1981835" y="1407795"/>
+            <a:ext cx="8315325" cy="4784725"/>
+          </a:xfrm>
+          <a:prstGeom prst="rect">
+            <a:avLst/>
+          </a:prstGeom>
+        </p:spPr>
+      </p:pic>
+      <p:sp>
+        <p:nvSpPr>
+          <p:cNvPr id="8" name="文本框 7"/>
+          <p:cNvSpPr txBox="1"/>
+          <p:nvPr/>
+        </p:nvSpPr>
+        <p:spPr>
+          <a:xfrm>
+            <a:off x="5149215" y="6421120"/>
+            <a:ext cx="7115810" cy="368300"/>
+          </a:xfrm>
+          <a:prstGeom prst="rect">
+            <a:avLst/>
+          </a:prstGeom>
+          <a:noFill/>
+        </p:spPr>
+        <p:txBody>
+          <a:bodyPr wrap="none" rtlCol="0">
+            <a:spAutoFit/>
+          </a:bodyPr>
+          <a:p>
+            <a:pPr algn="l"/>
+            <a:r>
+              <a:rPr lang="zh-CN" altLang="en-US"/>
+              <a:t> 《Bc-z:Zero-shot task generalization with robotic imitation learning》</a:t>
+            </a:r>
+            <a:endParaRPr lang="zh-CN" altLang="en-US"/>
+          </a:p>
+        </p:txBody>
+      </p:sp>
+    </p:spTree>
+  </p:cSld>
+  <p:clrMapOvr>
+    <a:masterClrMapping/>
+  </p:clrMapOvr>
+</p:sld>
+</file>
+
+<file path=ppt/slides/slide11.xml><?xml version="1.0" encoding="utf-8"?>
+<p:sld xmlns:a="http://schemas.openxmlformats.org/drawingml/2006/main" xmlns:r="http://schemas.openxmlformats.org/officeDocument/2006/relationships" xmlns:p="http://schemas.openxmlformats.org/presentationml/2006/main">
+  <p:cSld>
+    <p:spTree>
+      <p:nvGrpSpPr>
+        <p:cNvPr id="1" name=""/>
+        <p:cNvGrpSpPr/>
+        <p:nvPr/>
+      </p:nvGrpSpPr>
+      <p:grpSpPr/>
+      <p:sp>
+        <p:nvSpPr>
+          <p:cNvPr id="2" name="标题 1"/>
+          <p:cNvSpPr>
+            <a:spLocks noGrp="1"/>
+          </p:cNvSpPr>
+          <p:nvPr>
+            <p:ph type="title"/>
+          </p:nvPr>
+        </p:nvSpPr>
+        <p:spPr/>
+        <p:txBody>
+          <a:bodyPr/>
+          <a:p>
+            <a:r>
+              <a:rPr lang="en-US" altLang="zh-CN">
+                <a:sym typeface="+mn-ea"/>
+              </a:rPr>
+              <a:t>Model architecture</a:t>
+            </a:r>
+            <a:r>
+              <a:rPr lang="zh-CN" altLang="en-US">
+                <a:sym typeface="+mn-ea"/>
+              </a:rPr>
+              <a:t>——</a:t>
+            </a:r>
+            <a:r>
+              <a:rPr lang="en-US" altLang="zh-CN">
+                <a:sym typeface="+mn-ea"/>
+              </a:rPr>
+              <a:t>LLM</a:t>
+            </a:r>
+            <a:endParaRPr lang="zh-CN" altLang="en-US"/>
+          </a:p>
+        </p:txBody>
+      </p:sp>
+      <p:sp>
+        <p:nvSpPr>
+          <p:cNvPr id="4" name="文本框 3"/>
+          <p:cNvSpPr txBox="1"/>
+          <p:nvPr/>
+        </p:nvSpPr>
+        <p:spPr>
+          <a:xfrm>
+            <a:off x="1031875" y="2116455"/>
+            <a:ext cx="1115060" cy="460375"/>
+          </a:xfrm>
+          <a:prstGeom prst="rect">
+            <a:avLst/>
+          </a:prstGeom>
+          <a:noFill/>
+        </p:spPr>
+        <p:txBody>
+          <a:bodyPr wrap="none" rtlCol="0">
+            <a:spAutoFit/>
+          </a:bodyPr>
+          <a:p>
+            <a:pPr marL="285750" indent="-285750" algn="l">
+              <a:buFont typeface="Arial" panose="020B0604020202090204" pitchFamily="34" charset="0"/>
+              <a:buChar char="•"/>
+            </a:pPr>
+            <a:r>
+              <a:rPr lang="en-US" altLang="zh-CN" sz="2400"/>
+              <a:t>PaLM</a:t>
+            </a:r>
+            <a:endParaRPr lang="en-US" altLang="zh-CN" sz="2400"/>
+          </a:p>
+        </p:txBody>
+      </p:sp>
+      <p:sp>
+        <p:nvSpPr>
+          <p:cNvPr id="5" name="文本框 4"/>
+          <p:cNvSpPr txBox="1"/>
+          <p:nvPr/>
+        </p:nvSpPr>
+        <p:spPr>
+          <a:xfrm>
+            <a:off x="1031875" y="2923540"/>
+            <a:ext cx="6353810" cy="460375"/>
+          </a:xfrm>
+          <a:prstGeom prst="rect">
+            <a:avLst/>
+          </a:prstGeom>
+          <a:noFill/>
+        </p:spPr>
+        <p:txBody>
+          <a:bodyPr wrap="square" rtlCol="0">
+            <a:spAutoFit/>
+          </a:bodyPr>
+          <a:p>
+            <a:pPr marL="285750" indent="-285750" algn="l">
+              <a:buFont typeface="Arial" panose="020B0604020202090204" pitchFamily="34" charset="0"/>
+              <a:buChar char="•"/>
+            </a:pPr>
+            <a:r>
+              <a:rPr lang="en-US" altLang="zh-CN" sz="2400"/>
+              <a:t>FLAN</a:t>
+            </a:r>
+            <a:endParaRPr lang="en-US" altLang="zh-CN" sz="2400"/>
+          </a:p>
+        </p:txBody>
+      </p:sp>
+      <p:sp>
+        <p:nvSpPr>
+          <p:cNvPr id="6" name="文本框 5"/>
+          <p:cNvSpPr txBox="1"/>
+          <p:nvPr/>
+        </p:nvSpPr>
+        <p:spPr>
+          <a:xfrm>
+            <a:off x="2889885" y="2969260"/>
+            <a:ext cx="6569075" cy="368300"/>
+          </a:xfrm>
+          <a:prstGeom prst="rect">
+            <a:avLst/>
+          </a:prstGeom>
+          <a:noFill/>
+        </p:spPr>
+        <p:txBody>
+          <a:bodyPr wrap="none" rtlCol="0">
+            <a:spAutoFit/>
+          </a:bodyPr>
+          <a:p>
+            <a:pPr algn="l"/>
+            <a:r>
+              <a:rPr lang="zh-CN" altLang="en-US"/>
+              <a:t>《</a:t>
+            </a:r>
+            <a:r>
+              <a:rPr lang="zh-CN" altLang="en-US">
+                <a:sym typeface="+mn-ea"/>
+              </a:rPr>
+              <a:t>FINETUNED LANGUAGE MODELS ARE ZERO-SHOT LEARNERS</a:t>
+            </a:r>
+            <a:r>
+              <a:rPr lang="zh-CN" altLang="en-US"/>
+              <a:t>》</a:t>
+            </a:r>
+            <a:endParaRPr lang="zh-CN" altLang="en-US"/>
+          </a:p>
+        </p:txBody>
+      </p:sp>
+      <p:sp>
+        <p:nvSpPr>
+          <p:cNvPr id="7" name="文本框 6"/>
+          <p:cNvSpPr txBox="1"/>
+          <p:nvPr/>
+        </p:nvSpPr>
+        <p:spPr>
+          <a:xfrm>
+            <a:off x="2889885" y="2208530"/>
+            <a:ext cx="5401310" cy="368300"/>
+          </a:xfrm>
+          <a:prstGeom prst="rect">
+            <a:avLst/>
+          </a:prstGeom>
+          <a:noFill/>
+        </p:spPr>
+        <p:txBody>
+          <a:bodyPr wrap="none" rtlCol="0">
+            <a:spAutoFit/>
+          </a:bodyPr>
+          <a:p>
+            <a:pPr algn="l"/>
+            <a:r>
+              <a:rPr lang="zh-CN" altLang="en-US"/>
+              <a:t>《</a:t>
+            </a:r>
+            <a:r>
+              <a:rPr lang="en-US" altLang="zh-CN"/>
+              <a:t>PaLM</a:t>
+            </a:r>
+            <a:r>
+              <a:rPr lang="zh-CN" altLang="en-US"/>
+              <a:t>：</a:t>
+            </a:r>
+            <a:r>
+              <a:rPr lang="en-US" altLang="zh-CN">
+                <a:sym typeface="+mn-ea"/>
+              </a:rPr>
+              <a:t>Scaling Language Modeling with Pathways</a:t>
+            </a:r>
+            <a:r>
+              <a:rPr lang="zh-CN" altLang="en-US"/>
+              <a:t>》</a:t>
+            </a:r>
+            <a:endParaRPr lang="zh-CN" altLang="en-US"/>
+          </a:p>
+        </p:txBody>
+      </p:sp>
+    </p:spTree>
+  </p:cSld>
+  <p:clrMapOvr>
+    <a:masterClrMapping/>
+  </p:clrMapOvr>
+</p:sld>
+</file>
+
+<file path=ppt/slides/slide12.xml><?xml version="1.0" encoding="utf-8"?>
+<p:sld xmlns:a="http://schemas.openxmlformats.org/drawingml/2006/main" xmlns:r="http://schemas.openxmlformats.org/officeDocument/2006/relationships" xmlns:p="http://schemas.openxmlformats.org/presentationml/2006/main">
+  <p:cSld>
+    <p:spTree>
+      <p:nvGrpSpPr>
+        <p:cNvPr id="1" name=""/>
+        <p:cNvGrpSpPr/>
+        <p:nvPr/>
+      </p:nvGrpSpPr>
+      <p:grpSpPr/>
+      <p:sp>
+        <p:nvSpPr>
+          <p:cNvPr id="2" name="标题 1"/>
+          <p:cNvSpPr>
+            <a:spLocks noGrp="1"/>
+          </p:cNvSpPr>
+          <p:nvPr>
+            <p:ph type="title"/>
+          </p:nvPr>
+        </p:nvSpPr>
+        <p:spPr/>
+        <p:txBody>
+          <a:bodyPr/>
+          <a:p>
+            <a:r>
+              <a:rPr lang="en-US" altLang="zh-CN"/>
+              <a:t>Experiment/Result</a:t>
+            </a:r>
+            <a:endParaRPr lang="en-US" altLang="zh-CN"/>
+          </a:p>
+        </p:txBody>
+      </p:sp>
+      <p:pic>
+        <p:nvPicPr>
+          <p:cNvPr id="4" name="图片 3" descr="截屏2022-09-18 下午3.18.37"/>
+          <p:cNvPicPr>
+            <a:picLocks noChangeAspect="1"/>
+          </p:cNvPicPr>
+          <p:nvPr/>
+        </p:nvPicPr>
+        <p:blipFill>
+          <a:blip r:embed="rId1"/>
+          <a:stretch>
+            <a:fillRect/>
+          </a:stretch>
+        </p:blipFill>
+        <p:spPr>
+          <a:xfrm>
+            <a:off x="838200" y="1499870"/>
+            <a:ext cx="4023360" cy="3079115"/>
+          </a:xfrm>
+          <a:prstGeom prst="rect">
+            <a:avLst/>
+          </a:prstGeom>
+        </p:spPr>
+      </p:pic>
+      <p:pic>
+        <p:nvPicPr>
+          <p:cNvPr id="5" name="图片 4" descr="截屏2022-09-18 下午3.19.32"/>
+          <p:cNvPicPr>
+            <a:picLocks noChangeAspect="1"/>
+          </p:cNvPicPr>
+          <p:nvPr/>
+        </p:nvPicPr>
+        <p:blipFill>
+          <a:blip r:embed="rId2"/>
+          <a:stretch>
+            <a:fillRect/>
+          </a:stretch>
+        </p:blipFill>
+        <p:spPr>
+          <a:xfrm>
+            <a:off x="3693160" y="4377690"/>
+            <a:ext cx="7957820" cy="2185035"/>
+          </a:xfrm>
+          <a:prstGeom prst="rect">
+            <a:avLst/>
+          </a:prstGeom>
+        </p:spPr>
+      </p:pic>
+    </p:spTree>
+  </p:cSld>
+  <p:clrMapOvr>
+    <a:masterClrMapping/>
+  </p:clrMapOvr>
+</p:sld>
+</file>
+
+<file path=ppt/slides/slide13.xml><?xml version="1.0" encoding="utf-8"?>
+<p:sld xmlns:a="http://schemas.openxmlformats.org/drawingml/2006/main" xmlns:r="http://schemas.openxmlformats.org/officeDocument/2006/relationships" xmlns:p="http://schemas.openxmlformats.org/presentationml/2006/main">
+  <p:cSld>
+    <p:spTree>
+      <p:nvGrpSpPr>
+        <p:cNvPr id="1" name=""/>
+        <p:cNvGrpSpPr/>
+        <p:nvPr/>
+      </p:nvGrpSpPr>
+      <p:grpSpPr/>
+      <p:sp>
+        <p:nvSpPr>
+          <p:cNvPr id="2" name="标题 1"/>
+          <p:cNvSpPr>
+            <a:spLocks noGrp="1"/>
+          </p:cNvSpPr>
+          <p:nvPr>
+            <p:ph type="title"/>
+          </p:nvPr>
+        </p:nvSpPr>
+        <p:spPr/>
+        <p:txBody>
+          <a:bodyPr/>
+          <a:p>
+            <a:r>
+              <a:rPr lang="en-US" altLang="zh-CN">
+                <a:sym typeface="+mn-ea"/>
+              </a:rPr>
+              <a:t>Experiment/Result</a:t>
+            </a:r>
+            <a:endParaRPr lang="zh-CN" altLang="en-US"/>
+          </a:p>
+        </p:txBody>
+      </p:sp>
+      <p:pic>
+        <p:nvPicPr>
+          <p:cNvPr id="4" name="图片 3" descr="截屏2022-09-18 下午3.20.51"/>
+          <p:cNvPicPr>
+            <a:picLocks noChangeAspect="1"/>
+          </p:cNvPicPr>
+          <p:nvPr/>
+        </p:nvPicPr>
+        <p:blipFill>
+          <a:blip r:embed="rId1"/>
+          <a:stretch>
+            <a:fillRect/>
+          </a:stretch>
+        </p:blipFill>
+        <p:spPr>
+          <a:xfrm>
+            <a:off x="1697990" y="1370965"/>
+            <a:ext cx="8118475" cy="2600960"/>
+          </a:xfrm>
+          <a:prstGeom prst="rect">
+            <a:avLst/>
+          </a:prstGeom>
+        </p:spPr>
+      </p:pic>
+      <p:pic>
+        <p:nvPicPr>
+          <p:cNvPr id="5" name="图片 4" descr="截屏2022-09-18 下午3.22.19"/>
+          <p:cNvPicPr>
+            <a:picLocks noChangeAspect="1"/>
+          </p:cNvPicPr>
+          <p:nvPr/>
+        </p:nvPicPr>
+        <p:blipFill>
+          <a:blip r:embed="rId2"/>
+          <a:stretch>
+            <a:fillRect/>
+          </a:stretch>
+        </p:blipFill>
+        <p:spPr>
+          <a:xfrm>
+            <a:off x="815340" y="3919855"/>
+            <a:ext cx="5092700" cy="2823845"/>
+          </a:xfrm>
+          <a:prstGeom prst="rect">
+            <a:avLst/>
+          </a:prstGeom>
+        </p:spPr>
+      </p:pic>
+      <p:pic>
+        <p:nvPicPr>
+          <p:cNvPr id="6" name="图片 5" descr="截屏2022-09-18 下午3.22.50"/>
+          <p:cNvPicPr>
+            <a:picLocks noChangeAspect="1"/>
+          </p:cNvPicPr>
+          <p:nvPr/>
+        </p:nvPicPr>
+        <p:blipFill>
+          <a:blip r:embed="rId3"/>
+          <a:stretch>
+            <a:fillRect/>
+          </a:stretch>
+        </p:blipFill>
+        <p:spPr>
+          <a:xfrm>
+            <a:off x="6791325" y="3971925"/>
+            <a:ext cx="4760595" cy="2673350"/>
+          </a:xfrm>
+          <a:prstGeom prst="rect">
+            <a:avLst/>
+          </a:prstGeom>
+        </p:spPr>
+      </p:pic>
+    </p:spTree>
+  </p:cSld>
+  <p:clrMapOvr>
+    <a:masterClrMapping/>
+  </p:clrMapOvr>
+</p:sld>
+</file>
+
+<file path=ppt/slides/slide14.xml><?xml version="1.0" encoding="utf-8"?>
+<p:sld xmlns:a="http://schemas.openxmlformats.org/drawingml/2006/main" xmlns:r="http://schemas.openxmlformats.org/officeDocument/2006/relationships" xmlns:p="http://schemas.openxmlformats.org/presentationml/2006/main">
+  <p:cSld>
+    <p:spTree>
+      <p:nvGrpSpPr>
+        <p:cNvPr id="1" name=""/>
+        <p:cNvGrpSpPr/>
+        <p:nvPr/>
+      </p:nvGrpSpPr>
+      <p:grpSpPr/>
+      <p:sp>
+        <p:nvSpPr>
+          <p:cNvPr id="4" name="文本框 3"/>
+          <p:cNvSpPr txBox="1"/>
+          <p:nvPr/>
+        </p:nvSpPr>
+        <p:spPr>
+          <a:xfrm>
+            <a:off x="838200" y="1685290"/>
+            <a:ext cx="3216275" cy="460375"/>
+          </a:xfrm>
+          <a:prstGeom prst="rect">
+            <a:avLst/>
+          </a:prstGeom>
+          <a:noFill/>
+        </p:spPr>
+        <p:txBody>
+          <a:bodyPr wrap="square" rtlCol="0" anchor="t">
+            <a:spAutoFit/>
+          </a:bodyPr>
+          <a:p>
+            <a:pPr marL="342900" indent="-342900">
+              <a:buFont typeface="Arial" panose="020B0604020202090204" pitchFamily="34" charset="0"/>
+              <a:buChar char="•"/>
+            </a:pPr>
+            <a:r>
+              <a:rPr lang="zh-CN" altLang="en-US" sz="2400"/>
+              <a:t>plan success rate</a:t>
+            </a:r>
+            <a:endParaRPr lang="zh-CN" altLang="en-US" sz="2400"/>
+          </a:p>
+        </p:txBody>
+      </p:sp>
+      <p:sp>
+        <p:nvSpPr>
+          <p:cNvPr id="5" name="标题 4"/>
+          <p:cNvSpPr>
+            <a:spLocks noGrp="1"/>
+          </p:cNvSpPr>
+          <p:nvPr>
+            <p:ph type="title"/>
+          </p:nvPr>
+        </p:nvSpPr>
+        <p:spPr/>
+        <p:txBody>
+          <a:bodyPr/>
+          <a:p>
+            <a:r>
+              <a:rPr lang="en-US" altLang="zh-CN">
+                <a:sym typeface="+mn-ea"/>
+              </a:rPr>
+              <a:t>Experiment/Result</a:t>
+            </a:r>
+            <a:endParaRPr lang="zh-CN" altLang="en-US"/>
+          </a:p>
+        </p:txBody>
+      </p:sp>
+      <p:sp>
+        <p:nvSpPr>
+          <p:cNvPr id="6" name="文本框 5"/>
+          <p:cNvSpPr txBox="1"/>
+          <p:nvPr/>
+        </p:nvSpPr>
+        <p:spPr>
+          <a:xfrm>
+            <a:off x="838200" y="2306955"/>
+            <a:ext cx="3418205" cy="460375"/>
+          </a:xfrm>
+          <a:prstGeom prst="rect">
+            <a:avLst/>
+          </a:prstGeom>
+          <a:noFill/>
+        </p:spPr>
+        <p:txBody>
+          <a:bodyPr wrap="square" rtlCol="0" anchor="t">
+            <a:spAutoFit/>
+          </a:bodyPr>
+          <a:p>
+            <a:pPr marL="342900" indent="-342900">
+              <a:buFont typeface="Arial" panose="020B0604020202090204" pitchFamily="34" charset="0"/>
+              <a:buChar char="•"/>
+            </a:pPr>
+            <a:r>
+              <a:rPr lang="zh-CN" altLang="en-US" sz="2400"/>
+              <a:t>execution success rate</a:t>
+            </a:r>
+            <a:endParaRPr lang="zh-CN" altLang="en-US" sz="2400"/>
+          </a:p>
+        </p:txBody>
+      </p:sp>
+      <p:pic>
+        <p:nvPicPr>
+          <p:cNvPr id="9" name="图片 8" descr="IMG_25A2B5122937-1"/>
+          <p:cNvPicPr>
+            <a:picLocks noChangeAspect="1"/>
+          </p:cNvPicPr>
+          <p:nvPr/>
+        </p:nvPicPr>
+        <p:blipFill>
+          <a:blip r:embed="rId1"/>
+          <a:stretch>
+            <a:fillRect/>
+          </a:stretch>
+        </p:blipFill>
+        <p:spPr>
+          <a:xfrm>
+            <a:off x="2825750" y="2888615"/>
+            <a:ext cx="8855710" cy="3653155"/>
+          </a:xfrm>
+          <a:prstGeom prst="rect">
+            <a:avLst/>
+          </a:prstGeom>
+        </p:spPr>
+      </p:pic>
+    </p:spTree>
+  </p:cSld>
+  <p:clrMapOvr>
+    <a:masterClrMapping/>
+  </p:clrMapOvr>
+</p:sld>
+</file>
+
+<file path=ppt/slides/slide15.xml><?xml version="1.0" encoding="utf-8"?>
+<p:sld xmlns:a="http://schemas.openxmlformats.org/drawingml/2006/main" xmlns:r="http://schemas.openxmlformats.org/officeDocument/2006/relationships" xmlns:p="http://schemas.openxmlformats.org/presentationml/2006/main">
+  <p:cSld>
+    <p:spTree>
+      <p:nvGrpSpPr>
+        <p:cNvPr id="1" name=""/>
+        <p:cNvGrpSpPr/>
+        <p:nvPr/>
+      </p:nvGrpSpPr>
+      <p:grpSpPr/>
+      <p:sp>
+        <p:nvSpPr>
+          <p:cNvPr id="2" name="标题 1"/>
+          <p:cNvSpPr>
+            <a:spLocks noGrp="1"/>
+          </p:cNvSpPr>
+          <p:nvPr>
+            <p:ph type="title"/>
+          </p:nvPr>
+        </p:nvSpPr>
+        <p:spPr/>
+        <p:txBody>
+          <a:bodyPr/>
+          <a:p>
+            <a:r>
+              <a:rPr lang="en-US" altLang="zh-CN"/>
+              <a:t>What to do next?</a:t>
+            </a:r>
+            <a:endParaRPr lang="en-US" altLang="zh-CN"/>
+          </a:p>
+        </p:txBody>
+      </p:sp>
+      <p:sp>
+        <p:nvSpPr>
+          <p:cNvPr id="4" name="文本框 3"/>
+          <p:cNvSpPr txBox="1"/>
+          <p:nvPr/>
+        </p:nvSpPr>
+        <p:spPr>
+          <a:xfrm>
+            <a:off x="4632325" y="2432685"/>
+            <a:ext cx="2927985" cy="583565"/>
+          </a:xfrm>
+          <a:prstGeom prst="rect">
+            <a:avLst/>
+          </a:prstGeom>
+          <a:noFill/>
+        </p:spPr>
+        <p:txBody>
+          <a:bodyPr wrap="none" rtlCol="0">
+            <a:spAutoFit/>
+          </a:bodyPr>
+          <a:p>
+            <a:r>
+              <a:rPr lang="en-US" altLang="zh-CN" sz="3200"/>
+              <a:t>Sparse reward! </a:t>
+            </a:r>
+            <a:endParaRPr lang="en-US" altLang="zh-CN" sz="3200"/>
+          </a:p>
+        </p:txBody>
+      </p:sp>
+      <p:sp>
+        <p:nvSpPr>
+          <p:cNvPr id="5" name="文本框 4"/>
+          <p:cNvSpPr txBox="1"/>
+          <p:nvPr/>
+        </p:nvSpPr>
+        <p:spPr>
+          <a:xfrm>
+            <a:off x="4063365" y="3328035"/>
+            <a:ext cx="4351655" cy="583565"/>
+          </a:xfrm>
+          <a:prstGeom prst="rect">
+            <a:avLst/>
+          </a:prstGeom>
+          <a:noFill/>
+        </p:spPr>
+        <p:txBody>
+          <a:bodyPr wrap="none" rtlCol="0">
+            <a:spAutoFit/>
+          </a:bodyPr>
+          <a:p>
+            <a:r>
+              <a:rPr lang="en-US" altLang="zh-CN" sz="3200"/>
+              <a:t>No middle-step reward!</a:t>
+            </a:r>
+            <a:endParaRPr lang="en-US" altLang="zh-CN" sz="3200"/>
+          </a:p>
+        </p:txBody>
+      </p:sp>
+    </p:spTree>
+  </p:cSld>
+  <p:clrMapOvr>
+    <a:masterClrMapping/>
+  </p:clrMapOvr>
+</p:sld>
+</file>
+
+<file path=ppt/slides/slide16.xml><?xml version="1.0" encoding="utf-8"?>
+<p:sld xmlns:a="http://schemas.openxmlformats.org/drawingml/2006/main" xmlns:r="http://schemas.openxmlformats.org/officeDocument/2006/relationships" xmlns:p="http://schemas.openxmlformats.org/presentationml/2006/main">
+  <p:cSld>
+    <p:spTree>
+      <p:nvGrpSpPr>
+        <p:cNvPr id="1" name=""/>
+        <p:cNvGrpSpPr/>
+        <p:nvPr/>
+      </p:nvGrpSpPr>
+      <p:grpSpPr/>
+      <p:sp>
+        <p:nvSpPr>
+          <p:cNvPr id="2" name="标题 1"/>
+          <p:cNvSpPr>
+            <a:spLocks noGrp="1"/>
+          </p:cNvSpPr>
+          <p:nvPr>
+            <p:ph type="title"/>
+          </p:nvPr>
+        </p:nvSpPr>
+        <p:spPr/>
+        <p:txBody>
+          <a:bodyPr/>
+          <a:p>
+            <a:r>
+              <a:rPr lang="en-US" altLang="zh-CN"/>
+              <a:t>Code/Dataset</a:t>
+            </a:r>
+            <a:endParaRPr lang="en-US" altLang="zh-CN"/>
+          </a:p>
+        </p:txBody>
+      </p:sp>
+      <p:sp>
+        <p:nvSpPr>
+          <p:cNvPr id="5" name="文本框 4"/>
+          <p:cNvSpPr txBox="1"/>
+          <p:nvPr/>
+        </p:nvSpPr>
+        <p:spPr>
+          <a:xfrm>
+            <a:off x="932180" y="2717800"/>
+            <a:ext cx="11086465" cy="460375"/>
+          </a:xfrm>
+          <a:prstGeom prst="rect">
+            <a:avLst/>
+          </a:prstGeom>
+          <a:noFill/>
+        </p:spPr>
+        <p:txBody>
+          <a:bodyPr wrap="square" rtlCol="0" anchor="t">
+            <a:spAutoFit/>
+          </a:bodyPr>
+          <a:p>
+            <a:pPr marL="285750" indent="-285750">
+              <a:buFont typeface="Arial" panose="020B0604020202090204" pitchFamily="34" charset="0"/>
+              <a:buChar char="•"/>
+            </a:pPr>
+            <a:r>
+              <a:rPr lang="zh-CN" altLang="en-US" sz="2400"/>
+              <a:t>https://github.com/google-research/google-research/tree/master/saycan</a:t>
+            </a:r>
+            <a:endParaRPr lang="zh-CN" altLang="en-US" sz="2400"/>
+          </a:p>
+        </p:txBody>
+      </p:sp>
+      <p:sp>
+        <p:nvSpPr>
+          <p:cNvPr id="6" name="文本框 5"/>
+          <p:cNvSpPr txBox="1"/>
+          <p:nvPr/>
+        </p:nvSpPr>
+        <p:spPr>
+          <a:xfrm>
+            <a:off x="932180" y="3450590"/>
+            <a:ext cx="8799195" cy="460375"/>
+          </a:xfrm>
+          <a:prstGeom prst="rect">
+            <a:avLst/>
+          </a:prstGeom>
+          <a:noFill/>
+        </p:spPr>
+        <p:txBody>
+          <a:bodyPr wrap="none" rtlCol="0">
+            <a:spAutoFit/>
+          </a:bodyPr>
+          <a:p>
+            <a:pPr marL="285750" indent="-285750" algn="l">
+              <a:buFont typeface="Arial" panose="020B0604020202090204" pitchFamily="34" charset="0"/>
+              <a:buChar char="•"/>
+            </a:pPr>
+            <a:r>
+              <a:rPr lang="zh-CN" altLang="en-US" sz="2400"/>
+              <a:t>https://github.com/say-can/say-can.github.io/tree/main/data</a:t>
+            </a:r>
+            <a:endParaRPr lang="zh-CN" altLang="en-US" sz="2400"/>
+          </a:p>
+        </p:txBody>
+      </p:sp>
+    </p:spTree>
+  </p:cSld>
+  <p:clrMapOvr>
+    <a:masterClrMapping/>
+  </p:clrMapOvr>
+</p:sld>
+</file>
+
+<file path=ppt/slides/slide2.xml><?xml version="1.0" encoding="utf-8"?>
+<p:sld xmlns:a="http://schemas.openxmlformats.org/drawingml/2006/main" xmlns:r="http://schemas.openxmlformats.org/officeDocument/2006/relationships" xmlns:p="http://schemas.openxmlformats.org/presentationml/2006/main">
+  <p:cSld>
+    <p:spTree>
+      <p:nvGrpSpPr>
+        <p:cNvPr id="1" name=""/>
+        <p:cNvGrpSpPr/>
+        <p:nvPr/>
+      </p:nvGrpSpPr>
+      <p:grpSpPr>
+        <a:xfrm>
+          <a:off x="0" y="0"/>
+          <a:ext cx="0" cy="0"/>
+          <a:chOff x="0" y="0"/>
+          <a:chExt cx="0" cy="0"/>
+        </a:xfrm>
+      </p:grpSpPr>
+      <p:sp>
+        <p:nvSpPr>
+          <p:cNvPr id="4" name="文本框 3"/>
+          <p:cNvSpPr txBox="1"/>
+          <p:nvPr/>
+        </p:nvSpPr>
+        <p:spPr>
+          <a:xfrm>
+            <a:off x="2691863" y="2383971"/>
+            <a:ext cx="7766870" cy="584775"/>
+          </a:xfrm>
+          <a:prstGeom prst="rect">
+            <a:avLst/>
+          </a:prstGeom>
+          <a:noFill/>
+        </p:spPr>
+        <p:txBody>
+          <a:bodyPr wrap="none" rtlCol="0">
+            <a:spAutoFit/>
+          </a:bodyPr>
+          <a:lstStyle/>
+          <a:p>
+            <a:r>
+              <a:rPr kumimoji="1" lang="en-US" altLang="zh-CN" sz="3200" dirty="0"/>
+              <a:t>LLM</a:t>
+            </a:r>
+            <a:r>
+              <a:rPr kumimoji="1" lang="zh-CN" altLang="en-US" sz="3200" dirty="0"/>
+              <a:t> </a:t>
+            </a:r>
+            <a:r>
+              <a:rPr kumimoji="1" lang="en-US" altLang="zh-CN" sz="3200" dirty="0"/>
+              <a:t>has</a:t>
+            </a:r>
+            <a:r>
+              <a:rPr kumimoji="1" lang="zh-CN" altLang="en-US" sz="3200" dirty="0"/>
+              <a:t> </a:t>
+            </a:r>
+            <a:r>
+              <a:rPr kumimoji="1" lang="en-US" altLang="zh-CN" sz="3200" dirty="0"/>
+              <a:t>no</a:t>
+            </a:r>
+            <a:r>
+              <a:rPr kumimoji="1" lang="zh-CN" altLang="en-US" sz="3200" dirty="0"/>
+              <a:t> </a:t>
+            </a:r>
+            <a:r>
+              <a:rPr kumimoji="1" lang="en-US" altLang="zh-CN" sz="3200" dirty="0"/>
+              <a:t>experience,</a:t>
+            </a:r>
+            <a:r>
+              <a:rPr kumimoji="1" lang="zh-CN" altLang="en-US" sz="3200" dirty="0"/>
+              <a:t> </a:t>
+            </a:r>
+            <a:r>
+              <a:rPr kumimoji="1" lang="en-US" altLang="zh-CN" sz="3200" dirty="0"/>
+              <a:t>but</a:t>
+            </a:r>
+            <a:r>
+              <a:rPr kumimoji="1" lang="zh-CN" altLang="en-US" sz="3200" dirty="0"/>
+              <a:t> </a:t>
+            </a:r>
+            <a:r>
+              <a:rPr kumimoji="1" lang="en-US" altLang="zh-CN" sz="3200" dirty="0"/>
+              <a:t>has</a:t>
+            </a:r>
+            <a:r>
+              <a:rPr kumimoji="1" lang="zh-CN" altLang="en-US" sz="3200" dirty="0"/>
+              <a:t> </a:t>
+            </a:r>
+            <a:r>
+              <a:rPr kumimoji="1" lang="en-US" altLang="zh-CN" sz="3200" dirty="0"/>
+              <a:t>knowledge</a:t>
+            </a:r>
+            <a:endParaRPr kumimoji="1" lang="zh-CN" altLang="en-US" sz="3200" dirty="0"/>
+          </a:p>
+        </p:txBody>
+      </p:sp>
+      <p:sp>
+        <p:nvSpPr>
+          <p:cNvPr id="6" name="文本框 5"/>
+          <p:cNvSpPr txBox="1"/>
+          <p:nvPr/>
+        </p:nvSpPr>
+        <p:spPr>
+          <a:xfrm>
+            <a:off x="2545188" y="3527362"/>
+            <a:ext cx="8103500" cy="584775"/>
+          </a:xfrm>
+          <a:prstGeom prst="rect">
+            <a:avLst/>
+          </a:prstGeom>
+          <a:noFill/>
+        </p:spPr>
+        <p:txBody>
+          <a:bodyPr wrap="none" rtlCol="0">
+            <a:spAutoFit/>
+          </a:bodyPr>
+          <a:lstStyle/>
+          <a:p>
+            <a:r>
+              <a:rPr kumimoji="1" lang="en-US" altLang="zh-CN" sz="3200" dirty="0"/>
+              <a:t>Robot</a:t>
+            </a:r>
+            <a:r>
+              <a:rPr kumimoji="1" lang="zh-CN" altLang="en-US" sz="3200" dirty="0"/>
+              <a:t> </a:t>
+            </a:r>
+            <a:r>
+              <a:rPr kumimoji="1" lang="en-US" altLang="zh-CN" sz="3200" dirty="0"/>
+              <a:t>has</a:t>
+            </a:r>
+            <a:r>
+              <a:rPr kumimoji="1" lang="zh-CN" altLang="en-US" sz="3200" dirty="0"/>
+              <a:t> </a:t>
+            </a:r>
+            <a:r>
+              <a:rPr kumimoji="1" lang="en-US" altLang="zh-CN" sz="3200" dirty="0"/>
+              <a:t>no</a:t>
+            </a:r>
+            <a:r>
+              <a:rPr kumimoji="1" lang="zh-CN" altLang="en-US" sz="3200" dirty="0"/>
+              <a:t> </a:t>
+            </a:r>
+            <a:r>
+              <a:rPr kumimoji="1" lang="en-US" altLang="zh-CN" sz="3200" dirty="0"/>
+              <a:t>knowledge,</a:t>
+            </a:r>
+            <a:r>
+              <a:rPr kumimoji="1" lang="zh-CN" altLang="en-US" sz="3200" dirty="0"/>
+              <a:t> </a:t>
+            </a:r>
+            <a:r>
+              <a:rPr kumimoji="1" lang="en-US" altLang="zh-CN" sz="3200" dirty="0"/>
+              <a:t>but</a:t>
+            </a:r>
+            <a:r>
+              <a:rPr kumimoji="1" lang="zh-CN" altLang="en-US" sz="3200" dirty="0"/>
+              <a:t> </a:t>
+            </a:r>
+            <a:r>
+              <a:rPr kumimoji="1" lang="en-US" altLang="zh-CN" sz="3200" dirty="0"/>
+              <a:t>has</a:t>
+            </a:r>
+            <a:r>
+              <a:rPr kumimoji="1" lang="zh-CN" altLang="en-US" sz="3200" dirty="0"/>
+              <a:t> </a:t>
+            </a:r>
+            <a:r>
+              <a:rPr kumimoji="1" lang="en-US" altLang="zh-CN" sz="3200" dirty="0"/>
+              <a:t>experience</a:t>
+            </a:r>
+            <a:endParaRPr kumimoji="1" lang="zh-CN" altLang="en-US" sz="3200" dirty="0"/>
+          </a:p>
+        </p:txBody>
+      </p:sp>
+    </p:spTree>
+  </p:cSld>
+  <p:clrMapOvr>
+    <a:masterClrMapping/>
+  </p:clrMapOvr>
+</p:sld>
+</file>
+
+<file path=ppt/slides/slide3.xml><?xml version="1.0" encoding="utf-8"?>
+<p:sld xmlns:a="http://schemas.openxmlformats.org/drawingml/2006/main" xmlns:r="http://schemas.openxmlformats.org/officeDocument/2006/relationships" xmlns:p="http://schemas.openxmlformats.org/presentationml/2006/main">
+  <p:cSld>
+    <p:spTree>
+      <p:nvGrpSpPr>
+        <p:cNvPr id="1" name=""/>
+        <p:cNvGrpSpPr/>
+        <p:nvPr/>
+      </p:nvGrpSpPr>
+      <p:grpSpPr>
+        <a:xfrm>
+          <a:off x="0" y="0"/>
+          <a:ext cx="0" cy="0"/>
+          <a:chOff x="0" y="0"/>
+          <a:chExt cx="0" cy="0"/>
+        </a:xfrm>
+      </p:grpSpPr>
+      <p:sp>
+        <p:nvSpPr>
+          <p:cNvPr id="4" name="文本框 3"/>
+          <p:cNvSpPr txBox="1"/>
+          <p:nvPr/>
+        </p:nvSpPr>
+        <p:spPr>
+          <a:xfrm>
+            <a:off x="4030806" y="1371599"/>
+            <a:ext cx="3682418" cy="584775"/>
+          </a:xfrm>
+          <a:prstGeom prst="rect">
+            <a:avLst/>
+          </a:prstGeom>
+          <a:noFill/>
+        </p:spPr>
+        <p:txBody>
+          <a:bodyPr wrap="none" rtlCol="0">
+            <a:spAutoFit/>
+          </a:bodyPr>
+          <a:lstStyle/>
+          <a:p>
+            <a:r>
+              <a:rPr kumimoji="1" lang="en-US" altLang="zh-CN" sz="3200" dirty="0"/>
+              <a:t>LLM</a:t>
+            </a:r>
+            <a:r>
+              <a:rPr kumimoji="1" lang="zh-CN" altLang="en-US" sz="3200" dirty="0"/>
+              <a:t> </a:t>
+            </a:r>
+            <a:r>
+              <a:rPr kumimoji="1" lang="en-US" altLang="zh-CN" sz="3200" dirty="0">
+                <a:solidFill>
+                  <a:srgbClr val="FF0000"/>
+                </a:solidFill>
+              </a:rPr>
+              <a:t>Say</a:t>
+            </a:r>
+            <a:r>
+              <a:rPr kumimoji="1" lang="zh-CN" altLang="en-US" sz="3200" dirty="0"/>
+              <a:t> </a:t>
+            </a:r>
+            <a:r>
+              <a:rPr kumimoji="1" lang="en-US" altLang="zh-CN" sz="3200" dirty="0"/>
+              <a:t>knowledge</a:t>
+            </a:r>
+            <a:endParaRPr kumimoji="1" lang="zh-CN" altLang="en-US" sz="3200" dirty="0"/>
+          </a:p>
+        </p:txBody>
+      </p:sp>
+      <p:sp>
+        <p:nvSpPr>
+          <p:cNvPr id="6" name="文本框 5"/>
+          <p:cNvSpPr txBox="1"/>
+          <p:nvPr/>
+        </p:nvSpPr>
+        <p:spPr>
+          <a:xfrm>
+            <a:off x="3737716" y="2483409"/>
+            <a:ext cx="4658648" cy="584775"/>
+          </a:xfrm>
+          <a:prstGeom prst="rect">
+            <a:avLst/>
+          </a:prstGeom>
+          <a:noFill/>
+        </p:spPr>
+        <p:txBody>
+          <a:bodyPr wrap="none" rtlCol="0">
+            <a:spAutoFit/>
+          </a:bodyPr>
+          <a:lstStyle/>
+          <a:p>
+            <a:r>
+              <a:rPr kumimoji="1" lang="en-US" altLang="zh-CN" sz="3200" dirty="0"/>
+              <a:t>Robot</a:t>
+            </a:r>
+            <a:r>
+              <a:rPr kumimoji="1" lang="zh-CN" altLang="en-US" sz="3200" dirty="0"/>
+              <a:t> </a:t>
+            </a:r>
+            <a:r>
+              <a:rPr kumimoji="1" lang="en-US" altLang="zh-CN" sz="3200" dirty="0">
+                <a:solidFill>
+                  <a:srgbClr val="FF0000"/>
+                </a:solidFill>
+              </a:rPr>
+              <a:t>Can</a:t>
+            </a:r>
+            <a:r>
+              <a:rPr kumimoji="1" lang="zh-CN" altLang="en-US" sz="3200" dirty="0"/>
+              <a:t> </a:t>
+            </a:r>
+            <a:r>
+              <a:rPr kumimoji="1" lang="en-US" altLang="zh-CN" sz="3200" dirty="0"/>
+              <a:t>do</a:t>
+            </a:r>
+            <a:r>
+              <a:rPr kumimoji="1" lang="zh-CN" altLang="en-US" sz="3200" dirty="0"/>
+              <a:t> </a:t>
+            </a:r>
+            <a:r>
+              <a:rPr kumimoji="1" lang="en-US" altLang="zh-CN" sz="3200" dirty="0"/>
+              <a:t>experience</a:t>
+            </a:r>
+            <a:endParaRPr kumimoji="1" lang="zh-CN" altLang="en-US" sz="3200" dirty="0"/>
+          </a:p>
+        </p:txBody>
+      </p:sp>
+      <p:sp>
+        <p:nvSpPr>
+          <p:cNvPr id="2" name="文本框 1"/>
+          <p:cNvSpPr txBox="1"/>
+          <p:nvPr/>
+        </p:nvSpPr>
+        <p:spPr>
+          <a:xfrm>
+            <a:off x="5018314" y="1957107"/>
+            <a:ext cx="458780" cy="584775"/>
+          </a:xfrm>
+          <a:prstGeom prst="rect">
+            <a:avLst/>
+          </a:prstGeom>
+          <a:noFill/>
+        </p:spPr>
+        <p:txBody>
+          <a:bodyPr wrap="none" rtlCol="0">
+            <a:spAutoFit/>
+          </a:bodyPr>
+          <a:lstStyle/>
+          <a:p>
+            <a:r>
+              <a:rPr kumimoji="1" lang="en-US" altLang="zh-CN" sz="3200" dirty="0">
+                <a:solidFill>
+                  <a:srgbClr val="FF0000"/>
+                </a:solidFill>
+              </a:rPr>
+              <a:t>+</a:t>
+            </a:r>
+            <a:endParaRPr kumimoji="1" lang="en-US" altLang="zh-CN" sz="3200" dirty="0">
+              <a:solidFill>
+                <a:srgbClr val="FF0000"/>
+              </a:solidFill>
+            </a:endParaRPr>
+          </a:p>
+        </p:txBody>
+      </p:sp>
+      <p:sp>
+        <p:nvSpPr>
+          <p:cNvPr id="3" name="文本框 2"/>
+          <p:cNvSpPr txBox="1"/>
+          <p:nvPr/>
+        </p:nvSpPr>
+        <p:spPr>
+          <a:xfrm rot="5400000">
+            <a:off x="5018313" y="3072709"/>
+            <a:ext cx="458780" cy="584775"/>
+          </a:xfrm>
+          <a:prstGeom prst="rect">
+            <a:avLst/>
+          </a:prstGeom>
+          <a:noFill/>
+        </p:spPr>
+        <p:txBody>
+          <a:bodyPr wrap="none" rtlCol="0">
+            <a:spAutoFit/>
+          </a:bodyPr>
+          <a:lstStyle/>
+          <a:p>
+            <a:r>
+              <a:rPr kumimoji="1" lang="en-US" altLang="zh-CN" sz="3200" dirty="0">
+                <a:solidFill>
+                  <a:srgbClr val="FF0000"/>
+                </a:solidFill>
+              </a:rPr>
+              <a:t>=</a:t>
+            </a:r>
+            <a:endParaRPr kumimoji="1" lang="en-US" altLang="zh-CN" sz="3200" dirty="0">
+              <a:solidFill>
+                <a:srgbClr val="FF0000"/>
+              </a:solidFill>
+            </a:endParaRPr>
+          </a:p>
+        </p:txBody>
+      </p:sp>
+      <p:sp>
+        <p:nvSpPr>
+          <p:cNvPr id="5" name="文本框 4"/>
+          <p:cNvSpPr txBox="1"/>
+          <p:nvPr/>
+        </p:nvSpPr>
+        <p:spPr>
+          <a:xfrm>
+            <a:off x="4500325" y="3808366"/>
+            <a:ext cx="1802096" cy="707886"/>
+          </a:xfrm>
+          <a:prstGeom prst="rect">
+            <a:avLst/>
+          </a:prstGeom>
+          <a:noFill/>
+        </p:spPr>
+        <p:txBody>
+          <a:bodyPr wrap="none" rtlCol="0">
+            <a:spAutoFit/>
+          </a:bodyPr>
+          <a:lstStyle/>
+          <a:p>
+            <a:r>
+              <a:rPr kumimoji="1" lang="en-US" altLang="zh-CN" sz="4000" dirty="0" err="1">
+                <a:solidFill>
+                  <a:srgbClr val="FF0000"/>
+                </a:solidFill>
+              </a:rPr>
+              <a:t>SayCan</a:t>
+            </a:r>
+            <a:endParaRPr kumimoji="1" lang="en-US" altLang="zh-CN" sz="4000" dirty="0" err="1">
+              <a:solidFill>
+                <a:srgbClr val="FF0000"/>
+              </a:solidFill>
+            </a:endParaRPr>
+          </a:p>
+        </p:txBody>
+      </p:sp>
+      <p:sp>
+        <p:nvSpPr>
+          <p:cNvPr id="7" name="文本框 6"/>
+          <p:cNvSpPr txBox="1"/>
+          <p:nvPr/>
+        </p:nvSpPr>
+        <p:spPr>
+          <a:xfrm>
+            <a:off x="1121229" y="5022260"/>
+            <a:ext cx="9535885" cy="1198880"/>
+          </a:xfrm>
+          <a:prstGeom prst="rect">
+            <a:avLst/>
+          </a:prstGeom>
+          <a:noFill/>
+        </p:spPr>
+        <p:txBody>
+          <a:bodyPr wrap="square" rtlCol="0">
+            <a:spAutoFit/>
+          </a:bodyPr>
+          <a:lstStyle/>
+          <a:p>
+            <a:r>
+              <a:rPr lang="en-US" altLang="zh-CN" sz="2400" dirty="0" err="1"/>
+              <a:t>SayCan</a:t>
+            </a:r>
+            <a:r>
+              <a:rPr lang="en-US" altLang="zh-CN" sz="2400" dirty="0"/>
+              <a:t> is to ground large language models through value functions——affordance functions that capture the log likelihood that a particular skill will be able to succeed in the current state.</a:t>
+            </a:r>
+            <a:endParaRPr kumimoji="1" lang="zh-CN" altLang="en-US" sz="2400" dirty="0"/>
+          </a:p>
+        </p:txBody>
+      </p:sp>
+    </p:spTree>
+  </p:cSld>
+  <p:clrMapOvr>
+    <a:masterClrMapping/>
+  </p:clrMapOvr>
+</p:sld>
+</file>
+
+<file path=ppt/slides/slide4.xml><?xml version="1.0" encoding="utf-8"?>
+<p:sld xmlns:a="http://schemas.openxmlformats.org/drawingml/2006/main" xmlns:r="http://schemas.openxmlformats.org/officeDocument/2006/relationships" xmlns:p="http://schemas.openxmlformats.org/presentationml/2006/main">
+  <p:cSld>
+    <p:spTree>
+      <p:nvGrpSpPr>
+        <p:cNvPr id="1" name=""/>
+        <p:cNvGrpSpPr/>
+        <p:nvPr/>
+      </p:nvGrpSpPr>
+      <p:grpSpPr>
+        <a:xfrm>
+          <a:off x="0" y="0"/>
+          <a:ext cx="0" cy="0"/>
+          <a:chOff x="0" y="0"/>
+          <a:chExt cx="0" cy="0"/>
+        </a:xfrm>
+      </p:grpSpPr>
+      <p:sp>
+        <p:nvSpPr>
+          <p:cNvPr id="5" name="文本框 4"/>
+          <p:cNvSpPr txBox="1"/>
+          <p:nvPr/>
+        </p:nvSpPr>
+        <p:spPr>
+          <a:xfrm>
+            <a:off x="976630" y="1472565"/>
+            <a:ext cx="4787265" cy="829945"/>
+          </a:xfrm>
+          <a:prstGeom prst="rect">
+            <a:avLst/>
+          </a:prstGeom>
+          <a:noFill/>
+        </p:spPr>
+        <p:txBody>
+          <a:bodyPr wrap="none" rtlCol="0">
+            <a:spAutoFit/>
+          </a:bodyPr>
+          <a:p>
+            <a:pPr marL="285750" indent="-285750" algn="l">
+              <a:buFont typeface="Arial" panose="020B0604020202090204" pitchFamily="34" charset="0"/>
+              <a:buChar char="•"/>
+            </a:pPr>
+            <a:r>
+              <a:rPr kumimoji="1" lang="en-US" altLang="zh-CN" sz="2400" dirty="0" err="1">
+                <a:sym typeface="+mn-ea"/>
+              </a:rPr>
+              <a:t>i: </a:t>
+            </a:r>
+            <a:r>
+              <a:rPr kumimoji="1" lang="en-US" altLang="zh-CN" sz="2400" dirty="0">
+                <a:sym typeface="+mn-ea"/>
+              </a:rPr>
+              <a:t>Instruction</a:t>
+            </a:r>
+            <a:endParaRPr kumimoji="1" lang="en-US" altLang="zh-CN" sz="2400" dirty="0"/>
+          </a:p>
+          <a:p>
+            <a:pPr marL="0" indent="0" algn="l">
+              <a:buNone/>
+            </a:pPr>
+            <a:r>
+              <a:rPr lang="en-US" altLang="zh-CN" sz="2400" dirty="0">
+                <a:solidFill>
+                  <a:srgbClr val="FF0000"/>
+                </a:solidFill>
+                <a:sym typeface="+mn-ea"/>
+              </a:rPr>
+              <a:t>  </a:t>
+            </a:r>
+            <a:r>
+              <a:rPr lang="en-US" altLang="zh-CN" dirty="0">
+                <a:solidFill>
+                  <a:srgbClr val="FF0000"/>
+                </a:solidFill>
+                <a:sym typeface="+mn-ea"/>
+              </a:rPr>
+              <a:t>How would you put an apple on the table</a:t>
+            </a:r>
+            <a:r>
+              <a:rPr lang="zh-CN" altLang="en-US" dirty="0">
+                <a:solidFill>
+                  <a:srgbClr val="FF0000"/>
+                </a:solidFill>
+                <a:sym typeface="+mn-ea"/>
+              </a:rPr>
+              <a:t>？</a:t>
+            </a:r>
+            <a:endParaRPr lang="zh-CN" altLang="en-US" dirty="0">
+              <a:solidFill>
+                <a:srgbClr val="FF0000"/>
+              </a:solidFill>
+              <a:sym typeface="+mn-ea"/>
+            </a:endParaRPr>
+          </a:p>
+        </p:txBody>
+      </p:sp>
+      <p:pic>
+        <p:nvPicPr>
+          <p:cNvPr id="8" name="334E55B0-647D-440b-865C-3EC943EB4CBC-2" descr="wpsoffice"/>
+          <p:cNvPicPr>
+            <a:picLocks noChangeAspect="1"/>
+          </p:cNvPicPr>
+          <p:nvPr/>
+        </p:nvPicPr>
+        <p:blipFill>
+          <a:blip r:embed="rId1"/>
+          <a:stretch>
+            <a:fillRect/>
+          </a:stretch>
+        </p:blipFill>
+        <p:spPr>
+          <a:xfrm>
+            <a:off x="1312545" y="2522855"/>
+            <a:ext cx="209550" cy="169545"/>
+          </a:xfrm>
+          <a:prstGeom prst="rect">
+            <a:avLst/>
+          </a:prstGeom>
+        </p:spPr>
+      </p:pic>
+      <p:sp>
+        <p:nvSpPr>
+          <p:cNvPr id="9" name="文本框 8"/>
+          <p:cNvSpPr txBox="1"/>
+          <p:nvPr/>
+        </p:nvSpPr>
+        <p:spPr>
+          <a:xfrm>
+            <a:off x="988060" y="2367280"/>
+            <a:ext cx="4563110" cy="460375"/>
+          </a:xfrm>
+          <a:prstGeom prst="rect">
+            <a:avLst/>
+          </a:prstGeom>
+          <a:noFill/>
+        </p:spPr>
+        <p:txBody>
+          <a:bodyPr wrap="none" rtlCol="0">
+            <a:spAutoFit/>
+          </a:bodyPr>
+          <a:p>
+            <a:pPr marL="285750" indent="-285750">
+              <a:buFont typeface="Arial" panose="020B0604020202090204" pitchFamily="34" charset="0"/>
+              <a:buChar char="•"/>
+            </a:pPr>
+            <a:r>
+              <a:rPr lang="en-US" altLang="zh-CN" sz="2400"/>
+              <a:t> : action in Robot action space</a:t>
+            </a:r>
+            <a:endParaRPr lang="en-US" altLang="zh-CN" sz="2400"/>
+          </a:p>
+        </p:txBody>
+      </p:sp>
+      <p:sp>
+        <p:nvSpPr>
+          <p:cNvPr id="15" name="文本框 14"/>
+          <p:cNvSpPr txBox="1"/>
+          <p:nvPr/>
+        </p:nvSpPr>
+        <p:spPr>
+          <a:xfrm>
+            <a:off x="1818005" y="2840990"/>
+            <a:ext cx="3556000" cy="368300"/>
+          </a:xfrm>
+          <a:prstGeom prst="rect">
+            <a:avLst/>
+          </a:prstGeom>
+          <a:noFill/>
+        </p:spPr>
+        <p:txBody>
+          <a:bodyPr wrap="none" rtlCol="0">
+            <a:spAutoFit/>
+          </a:bodyPr>
+          <a:p>
+            <a:r>
+              <a:rPr lang="en-US" altLang="zh-CN"/>
+              <a:t>:action natural language description</a:t>
+            </a:r>
+            <a:endParaRPr lang="en-US" altLang="zh-CN"/>
+          </a:p>
+        </p:txBody>
+      </p:sp>
+      <p:pic>
+        <p:nvPicPr>
+          <p:cNvPr id="16" name="334E55B0-647D-440b-865C-3EC943EB4CBC-3" descr="wpsoffice"/>
+          <p:cNvPicPr>
+            <a:picLocks noChangeAspect="1"/>
+          </p:cNvPicPr>
+          <p:nvPr/>
+        </p:nvPicPr>
+        <p:blipFill>
+          <a:blip r:embed="rId2"/>
+          <a:stretch>
+            <a:fillRect/>
+          </a:stretch>
+        </p:blipFill>
+        <p:spPr>
+          <a:xfrm>
+            <a:off x="1617980" y="2926715"/>
+            <a:ext cx="162560" cy="196215"/>
+          </a:xfrm>
+          <a:prstGeom prst="rect">
+            <a:avLst/>
+          </a:prstGeom>
+        </p:spPr>
+      </p:pic>
+      <p:sp>
+        <p:nvSpPr>
+          <p:cNvPr id="18" name="文本框 17"/>
+          <p:cNvSpPr txBox="1"/>
+          <p:nvPr/>
+        </p:nvSpPr>
+        <p:spPr>
+          <a:xfrm>
+            <a:off x="2158365" y="3239135"/>
+            <a:ext cx="1468120" cy="368300"/>
+          </a:xfrm>
+          <a:prstGeom prst="rect">
+            <a:avLst/>
+          </a:prstGeom>
+          <a:noFill/>
+        </p:spPr>
+        <p:txBody>
+          <a:bodyPr wrap="none" rtlCol="0">
+            <a:spAutoFit/>
+          </a:bodyPr>
+          <a:p>
+            <a:pPr algn="l"/>
+            <a:r>
+              <a:rPr lang="zh-CN" altLang="en-US">
+                <a:solidFill>
+                  <a:srgbClr val="FF0000"/>
+                </a:solidFill>
+              </a:rPr>
+              <a:t>Find an apple</a:t>
+            </a:r>
+            <a:endParaRPr lang="zh-CN" altLang="en-US">
+              <a:solidFill>
+                <a:srgbClr val="FF0000"/>
+              </a:solidFill>
+            </a:endParaRPr>
+          </a:p>
+        </p:txBody>
+      </p:sp>
+      <p:sp>
+        <p:nvSpPr>
+          <p:cNvPr id="19" name="文本框 18"/>
+          <p:cNvSpPr txBox="1"/>
+          <p:nvPr/>
+        </p:nvSpPr>
+        <p:spPr>
+          <a:xfrm>
+            <a:off x="2158365" y="3618865"/>
+            <a:ext cx="1304925" cy="368300"/>
+          </a:xfrm>
+          <a:prstGeom prst="rect">
+            <a:avLst/>
+          </a:prstGeom>
+          <a:noFill/>
+        </p:spPr>
+        <p:txBody>
+          <a:bodyPr wrap="none" rtlCol="0">
+            <a:spAutoFit/>
+          </a:bodyPr>
+          <a:p>
+            <a:pPr algn="l"/>
+            <a:r>
+              <a:rPr lang="zh-CN" altLang="en-US">
+                <a:solidFill>
+                  <a:srgbClr val="FF0000"/>
+                </a:solidFill>
+                <a:sym typeface="+mn-ea"/>
+              </a:rPr>
+              <a:t>Find a coke</a:t>
+            </a:r>
+            <a:endParaRPr lang="zh-CN" altLang="en-US">
+              <a:solidFill>
+                <a:srgbClr val="FF0000"/>
+              </a:solidFill>
+              <a:sym typeface="+mn-ea"/>
+            </a:endParaRPr>
+          </a:p>
+        </p:txBody>
+      </p:sp>
+      <p:sp>
+        <p:nvSpPr>
+          <p:cNvPr id="20" name="文本框 19"/>
+          <p:cNvSpPr txBox="1"/>
+          <p:nvPr/>
+        </p:nvSpPr>
+        <p:spPr>
+          <a:xfrm>
+            <a:off x="2158365" y="4026535"/>
+            <a:ext cx="1852295" cy="368300"/>
+          </a:xfrm>
+          <a:prstGeom prst="rect">
+            <a:avLst/>
+          </a:prstGeom>
+          <a:noFill/>
+        </p:spPr>
+        <p:txBody>
+          <a:bodyPr wrap="none" rtlCol="0">
+            <a:spAutoFit/>
+          </a:bodyPr>
+          <a:p>
+            <a:pPr algn="l"/>
+            <a:r>
+              <a:rPr lang="zh-CN" altLang="en-US">
+                <a:solidFill>
+                  <a:srgbClr val="FF0000"/>
+                </a:solidFill>
+                <a:sym typeface="+mn-ea"/>
+              </a:rPr>
+              <a:t>Pick up the apple</a:t>
+            </a:r>
+            <a:endParaRPr lang="zh-CN" altLang="en-US">
+              <a:solidFill>
+                <a:srgbClr val="FF0000"/>
+              </a:solidFill>
+              <a:sym typeface="+mn-ea"/>
+            </a:endParaRPr>
+          </a:p>
+        </p:txBody>
+      </p:sp>
+      <p:sp>
+        <p:nvSpPr>
+          <p:cNvPr id="21" name="文本框 20"/>
+          <p:cNvSpPr txBox="1"/>
+          <p:nvPr/>
+        </p:nvSpPr>
+        <p:spPr>
+          <a:xfrm>
+            <a:off x="2158365" y="4430395"/>
+            <a:ext cx="2016125" cy="368300"/>
+          </a:xfrm>
+          <a:prstGeom prst="rect">
+            <a:avLst/>
+          </a:prstGeom>
+          <a:noFill/>
+        </p:spPr>
+        <p:txBody>
+          <a:bodyPr wrap="square" rtlCol="0">
+            <a:spAutoFit/>
+          </a:bodyPr>
+          <a:p>
+            <a:pPr algn="l"/>
+            <a:r>
+              <a:rPr lang="zh-CN" altLang="en-US">
+                <a:solidFill>
+                  <a:srgbClr val="FF0000"/>
+                </a:solidFill>
+                <a:sym typeface="+mn-ea"/>
+              </a:rPr>
+              <a:t>Place the apple</a:t>
+            </a:r>
+            <a:endParaRPr lang="zh-CN" altLang="en-US">
+              <a:solidFill>
+                <a:srgbClr val="FF0000"/>
+              </a:solidFill>
+              <a:sym typeface="+mn-ea"/>
+            </a:endParaRPr>
+          </a:p>
+        </p:txBody>
+      </p:sp>
+      <p:sp>
+        <p:nvSpPr>
+          <p:cNvPr id="24" name="文本框 23"/>
+          <p:cNvSpPr txBox="1"/>
+          <p:nvPr/>
+        </p:nvSpPr>
+        <p:spPr>
+          <a:xfrm>
+            <a:off x="2158365" y="4834255"/>
+            <a:ext cx="868680" cy="368300"/>
+          </a:xfrm>
+          <a:prstGeom prst="rect">
+            <a:avLst/>
+          </a:prstGeom>
+          <a:noFill/>
+        </p:spPr>
+        <p:txBody>
+          <a:bodyPr wrap="none" rtlCol="0">
+            <a:spAutoFit/>
+          </a:bodyPr>
+          <a:p>
+            <a:r>
+              <a:rPr lang="en-US" altLang="zh-CN">
+                <a:solidFill>
+                  <a:srgbClr val="FF0000"/>
+                </a:solidFill>
+              </a:rPr>
+              <a:t>......</a:t>
+            </a:r>
+            <a:endParaRPr lang="en-US" altLang="zh-CN">
+              <a:solidFill>
+                <a:srgbClr val="FF0000"/>
+              </a:solidFill>
+            </a:endParaRPr>
+          </a:p>
+        </p:txBody>
+      </p:sp>
+      <p:sp>
+        <p:nvSpPr>
+          <p:cNvPr id="25" name="文本框 24"/>
+          <p:cNvSpPr txBox="1"/>
+          <p:nvPr/>
+        </p:nvSpPr>
+        <p:spPr>
+          <a:xfrm>
+            <a:off x="988060" y="5126990"/>
+            <a:ext cx="3084830" cy="460375"/>
+          </a:xfrm>
+          <a:prstGeom prst="rect">
+            <a:avLst/>
+          </a:prstGeom>
+          <a:noFill/>
+        </p:spPr>
+        <p:txBody>
+          <a:bodyPr wrap="none" rtlCol="0">
+            <a:spAutoFit/>
+          </a:bodyPr>
+          <a:p>
+            <a:pPr marL="285750" indent="-285750">
+              <a:buFont typeface="Arial" panose="020B0604020202090204" pitchFamily="34" charset="0"/>
+              <a:buChar char="•"/>
+            </a:pPr>
+            <a:r>
+              <a:rPr lang="en-US" altLang="zh-CN" sz="2400"/>
+              <a:t>s: environment state</a:t>
+            </a:r>
+            <a:endParaRPr lang="en-US" altLang="zh-CN" sz="2400"/>
+          </a:p>
+        </p:txBody>
+      </p:sp>
+      <p:pic>
+        <p:nvPicPr>
+          <p:cNvPr id="26" name="图片 25" descr="截屏2022-09-18 下午2.19.39"/>
+          <p:cNvPicPr>
+            <a:picLocks noChangeAspect="1"/>
+          </p:cNvPicPr>
+          <p:nvPr/>
+        </p:nvPicPr>
+        <p:blipFill>
+          <a:blip r:embed="rId3"/>
+          <a:stretch>
+            <a:fillRect/>
+          </a:stretch>
+        </p:blipFill>
+        <p:spPr>
+          <a:xfrm>
+            <a:off x="1821815" y="5632450"/>
+            <a:ext cx="1284605" cy="1045210"/>
+          </a:xfrm>
+          <a:prstGeom prst="rect">
+            <a:avLst/>
+          </a:prstGeom>
+        </p:spPr>
+      </p:pic>
+      <p:pic>
+        <p:nvPicPr>
+          <p:cNvPr id="27" name="图片 26" descr="截屏2022-09-18 下午2.21.13"/>
+          <p:cNvPicPr>
+            <a:picLocks noChangeAspect="1"/>
+          </p:cNvPicPr>
+          <p:nvPr/>
+        </p:nvPicPr>
+        <p:blipFill>
+          <a:blip r:embed="rId4"/>
+          <a:stretch>
+            <a:fillRect/>
+          </a:stretch>
+        </p:blipFill>
+        <p:spPr>
+          <a:xfrm>
+            <a:off x="3554730" y="5634355"/>
+            <a:ext cx="1376045" cy="1077595"/>
+          </a:xfrm>
+          <a:prstGeom prst="rect">
+            <a:avLst/>
+          </a:prstGeom>
+        </p:spPr>
+      </p:pic>
+      <p:pic>
+        <p:nvPicPr>
+          <p:cNvPr id="28" name="图片 27" descr="截屏2022-09-18 下午2.21.40"/>
+          <p:cNvPicPr>
+            <a:picLocks noChangeAspect="1"/>
+          </p:cNvPicPr>
+          <p:nvPr/>
+        </p:nvPicPr>
+        <p:blipFill>
+          <a:blip r:embed="rId5"/>
+          <a:stretch>
+            <a:fillRect/>
+          </a:stretch>
+        </p:blipFill>
+        <p:spPr>
+          <a:xfrm>
+            <a:off x="5461000" y="5607050"/>
+            <a:ext cx="1377950" cy="1104900"/>
+          </a:xfrm>
+          <a:prstGeom prst="rect">
+            <a:avLst/>
+          </a:prstGeom>
+        </p:spPr>
+      </p:pic>
+      <p:sp>
+        <p:nvSpPr>
+          <p:cNvPr id="29" name="文本框 28"/>
+          <p:cNvSpPr txBox="1"/>
+          <p:nvPr/>
+        </p:nvSpPr>
+        <p:spPr>
+          <a:xfrm>
+            <a:off x="7369175" y="6068695"/>
+            <a:ext cx="868680" cy="368300"/>
+          </a:xfrm>
+          <a:prstGeom prst="rect">
+            <a:avLst/>
+          </a:prstGeom>
+          <a:noFill/>
+        </p:spPr>
+        <p:txBody>
+          <a:bodyPr wrap="none" rtlCol="0">
+            <a:spAutoFit/>
+          </a:bodyPr>
+          <a:p>
+            <a:r>
+              <a:rPr lang="en-US" altLang="zh-CN">
+                <a:solidFill>
+                  <a:srgbClr val="FF0000"/>
+                </a:solidFill>
+              </a:rPr>
+              <a:t>......</a:t>
+            </a:r>
+            <a:endParaRPr lang="en-US" altLang="zh-CN">
+              <a:solidFill>
+                <a:srgbClr val="FF0000"/>
+              </a:solidFill>
+            </a:endParaRPr>
+          </a:p>
+        </p:txBody>
+      </p:sp>
+      <p:sp>
+        <p:nvSpPr>
+          <p:cNvPr id="31" name="文本框 30"/>
+          <p:cNvSpPr txBox="1"/>
+          <p:nvPr/>
+        </p:nvSpPr>
+        <p:spPr>
+          <a:xfrm>
+            <a:off x="8487410" y="5970905"/>
+            <a:ext cx="457835" cy="368300"/>
+          </a:xfrm>
+          <a:prstGeom prst="rect">
+            <a:avLst/>
+          </a:prstGeom>
+          <a:noFill/>
+        </p:spPr>
+        <p:txBody>
+          <a:bodyPr wrap="none" rtlCol="0">
+            <a:spAutoFit/>
+          </a:bodyPr>
+          <a:p>
+            <a:r>
+              <a:rPr lang="en-US" altLang="zh-CN">
+                <a:solidFill>
+                  <a:srgbClr val="FF0000"/>
+                </a:solidFill>
+              </a:rPr>
+              <a:t>+ </a:t>
+            </a:r>
+            <a:endParaRPr lang="en-US" altLang="zh-CN">
+              <a:solidFill>
+                <a:srgbClr val="FF0000"/>
+              </a:solidFill>
+            </a:endParaRPr>
+          </a:p>
+        </p:txBody>
+      </p:sp>
+      <p:sp>
+        <p:nvSpPr>
+          <p:cNvPr id="32" name="文本框 31"/>
+          <p:cNvSpPr txBox="1"/>
+          <p:nvPr/>
+        </p:nvSpPr>
+        <p:spPr>
+          <a:xfrm>
+            <a:off x="8945245" y="5574665"/>
+            <a:ext cx="1509395" cy="368300"/>
+          </a:xfrm>
+          <a:prstGeom prst="rect">
+            <a:avLst/>
+          </a:prstGeom>
+          <a:noFill/>
+        </p:spPr>
+        <p:txBody>
+          <a:bodyPr wrap="none" rtlCol="0">
+            <a:spAutoFit/>
+          </a:bodyPr>
+          <a:p>
+            <a:r>
+              <a:rPr lang="en-US" altLang="zh-CN">
+                <a:solidFill>
+                  <a:srgbClr val="FF0000"/>
+                </a:solidFill>
+              </a:rPr>
+              <a:t>Gripper Height</a:t>
+            </a:r>
+            <a:endParaRPr lang="en-US" altLang="zh-CN">
+              <a:solidFill>
+                <a:srgbClr val="FF0000"/>
+              </a:solidFill>
+            </a:endParaRPr>
+          </a:p>
+        </p:txBody>
+      </p:sp>
+      <p:sp>
+        <p:nvSpPr>
+          <p:cNvPr id="33" name="文本框 32"/>
+          <p:cNvSpPr txBox="1"/>
+          <p:nvPr/>
+        </p:nvSpPr>
+        <p:spPr>
+          <a:xfrm>
+            <a:off x="8945245" y="5908675"/>
+            <a:ext cx="1576705" cy="368300"/>
+          </a:xfrm>
+          <a:prstGeom prst="rect">
+            <a:avLst/>
+          </a:prstGeom>
+          <a:noFill/>
+        </p:spPr>
+        <p:txBody>
+          <a:bodyPr wrap="none" rtlCol="0">
+            <a:spAutoFit/>
+          </a:bodyPr>
+          <a:p>
+            <a:r>
+              <a:rPr lang="en-US" altLang="zh-CN">
+                <a:solidFill>
+                  <a:srgbClr val="FF0000"/>
+                </a:solidFill>
+              </a:rPr>
+              <a:t>Rotation to Go</a:t>
+            </a:r>
+            <a:endParaRPr lang="en-US" altLang="zh-CN">
+              <a:solidFill>
+                <a:srgbClr val="FF0000"/>
+              </a:solidFill>
+            </a:endParaRPr>
+          </a:p>
+        </p:txBody>
+      </p:sp>
+      <p:sp>
+        <p:nvSpPr>
+          <p:cNvPr id="34" name="文本框 33"/>
+          <p:cNvSpPr txBox="1"/>
+          <p:nvPr/>
+        </p:nvSpPr>
+        <p:spPr>
+          <a:xfrm>
+            <a:off x="8933815" y="6207125"/>
+            <a:ext cx="1504950" cy="368300"/>
+          </a:xfrm>
+          <a:prstGeom prst="rect">
+            <a:avLst/>
+          </a:prstGeom>
+          <a:noFill/>
+        </p:spPr>
+        <p:txBody>
+          <a:bodyPr wrap="none" rtlCol="0">
+            <a:spAutoFit/>
+          </a:bodyPr>
+          <a:p>
+            <a:r>
+              <a:rPr lang="en-US" altLang="zh-CN">
+                <a:solidFill>
+                  <a:srgbClr val="FF0000"/>
+                </a:solidFill>
+              </a:rPr>
+              <a:t>Closure to Go</a:t>
+            </a:r>
+            <a:endParaRPr lang="en-US" altLang="zh-CN">
+              <a:solidFill>
+                <a:srgbClr val="FF0000"/>
+              </a:solidFill>
+            </a:endParaRPr>
+          </a:p>
+        </p:txBody>
+      </p:sp>
+      <p:sp>
+        <p:nvSpPr>
+          <p:cNvPr id="35" name="文本框 34"/>
+          <p:cNvSpPr txBox="1"/>
+          <p:nvPr/>
+        </p:nvSpPr>
+        <p:spPr>
+          <a:xfrm>
+            <a:off x="8945245" y="6472555"/>
+            <a:ext cx="868680" cy="368300"/>
+          </a:xfrm>
+          <a:prstGeom prst="rect">
+            <a:avLst/>
+          </a:prstGeom>
+          <a:noFill/>
+        </p:spPr>
+        <p:txBody>
+          <a:bodyPr wrap="none" rtlCol="0">
+            <a:spAutoFit/>
+          </a:bodyPr>
+          <a:p>
+            <a:r>
+              <a:rPr lang="en-US" altLang="zh-CN">
+                <a:solidFill>
+                  <a:srgbClr val="FF0000"/>
+                </a:solidFill>
+              </a:rPr>
+              <a:t>......</a:t>
+            </a:r>
+            <a:endParaRPr lang="en-US" altLang="zh-CN">
+              <a:solidFill>
+                <a:srgbClr val="FF0000"/>
+              </a:solidFill>
+            </a:endParaRPr>
+          </a:p>
+        </p:txBody>
+      </p:sp>
+      <p:sp>
+        <p:nvSpPr>
+          <p:cNvPr id="36" name="标题 35"/>
+          <p:cNvSpPr>
+            <a:spLocks noGrp="1"/>
+          </p:cNvSpPr>
+          <p:nvPr>
+            <p:ph type="title"/>
+          </p:nvPr>
+        </p:nvSpPr>
+        <p:spPr>
+          <a:xfrm>
+            <a:off x="838200" y="342265"/>
+            <a:ext cx="10515600" cy="1325563"/>
+          </a:xfrm>
+        </p:spPr>
+        <p:txBody>
+          <a:bodyPr/>
+          <a:p>
+            <a:r>
+              <a:rPr lang="en-US"/>
+              <a:t>Methodology</a:t>
+            </a:r>
+            <a:endParaRPr lang="en-US"/>
+          </a:p>
+        </p:txBody>
+      </p:sp>
+    </p:spTree>
+  </p:cSld>
+  <p:clrMapOvr>
+    <a:masterClrMapping/>
+  </p:clrMapOvr>
+</p:sld>
+</file>
+
+<file path=ppt/slides/slide5.xml><?xml version="1.0" encoding="utf-8"?>
+<p:sld xmlns:a="http://schemas.openxmlformats.org/drawingml/2006/main" xmlns:r="http://schemas.openxmlformats.org/officeDocument/2006/relationships" xmlns:p="http://schemas.openxmlformats.org/presentationml/2006/main">
+  <p:cSld>
+    <p:spTree>
+      <p:nvGrpSpPr>
+        <p:cNvPr id="1" name=""/>
+        <p:cNvGrpSpPr/>
+        <p:nvPr/>
+      </p:nvGrpSpPr>
+      <p:grpSpPr/>
+      <p:sp>
+        <p:nvSpPr>
+          <p:cNvPr id="4" name="文本框 3"/>
+          <p:cNvSpPr txBox="1"/>
+          <p:nvPr/>
+        </p:nvSpPr>
+        <p:spPr>
+          <a:xfrm>
+            <a:off x="1615440" y="1736090"/>
+            <a:ext cx="1856740" cy="460375"/>
+          </a:xfrm>
+          <a:prstGeom prst="rect">
+            <a:avLst/>
+          </a:prstGeom>
+          <a:noFill/>
+        </p:spPr>
+        <p:txBody>
+          <a:bodyPr wrap="none" rtlCol="0">
+            <a:spAutoFit/>
+          </a:bodyPr>
+          <a:p>
+            <a:r>
+              <a:rPr lang="en-US" altLang="zh-CN" sz="2400"/>
+              <a:t>LLM provides</a:t>
+            </a:r>
+            <a:endParaRPr lang="en-US" altLang="zh-CN" sz="2400"/>
+          </a:p>
+        </p:txBody>
+      </p:sp>
+      <p:pic>
+        <p:nvPicPr>
+          <p:cNvPr id="5" name="334E55B0-647D-440b-865C-3EC943EB4CBC-5" descr="wpsoffice"/>
+          <p:cNvPicPr>
+            <a:picLocks noChangeAspect="1"/>
+          </p:cNvPicPr>
+          <p:nvPr/>
+        </p:nvPicPr>
+        <p:blipFill>
+          <a:blip r:embed="rId1"/>
+          <a:stretch>
+            <a:fillRect/>
+          </a:stretch>
+        </p:blipFill>
+        <p:spPr>
+          <a:xfrm>
+            <a:off x="3564255" y="1570990"/>
+            <a:ext cx="1680210" cy="625475"/>
+          </a:xfrm>
+          <a:prstGeom prst="rect">
+            <a:avLst/>
+          </a:prstGeom>
+        </p:spPr>
+      </p:pic>
+      <p:pic>
+        <p:nvPicPr>
+          <p:cNvPr id="7" name="图片 6" descr="截屏2022-09-18 下午2.30.17"/>
+          <p:cNvPicPr>
+            <a:picLocks noChangeAspect="1"/>
+          </p:cNvPicPr>
+          <p:nvPr/>
+        </p:nvPicPr>
+        <p:blipFill>
+          <a:blip r:embed="rId2"/>
+          <a:stretch>
+            <a:fillRect/>
+          </a:stretch>
+        </p:blipFill>
+        <p:spPr>
+          <a:xfrm>
+            <a:off x="889635" y="2282825"/>
+            <a:ext cx="10058400" cy="3381375"/>
+          </a:xfrm>
+          <a:prstGeom prst="rect">
+            <a:avLst/>
+          </a:prstGeom>
+        </p:spPr>
+      </p:pic>
+      <p:sp>
+        <p:nvSpPr>
+          <p:cNvPr id="8" name="标题 7"/>
+          <p:cNvSpPr>
+            <a:spLocks noGrp="1"/>
+          </p:cNvSpPr>
+          <p:nvPr>
+            <p:ph type="title"/>
+          </p:nvPr>
+        </p:nvSpPr>
+        <p:spPr>
+          <a:xfrm>
+            <a:off x="838200" y="342265"/>
+            <a:ext cx="10515600" cy="1325563"/>
+          </a:xfrm>
+        </p:spPr>
+        <p:txBody>
+          <a:bodyPr/>
+          <a:p>
+            <a:r>
+              <a:rPr lang="en-US"/>
+              <a:t>Methodology</a:t>
+            </a:r>
+            <a:endParaRPr lang="en-US"/>
+          </a:p>
+        </p:txBody>
+      </p:sp>
+    </p:spTree>
+  </p:cSld>
+  <p:clrMapOvr>
+    <a:masterClrMapping/>
+  </p:clrMapOvr>
+</p:sld>
+</file>
+
+<file path=ppt/slides/slide6.xml><?xml version="1.0" encoding="utf-8"?>
+<p:sld xmlns:a="http://schemas.openxmlformats.org/drawingml/2006/main" xmlns:r="http://schemas.openxmlformats.org/officeDocument/2006/relationships" xmlns:p="http://schemas.openxmlformats.org/presentationml/2006/main">
+  <p:cSld>
+    <p:spTree>
+      <p:nvGrpSpPr>
+        <p:cNvPr id="1" name=""/>
+        <p:cNvGrpSpPr/>
+        <p:nvPr/>
+      </p:nvGrpSpPr>
+      <p:grpSpPr/>
+      <p:sp>
+        <p:nvSpPr>
+          <p:cNvPr id="4" name="文本框 3"/>
+          <p:cNvSpPr txBox="1"/>
+          <p:nvPr/>
+        </p:nvSpPr>
+        <p:spPr>
+          <a:xfrm>
+            <a:off x="1292860" y="1889760"/>
+            <a:ext cx="3747770" cy="460375"/>
+          </a:xfrm>
+          <a:prstGeom prst="rect">
+            <a:avLst/>
+          </a:prstGeom>
+          <a:noFill/>
+        </p:spPr>
+        <p:txBody>
+          <a:bodyPr wrap="none" rtlCol="0">
+            <a:spAutoFit/>
+          </a:bodyPr>
+          <a:p>
+            <a:r>
+              <a:rPr lang="en-US" altLang="zh-CN" sz="2400"/>
+              <a:t>Agent (Robot, etc) provides</a:t>
+            </a:r>
+            <a:endParaRPr lang="en-US" altLang="zh-CN" sz="2400"/>
+          </a:p>
+        </p:txBody>
+      </p:sp>
+      <p:pic>
+        <p:nvPicPr>
+          <p:cNvPr id="5" name="334E55B0-647D-440b-865C-3EC943EB4CBC-6" descr="wpsoffice"/>
+          <p:cNvPicPr>
+            <a:picLocks noChangeAspect="1"/>
+          </p:cNvPicPr>
+          <p:nvPr/>
+        </p:nvPicPr>
+        <p:blipFill>
+          <a:blip r:embed="rId1"/>
+          <a:stretch>
+            <a:fillRect/>
+          </a:stretch>
+        </p:blipFill>
+        <p:spPr>
+          <a:xfrm>
+            <a:off x="5152390" y="1833880"/>
+            <a:ext cx="2183130" cy="516255"/>
+          </a:xfrm>
+          <a:prstGeom prst="rect">
+            <a:avLst/>
+          </a:prstGeom>
+        </p:spPr>
+      </p:pic>
+      <p:pic>
+        <p:nvPicPr>
+          <p:cNvPr id="6" name="图片 5" descr="截屏2022-09-18 下午2.37.52"/>
+          <p:cNvPicPr>
+            <a:picLocks noChangeAspect="1"/>
+          </p:cNvPicPr>
+          <p:nvPr/>
+        </p:nvPicPr>
+        <p:blipFill>
+          <a:blip r:embed="rId2"/>
+          <a:stretch>
+            <a:fillRect/>
+          </a:stretch>
+        </p:blipFill>
+        <p:spPr>
+          <a:xfrm>
+            <a:off x="668655" y="2580005"/>
+            <a:ext cx="11008360" cy="2455545"/>
+          </a:xfrm>
+          <a:prstGeom prst="rect">
+            <a:avLst/>
+          </a:prstGeom>
+        </p:spPr>
+      </p:pic>
+      <p:sp>
+        <p:nvSpPr>
+          <p:cNvPr id="9" name="标题 8"/>
+          <p:cNvSpPr>
+            <a:spLocks noGrp="1"/>
+          </p:cNvSpPr>
+          <p:nvPr>
+            <p:ph type="title"/>
+          </p:nvPr>
+        </p:nvSpPr>
+        <p:spPr>
+          <a:xfrm>
+            <a:off x="838200" y="342265"/>
+            <a:ext cx="10515600" cy="1325563"/>
+          </a:xfrm>
+        </p:spPr>
+        <p:txBody>
+          <a:bodyPr/>
+          <a:p>
+            <a:r>
+              <a:rPr lang="en-US"/>
+              <a:t>Methodology</a:t>
+            </a:r>
+            <a:endParaRPr lang="en-US"/>
+          </a:p>
+        </p:txBody>
+      </p:sp>
+    </p:spTree>
+  </p:cSld>
+  <p:clrMapOvr>
+    <a:masterClrMapping/>
+  </p:clrMapOvr>
+</p:sld>
+</file>
+
+<file path=ppt/slides/slide7.xml><?xml version="1.0" encoding="utf-8"?>
+<p:sld xmlns:a="http://schemas.openxmlformats.org/drawingml/2006/main" xmlns:r="http://schemas.openxmlformats.org/officeDocument/2006/relationships" xmlns:p="http://schemas.openxmlformats.org/presentationml/2006/main">
+  <p:cSld>
+    <p:spTree>
+      <p:nvGrpSpPr>
+        <p:cNvPr id="1" name=""/>
+        <p:cNvGrpSpPr/>
+        <p:nvPr/>
+      </p:nvGrpSpPr>
+      <p:grpSpPr/>
+      <p:pic>
+        <p:nvPicPr>
+          <p:cNvPr id="4" name="334E55B0-647D-440b-865C-3EC943EB4CBC-7" descr="wpsoffice"/>
+          <p:cNvPicPr>
+            <a:picLocks noChangeAspect="1"/>
+          </p:cNvPicPr>
+          <p:nvPr/>
+        </p:nvPicPr>
+        <p:blipFill>
+          <a:blip r:embed="rId1"/>
+          <a:stretch>
+            <a:fillRect/>
+          </a:stretch>
+        </p:blipFill>
+        <p:spPr>
+          <a:xfrm>
+            <a:off x="3043555" y="1875155"/>
+            <a:ext cx="6105525" cy="455930"/>
+          </a:xfrm>
+          <a:prstGeom prst="rect">
+            <a:avLst/>
+          </a:prstGeom>
+        </p:spPr>
+      </p:pic>
+      <p:pic>
+        <p:nvPicPr>
+          <p:cNvPr id="5" name="334E55B0-647D-440b-865C-3EC943EB4CBC-8" descr="wpsoffice"/>
+          <p:cNvPicPr>
+            <a:picLocks noChangeAspect="1"/>
+          </p:cNvPicPr>
+          <p:nvPr/>
+        </p:nvPicPr>
+        <p:blipFill>
+          <a:blip r:embed="rId2"/>
+          <a:stretch>
+            <a:fillRect/>
+          </a:stretch>
+        </p:blipFill>
+        <p:spPr>
+          <a:xfrm>
+            <a:off x="3043555" y="2657475"/>
+            <a:ext cx="5480050" cy="710565"/>
+          </a:xfrm>
+          <a:prstGeom prst="rect">
+            <a:avLst/>
+          </a:prstGeom>
+        </p:spPr>
+      </p:pic>
+      <p:pic>
+        <p:nvPicPr>
+          <p:cNvPr id="7" name="图片 6" descr="截屏2022-09-18 下午2.54.44"/>
+          <p:cNvPicPr>
+            <a:picLocks noChangeAspect="1"/>
+          </p:cNvPicPr>
+          <p:nvPr/>
+        </p:nvPicPr>
+        <p:blipFill>
+          <a:blip r:embed="rId3"/>
+          <a:stretch>
+            <a:fillRect/>
+          </a:stretch>
+        </p:blipFill>
+        <p:spPr>
+          <a:xfrm>
+            <a:off x="1352550" y="3707765"/>
+            <a:ext cx="8622030" cy="1879600"/>
+          </a:xfrm>
+          <a:prstGeom prst="rect">
+            <a:avLst/>
+          </a:prstGeom>
+        </p:spPr>
+      </p:pic>
+      <p:sp>
+        <p:nvSpPr>
+          <p:cNvPr id="8" name="标题 7"/>
+          <p:cNvSpPr>
+            <a:spLocks noGrp="1"/>
+          </p:cNvSpPr>
+          <p:nvPr>
+            <p:ph type="title"/>
+          </p:nvPr>
+        </p:nvSpPr>
+        <p:spPr>
+          <a:xfrm>
+            <a:off x="838200" y="342265"/>
+            <a:ext cx="10515600" cy="1325563"/>
+          </a:xfrm>
+        </p:spPr>
+        <p:txBody>
+          <a:bodyPr/>
+          <a:p>
+            <a:r>
+              <a:rPr lang="en-US"/>
+              <a:t>Methodology</a:t>
+            </a:r>
+            <a:endParaRPr lang="en-US"/>
+          </a:p>
+        </p:txBody>
+      </p:sp>
+    </p:spTree>
+  </p:cSld>
+  <p:clrMapOvr>
+    <a:masterClrMapping/>
+  </p:clrMapOvr>
+</p:sld>
+</file>
+
+<file path=ppt/slides/slide8.xml><?xml version="1.0" encoding="utf-8"?>
+<p:sld xmlns:a="http://schemas.openxmlformats.org/drawingml/2006/main" xmlns:r="http://schemas.openxmlformats.org/officeDocument/2006/relationships" xmlns:p="http://schemas.openxmlformats.org/presentationml/2006/main">
+  <p:cSld>
+    <p:spTree>
+      <p:nvGrpSpPr>
+        <p:cNvPr id="1" name=""/>
+        <p:cNvGrpSpPr/>
+        <p:nvPr/>
+      </p:nvGrpSpPr>
+      <p:grpSpPr/>
+      <p:pic>
+        <p:nvPicPr>
+          <p:cNvPr id="4" name="图片 3" descr="截屏2022-09-18 下午2.55.23"/>
+          <p:cNvPicPr>
+            <a:picLocks noChangeAspect="1"/>
+          </p:cNvPicPr>
+          <p:nvPr/>
+        </p:nvPicPr>
+        <p:blipFill>
+          <a:blip r:embed="rId1"/>
+          <a:stretch>
+            <a:fillRect/>
+          </a:stretch>
+        </p:blipFill>
+        <p:spPr>
+          <a:xfrm>
+            <a:off x="1066800" y="1517015"/>
+            <a:ext cx="10058400" cy="4876165"/>
+          </a:xfrm>
+          <a:prstGeom prst="rect">
+            <a:avLst/>
+          </a:prstGeom>
+        </p:spPr>
+      </p:pic>
+      <p:sp>
+        <p:nvSpPr>
+          <p:cNvPr id="5" name="标题 4"/>
+          <p:cNvSpPr>
+            <a:spLocks noGrp="1"/>
+          </p:cNvSpPr>
+          <p:nvPr>
+            <p:ph type="title"/>
+          </p:nvPr>
+        </p:nvSpPr>
+        <p:spPr>
+          <a:xfrm>
+            <a:off x="838200" y="342265"/>
+            <a:ext cx="10515600" cy="1325563"/>
+          </a:xfrm>
+        </p:spPr>
+        <p:txBody>
+          <a:bodyPr/>
+          <a:p>
+            <a:r>
+              <a:rPr lang="en-US"/>
+              <a:t>Methodology</a:t>
+            </a:r>
+            <a:endParaRPr lang="en-US"/>
+          </a:p>
+        </p:txBody>
+      </p:sp>
+    </p:spTree>
+  </p:cSld>
+  <p:clrMapOvr>
+    <a:masterClrMapping/>
+  </p:clrMapOvr>
+</p:sld>
+</file>
+
+<file path=ppt/slides/slide9.xml><?xml version="1.0" encoding="utf-8"?>
+<p:sld xmlns:a="http://schemas.openxmlformats.org/drawingml/2006/main" xmlns:r="http://schemas.openxmlformats.org/officeDocument/2006/relationships" xmlns:p="http://schemas.openxmlformats.org/presentationml/2006/main">
+  <p:cSld>
+    <p:spTree>
+      <p:nvGrpSpPr>
+        <p:cNvPr id="1" name=""/>
+        <p:cNvGrpSpPr/>
+        <p:nvPr/>
+      </p:nvGrpSpPr>
+      <p:grpSpPr/>
+      <p:sp>
+        <p:nvSpPr>
+          <p:cNvPr id="2" name="标题 1"/>
+          <p:cNvSpPr>
+            <a:spLocks noGrp="1"/>
+          </p:cNvSpPr>
+          <p:nvPr>
+            <p:ph type="title"/>
+          </p:nvPr>
+        </p:nvSpPr>
+        <p:spPr>
+          <a:xfrm>
+            <a:off x="838200" y="342265"/>
+            <a:ext cx="10515600" cy="1325563"/>
+          </a:xfrm>
+        </p:spPr>
+        <p:txBody>
+          <a:bodyPr/>
+          <a:p>
+            <a:r>
+              <a:rPr lang="en-US" altLang="zh-CN"/>
+              <a:t>Model architecture</a:t>
+            </a:r>
+            <a:r>
+              <a:rPr lang="zh-CN" altLang="en-US"/>
+              <a:t>——</a:t>
+            </a:r>
+            <a:r>
+              <a:rPr lang="en-US" altLang="zh-CN"/>
+              <a:t>Agent</a:t>
+            </a:r>
+            <a:endParaRPr lang="en-US" altLang="zh-CN"/>
+          </a:p>
+        </p:txBody>
+      </p:sp>
+      <p:pic>
+        <p:nvPicPr>
+          <p:cNvPr id="4" name="图片 3" descr="截屏2022-09-18 下午2.59.06"/>
+          <p:cNvPicPr>
+            <a:picLocks noChangeAspect="1"/>
+          </p:cNvPicPr>
+          <p:nvPr/>
+        </p:nvPicPr>
+        <p:blipFill>
+          <a:blip r:embed="rId1"/>
+          <a:stretch>
+            <a:fillRect/>
+          </a:stretch>
+        </p:blipFill>
+        <p:spPr>
+          <a:xfrm>
+            <a:off x="1955165" y="1382395"/>
+            <a:ext cx="7724775" cy="5139055"/>
+          </a:xfrm>
+          <a:prstGeom prst="rect">
+            <a:avLst/>
+          </a:prstGeom>
+        </p:spPr>
+      </p:pic>
+      <p:sp>
+        <p:nvSpPr>
+          <p:cNvPr id="5" name="文本框 4"/>
+          <p:cNvSpPr txBox="1"/>
+          <p:nvPr/>
+        </p:nvSpPr>
+        <p:spPr>
+          <a:xfrm>
+            <a:off x="4810125" y="6448425"/>
+            <a:ext cx="7390765" cy="368300"/>
+          </a:xfrm>
+          <a:prstGeom prst="rect">
+            <a:avLst/>
+          </a:prstGeom>
+          <a:noFill/>
+        </p:spPr>
+        <p:txBody>
+          <a:bodyPr wrap="none" rtlCol="0">
+            <a:spAutoFit/>
+          </a:bodyPr>
+          <a:p>
+            <a:pPr algn="l"/>
+            <a:r>
+              <a:rPr lang="zh-CN" altLang="en-US"/>
+              <a:t>《Mt-opt: Continuous multi-task robotic reinforcement learning at scale》</a:t>
+            </a:r>
+            <a:endParaRPr lang="zh-CN" altLang="en-US"/>
+          </a:p>
+        </p:txBody>
+      </p:sp>
+    </p:spTree>
   </p:cSld>
   <p:clrMapOvr>
     <a:masterClrMapping/>
@@ -3509,7 +5723,7 @@
     </a:clrScheme>
     <a:fontScheme name="Office">
       <a:majorFont>
-        <a:latin typeface="等线 Light" panose="020F0302020204030204"/>
+        <a:latin typeface="等线 Light"/>
         <a:ea typeface=""/>
         <a:cs typeface=""/>
         <a:font script="Jpan" typeface="游ゴシック Light"/>
@@ -3542,26 +5756,9 @@
         <a:font script="Viet" typeface="Times New Roman"/>
         <a:font script="Uigh" typeface="Microsoft Uighur"/>
         <a:font script="Geor" typeface="Sylfaen"/>
-        <a:font script="Armn" typeface="Arial"/>
-        <a:font script="Bugi" typeface="Leelawadee UI"/>
-        <a:font script="Bopo" typeface="Microsoft JhengHei"/>
-        <a:font script="Java" typeface="Javanese Text"/>
-        <a:font script="Lisu" typeface="Segoe UI"/>
-        <a:font script="Mymr" typeface="Myanmar Text"/>
-        <a:font script="Nkoo" typeface="Ebrima"/>
-        <a:font script="Olck" typeface="Nirmala UI"/>
-        <a:font script="Osma" typeface="Ebrima"/>
-        <a:font script="Phag" typeface="Phagspa"/>
-        <a:font script="Syrn" typeface="Estrangelo Edessa"/>
-        <a:font script="Syrj" typeface="Estrangelo Edessa"/>
-        <a:font script="Syre" typeface="Estrangelo Edessa"/>
-        <a:font script="Sora" typeface="Nirmala UI"/>
-        <a:font script="Tale" typeface="Microsoft Tai Le"/>
-        <a:font script="Talu" typeface="Microsoft New Tai Lue"/>
-        <a:font script="Tfng" typeface="Ebrima"/>
       </a:majorFont>
       <a:minorFont>
-        <a:latin typeface="等线" panose="020F0502020204030204"/>
+        <a:latin typeface="等线"/>
         <a:ea typeface=""/>
         <a:cs typeface=""/>
         <a:font script="Jpan" typeface="游ゴシック"/>
@@ -3594,23 +5791,6 @@
         <a:font script="Viet" typeface="Arial"/>
         <a:font script="Uigh" typeface="Microsoft Uighur"/>
         <a:font script="Geor" typeface="Sylfaen"/>
-        <a:font script="Armn" typeface="Arial"/>
-        <a:font script="Bugi" typeface="Leelawadee UI"/>
-        <a:font script="Bopo" typeface="Microsoft JhengHei"/>
-        <a:font script="Java" typeface="Javanese Text"/>
-        <a:font script="Lisu" typeface="Segoe UI"/>
-        <a:font script="Mymr" typeface="Myanmar Text"/>
-        <a:font script="Nkoo" typeface="Ebrima"/>
-        <a:font script="Olck" typeface="Nirmala UI"/>
-        <a:font script="Osma" typeface="Ebrima"/>
-        <a:font script="Phag" typeface="Phagspa"/>
-        <a:font script="Syrn" typeface="Estrangelo Edessa"/>
-        <a:font script="Syrj" typeface="Estrangelo Edessa"/>
-        <a:font script="Syre" typeface="Estrangelo Edessa"/>
-        <a:font script="Sora" typeface="Nirmala UI"/>
-        <a:font script="Tale" typeface="Microsoft Tai Le"/>
-        <a:font script="Talu" typeface="Microsoft New Tai Lue"/>
-        <a:font script="Tfng" typeface="Ebrima"/>
       </a:minorFont>
     </a:fontScheme>
     <a:fmtScheme name="Office">
@@ -3751,12 +5931,43 @@
       </a:bgFillStyleLst>
     </a:fmtScheme>
   </a:themeElements>
-  <a:objectDefaults/>
-  <a:extraClrSchemeLst/>
   <a:extLst>
     <a:ext uri="{05A4C25C-085E-4340-85A3-A5531E510DB2}">
       <thm15:themeFamily xmlns:thm15="http://schemas.microsoft.com/office/thememl/2012/main" name="Office Theme" id="{62F939B6-93AF-4DB8-9C6B-D6C7DFDC589F}" vid="{4A3C46E8-61CC-4603-A589-7422A47A8E4A}"/>
     </a:ext>
   </a:extLst>
 </a:theme>
+</file>
+
+<file path=customXml/item1.xml><?xml version="1.0" encoding="utf-8"?>
+<s:customData xmlns="http://www.wps.cn/officeDocument/2013/wpsCustomData" xmlns:s="http://www.wps.cn/officeDocument/2013/wpsCustomData">
+  <extobjs>
+    <extobj name="334E55B0-647D-440b-865C-3EC943EB4CBC-2">
+      <extobjdata type="334E55B0-647D-440b-865C-3EC943EB4CBC" data="ewogICAiSW1nU2V0dGluZ0pzb24iIDogIntcImRwaVwiOlwiNjAwXCIsXCJmb3JtYXRcIjpcIlBOR1wiLFwidHJhbnNwYXJlbnRcIjp0cnVlLFwiYXV0b1wiOmZhbHNlfSIsCiAgICJMYXRleCIgOiAiWEZzZ1hIQnBJRnhkIiwKICAgIkxhdGV4SW1nQmFzZTY0IiA6ICJpVkJPUncwS0dnb0FBQUFOU1VoRVVnQUFBQzRBQUFBbEJBTUFBQURQVU1iSEFBQUFNRkJNVkVYLy8vOEFBQUFBQUFBQUFBQUFBQUFBQUFBQUFBQUFBQUFBQUFBQUFBQUFBQUFBQUFBQUFBQUFBQUFBQUFBQUFBQXYzYUI3QUFBQUQzUlNUbE1BSW9uTjc5MUVFS3N5Vkx0bWRwbTBySHJZQUFBQUNYQklXWE1BQUE3RUFBQU94QUdWS3c0YkFBQUJZMGxFUVZRb0ZXV1NTMUxDUUJDR0p3U0pDZ29MOTFMbEFhQXFwVnZadUk0YjNZWWJSRStBYXpmeEJuQUVEMkJWdkFIZUFHOFExT0JiZi91UmlVbm9SVCsrN2tuM2RNWVlFdWNnUUVWV1k4WmVYSUVjakpqdnJXRXNDYmZXTWZyRXAwQjI1aC9DSnpuT1dQdlhoTDBBZHoxak9pL2tHL2VidFlpTGM3YnRaOWJkRDlZaWl5OHgzVmMyVTI0bzR1QldiQ1JrUGxKSzUxZnFwVU8yc1JhUkZ6MHBEL3BzUTlIc3hUUFdaZ3RqTnJobnpYS3BwZ0cyTGN3MExIUlR4dC9SVXdXbE5qTCtKbTVLak4xVXh0OUFyOFpsZzJhQ2l5cmZ4cEJCSk4xTHFiWnMxaXpxZktLRHBIVStVSkRVZVNEam03RFd0d01aMzZBMnZ3c1puL2k0TkF6LzRpWEhIdkJRNGJIK0hPSlhaVzdySE9qMWJLNlI5Nk84Zk0veUpqSnhpV3YvUERISHUzckFyNjFsRytKVHd6QS9xQkU5MERmMWtzckYyc1VZQStCUksxanZ3ejZEQ0RqOTUzUFlOWGFSdno1SlJ2akppM1lyQzJxYzJLMTR5VkZlOFFldm1OT3RVTFg0aEFBQUFBQkpSVTVFcmtKZ2dnPT0iCn0K"/>
+    </extobj>
+    <extobj name="334E55B0-647D-440b-865C-3EC943EB4CBC-3">
+      <extobjdata type="334E55B0-647D-440b-865C-3EC943EB4CBC" data="ewogICAiSW1nU2V0dGluZ0pzb24iIDogIntcImRwaVwiOlwiNjAwXCIsXCJmb3JtYXRcIjpcIlBOR1wiLFwidHJhbnNwYXJlbnRcIjp0cnVlLFwiYXV0b1wiOmZhbHNlfSIsCiAgICJMYXRleCIgOiAiWEZzZ2JGOWNjR2tnWEYwPSIsCiAgICJMYXRleEltZ0Jhc2U2NCIgOiAiaVZCT1J3MEtHZ29BQUFBTlNVaEVVZ0FBQUR3QUFBQklCQU1BQUFCWVlZdVdBQUFBTUZCTVZFWC8vLzhBQUFBQUFBQUFBQUFBQUFBQUFBQUFBQUFBQUFBQUFBQUFBQUFBQUFBQUFBQUFBQUFBQUFBQUFBQUFBQUF2M2FCN0FBQUFEM1JTVGxNQUlrUlVab21acTgzZDd6SjJ1eEREc25ickFBQUFDWEJJV1hNQUFBN0VBQUFPeEFHVkt3NGJBQUFCOEVsRVFWUklEZTJWTzA4Q1FSQ0FoNWNnNzliQ0hJbWRqZndEYU94TXRMS1Z6bEpiSzJtdHpzSWVUQ3hOb0xhQmZ3RC9BRm9Uay9NdEVIV2NtZVVPUE5ocGpJbUZXOXpOenJldjJabWRBUUNJYkd3Zm5yWGFKQzFya1JaeXMrR1lVRncyVTNRNyt5N2l5SW9CNG9ndkNxYjFIeFdjUmJ4WGNBNnhydUFDNHA2Q080Z2xCZmZRYmpaTkc2aG1nMjUyNWsrYlBWUnU1WmZOL2xTMkptK2ZLNWk4WFZNd2VidXNZUEwyVU1FREhDdVV2UDJxWVBMMms0SXB5UC9OWHJpZkgzdTd1ckRrVEVIZUxzNTZDOUlBSnd1Nk9RWGkyMXd2TEpLM24wbVg2SWFCNlpPM0gwaHk2cVliUFRFWlZyNlRQcERaVFNLOW11RDhZSTV5RktVUmo0bTRKcFRYdmxGYTEwR3NFamFoUEUzdC9waHhHYllrMGNkTXZyN0ZpeUpFMkZDblNSOXFGY2w0dVhmcHVGZjB5N0tobGJvb29DUFk0OU5EZHNMM2wySkRqL2hBMUR6QnZiN0lNa2lHdWwxV0FCc0drRytWV0Y2WDcyNlRSUDlSMHEyMUlmbEJHcis1dEc0MHlOQTlyT2RQTDMxR1ZZMG5ab082UldXbUlVZWFqa2p3RmF3RUdPN2NVWGMyR2RMOG1sTXpQSWRZclBCclRnZDdoeWk0L0pvTC9zbkROQ092MmNOdUdKaCtVcEtZWTh0Vm5nREhWdGNPWkZmSFZoVmI0bm5Qa203aXBtUVZMT0diTnBWNjFaSUpkeVZ1NlZLWFcrYWFJMGNSSlFMQ3hqZW10OW1RQUExVDJMdzJxaHZ6L3dJajEwWi9NbDU1Y1FBQUFBQkpSVTVFcmtKZ2dnPT0iCn0K"/>
+    </extobj>
+    <extobj name="334E55B0-647D-440b-865C-3EC943EB4CBC-5">
+      <extobjdata type="334E55B0-647D-440b-865C-3EC943EB4CBC" data="ewogICAiSW1nU2V0dGluZ0pzb24iIDogIntcImRwaVwiOlwiNjAwXCIsXCJmb3JtYXRcIjpcIlBOR1wiLFwidHJhbnNwYXJlbnRcIjp0cnVlLFwiYXV0b1wiOmZhbHNlfSIsCiAgICJMYXRleCIgOiAiWEZzZ2NDaHNYMXh3YVNCOElHa3BJRnhkIiwKICAgIkxhdGV4SW1nQmFzZTY0IiA6ICJpVkJPUncwS0dnb0FBQUFOU1VoRVVnQUFBTjhBQUFCVEJBTUFBQUR0cGMrOEFBQUFNRkJNVkVYLy8vOEFBQUFBQUFBQUFBQUFBQUFBQUFBQUFBQUFBQUFBQUFBQUFBQUFBQUFBQUFBQUFBQUFBQUFBQUFBQUFBQXYzYUI3QUFBQUQzUlNUbE1BTXJ2djNhdG16WWtpRUhaRVZKa1ZwS09QQUFBQUNYQklXWE1BQUE3RUFBQU94QUdWS3c0YkFBQUlxVWxFUVZSb0JaMWFPMjhyeHhWZWlwUXVINklvSUVWS0VuQm5CS0FRWHh1NE1aQlZFU1JBbWxXQU5DNE1DbWxzd0lVVUlJRGRVWC9BSnVHa0RoZndCVkxjZ3ZvSEpCS2tTeURCU1M4MUx0SllONkd1SmR1SlQ3NTVuWG5zN0M3aExUUXo1NXc1Mzh5Wjg1aGRLa25xbjMrdTYyVzBSUHVuVWRIT1cxRnlDZkZnTXkvaEZNa0RLdElFSlJ2RjZWSHE1TjlSY3BTNHBEeEtmLzRRcDhlRWQyZ2RJOGRwQzRwYm81UCtNajRoUXAxK1pZaWR2Ny8veGUvU1F6T010V1dBeWZBK2o4bEhhTHQwb2FtZGxNVHovUUQ3ZEI1UkhpUE4vbU9vZllsWDRoVmFxSFNIeWV5VjBWUGQ3dE0zTFBEQkoxT2lCeDdHT2lIZ2V3OXJMZGFpeTlpRUF1MHpPblZvZTBTUHpyRFlEUUIzaWI3V1FoM2F6dG1uM281ZzFmOFdVUnhLQUhoRzlLM2hydTVOcjZyZDR4VktxUjdSeXlyeEpBREVFYkNQTjluN3FqUXM2ZFpsNzFDTnN3V0FjRE5qMG1Sdks1dE8vTXd4b0pwbEJvQmpWejd6VHNmZGgrMDM2RHM3UUc5SU5Xa25BUHk5NjJNM2RPMHBpdzEybktBUS9CVlZoMkY0aHNuZmNxdTJSVWQyVU5JYitrZVlqR3ZDc0FEbzZ1MVpqM1hKWG44Y0pMSzZNS3dFN05MR1V4NFpkTW1QblVaZEdGWUNKcFBhUSt5NVo0NEYxWVpoTmVCVlRVd2xTY3RHa2R4L2JSaFdBdzRDZFVXYkRvTWwxWVpoTmVCT1lMQWk0RjBRNXJWaFdBMjRGN2hFRVRBTWM0UmhYcFJ5S1VIZ3U2d2s2ZFJVNzJRL0RQUGFNS3plWVpMVjFNUjJHT2ExWVZnRE9LR1IzblBqdGZ0ZnllN2VhNXVQNXNZUVQ0SkRyZzlERC9EejlNMjFVYVhhTXk1dXMwMUtyNFA0SXQxazlDclhZZ1A2bis2cEJtRm83eHNlaHdmT0dmNlFubEp3anhtYUN0WGJyUHVFZTF3amZad24vekRVNUlwN1NpSEM4SmhWeHpzV2NKLytsWndGcVhoZ3l2RVFWWEpNSjhucXU5ejFwUmxiUUdsSEdON0djWmhxQVlld3ppQlljY3RzZVh5WkpEUDZ1cTF5M1l4K29oU01ndzBoREs5WmRieGpBVk9JdG9qdm1GSjhWNmZ2amloeVovUTRVL2VxcFZsSHlrNmx0TmVIb1hXYUExRzVCMEY5T05CeEpwblFwbXNSam1vdUVVSUxqbXN6aFFVY0N2ZGFCb2tDWGljMUQ4VE9abHg2c0k1YkFZakVjQ2xhZmlpNGNERERkdGlrNHdzUXI0TE1nVnZtV3NoZUhlSFBoTzg3V0ljZ2lFUnpLbHJ6SUF6OU1ERU1weldBRGJtVlNXQlNhRGdWd25lMytKTXlFOWRyZWJkRHV3YURueTNDa0UxNklMMkZBcWVCelM2RXV1dzZTYnIyamd3Z3VaTzJPVlFOdVVVWU1tQlRhSUFGQTVNUVlrOWc1WklwdDRVeGdMNUZrK0FzNTZJMXp4Wmh5SUREbDVpRkZZckdlZFE5dWkrMkQrMUhtb00za0VmUlJadHJrbXlHOVdISWdLdGJUSUdUaXNaNUZHRGpSeUMxMUc0RkV3dVQxOThRRUlHVEMzN1ZZNXptejhJMm1IRG9DeE1kR3dKV2M2cjd3Slk3QkhCdTJLTGRJZ3g1aDNKZVZvamJsTTJZM05nREE3Wjg1WGtTUk5FV1llZ0J3aWVsTHppTGRnRHZPQ3BFdU1xWHdBQndtekQwQU9GOHhnOE5abWE5Q0dYUVVHZWtrbndBdUUwWWVvQk41U0pHcldqdERoR0cvT1k0MXQ0Y25DR0d4KzdrYU44NGpXRENVcWVCVU1vcUVLT3FWRUNDU0ZXSndFc0hCU2NQdEltaEN6Z0pmQUJzQytpRUljNUtyU3dBSEJZWFhFUjBBY21la2hHMFJrWW9qRFFWWjYweVRKQnBWcHBzSmtkYkJ4QVpVdnFlSzJkUmxyWVVBVnU5TXdGNTdVaVByUjg3MUtEckFNTG5UTzR5UXZDVUU5Mi9zVWtCMkNybDRseXZqU2phaUlVY3J1NDZnQXV1ZHl4bXFnVUlkL2FBWWJwaktXS3FsNUxIU1BoeCsxSU5TLzQ2Z1BvSS9wcGJVYWZDWnJaeVpjWTVZSUFMSzR3d0ZHRzhPRmVrL1YrVGZUWWpJK2NBNnNTV0hScWVMRWxyTlhLcUlYWmlYbnU5T0VBWUhrRllsZ0dVdExHRlEwK2RBZGdXRUhwRVltdTRyOWxZOUZ3Qk9tRUkzelFSbWJtdmg4Z2JKeENlWHNzWmYvRHdiQXF6Z05EekRVVGJuTUF3QUUzT2xxWHZwZTR1ckNISHJwdUJmZ29SVlVBNnFRZDRyMVlCdGdYRUFrY2dOTjNRMkdIamdXdnk3TlMrTXEza0dqRkxQRmZTai92cWE5Snordms4NlFockxZNGsxL3l4Z0hxQjhvSm11RTJTaFZaTTQxUUs0ejR6Zkg3M0VJUWJhWTRkVlhDbWI0SFNFOWE2T1JkTWZpd2dGcGlEUEQxbG5yZ0NtTU0rNHcrdm41SDkwWURmUGNTY29RUmNTa1AwcE13VEVTWjNKNDVDMTZRM01rLzBYWitCRG1QSENaSHluMjdHTGlQdUdzNkpMeVhnYWlUMEsxajVkM3BaQWppVWdkWXlXNUpTWit3VUtUM01wRzJlMCthUU5iVGRaSWF3UURTa2E4SDlWUDQ5TzBMWFMwYnVEZ2R5dFhjanlQQXpNWmtOS2VleEpjNXpQNVB2cFZvQ2lXSE93b2lydzJUWGZSdWFub2piK1pvbFJNZWVZVnZzc0gyZnUreFVPam9vSXJGMzB0OG1qWWt0dzBMUVM2WXJPdTlPbnRuNUhiRzVYbkF2czRENGdqQnZqTDJmUjdEbVhNMUg1WHVaZkVyM1JHOXJpcUt6Q2NRUXE4cXNRNG43TW1RUHlnSC9CSDJ2SUdLZkhrY2N3dkE4U1Q1UG43NXJ1YUozeFljc1JpK21ENWVpMVU5VFpNQW41WURKYjhLUENqdHN2NFd0aGthZGJKdkZFbXI1TitMUW02Vm5hQVc1dCtSRWdqQThaTExUYWJ0eDRkQmxkeW84ZmxEcXBhRTR4aXUrK1NNTUkzejVTaFdsQzJKRExuY1p2TE02VGxPY21mRzJVbHNOZmJGSnNBR0h1MHZIR0MxNDBZcFZCZGhobjRuY3liWG1oVnVnTkUwMzZoZU5VS0FLOElBOUluYS9VbW9QbkVUbjQrR2J3RFVvQzN0M2wvd3F3Q1dOdEE0WmhycnZOOTB5VzRzN2JRNVptLy9WeENyQUdSK2hDa01mU28rc1VNRGVVd2VpTXFibFZRQjJyY3NqREMvc0hLL1hNdW5XbzJMUUpQa09pVXRzN3JJcUFOc2NoZmdJVmVxTSszelFybHIwejFScHd5M0Z6VDQ0MDNrZ3lNT0Z5ZHp5RTAzTzlLQno1MVZReTV3cS8wVkJHVm1pY0tKU3dDbi8xb1ZKdmwxY0RhMGcwQXd2MHprdHMrc1dySExBUGZQSjhNVVhVd0QrK011UGpTcS9MZnNsOVM5dks3a2Y2RmJQS2dkY21xeDdCemo1K0VBOHV2RnJLTlBqblhMQXNicCs0ZlEzVDMveDRjL2VzRDRiYU9xVko1dEFVZ3hMQVE5S2ppYWlZOXNmNE9YVVVzQ1Zlem1Kb0Rpa2RtbVFPa0ttV3diWUw0dG5NOUZ0Vi95NXdhWEcrMlgvYlRJVTFYcmJwODg1c0g1R3lmL1RkUDMwVUtmbmo2WEJYSmpaRDI1RldxRDdEa3YrSDEwTStTRE9nUGttQUFBQUFFbEZUa1N1UW1DQyIKfQo="/>
+    </extobj>
+    <extobj name="334E55B0-647D-440b-865C-3EC943EB4CBC-6">
+      <extobjdata type="334E55B0-647D-440b-865C-3EC943EB4CBC" data="ewogICAiSW1nU2V0dGluZ0pzb24iIDogIntcImRwaVwiOlwiNjAwXCIsXCJmb3JtYXRcIjpcIlBOR1wiLFwidHJhbnNwYXJlbnRcIjp0cnVlLFwiYXV0b1wiOmZhbHNlfSIsCiAgICJMYXRleCIgOiAiWEZzZ2NDaGpYMXh3YVNCOElHeGZYSEJwTENCektTQmNYUT09IiwKICAgIkxhdGV4SW1nQmFzZTY0IiA6ICJpVkJPUncwS0dnb0FBQUFOU1VoRVVnQUFBVjhBQUFCVEJBTUFBQURLTGhsOUFBQUFNRkJNVkVYLy8vOEFBQUFBQUFBQUFBQUFBQUFBQUFBQUFBQUFBQUFBQUFBQUFBQUFBQUFBQUFBQUFBQUFBQUFBQUFBQUFBQXYzYUI3QUFBQUQzUlNUbE1BTXJ2djNhdG16WWtpRUhaRVZKa1ZwS09QQUFBQUNYQklXWE1BQUE3RUFBQU94QUdWS3c0YkFBQUxvVWxFUVZSb0JiVmJ6MjlqUngxL1Rod250bU1ucUgrQUl4VU9JSkJEZHlscWUzaUJyWXJFRDNrcjljSUJ4UWVRUUJ3U1VCR0xPRGhveitDb3dBbUpXTjJWT0d5RkZ5U0U2TVVXRlVkSUJGUWNuUU1WRWhMMVVyc2tiYmM3Zk9iMzkvdCsrTDI4dXUvZ04vT2R6OHg4WnVZN24vbSsyV3dRWkQ5L0gyZGpHT0wyT2N0KzhFejF5YXUwMFp3ZFh3VU9ySGh3eFFxWjhNNU9Kc1FEOXYvcjA3bFNOZkZ1THR3VlFIY3ZCcm5SSzJLY0c2dUJWZkhPRld0a3dxdmhGek14RnREN24wM2xmVlBDMVQ5Lzg0MFh3KzI4VlZOeHJma2d0WXdYcklramJzak9FY0xWVU1qbmd4TnVpTVBzamhXaS8xWk9vSWNSd2czRlYvaXl3cW4rMi9tcWJoYllRSVJ3OE8yZjlJUzR5TmZYUWxSWjNGOVliZ3Z2aUs1TjVuNVR3a0ZRRWVJeWQ5VjBZRlhrRTZ0ZWdkbmhoT0VWRDlONTVDOFp6Zk5nSzBVVWloT3VpK1djSTZ1NWR2OVFuT2NaRjhkd3dpc2k5d2JuelVSeWxWdytzUzhHa1hvNXNwendsc2cxTmRudGRuSjRaMGs4eW00b2h1Q0VXK0xLUjJXc1JXV1lpTFBrQW1KZEtTQnFRY0FKajhReVpCaWt5bUtYVUV0T3RvcTRjSVJ3ZXlreURINTE4VjR5UzJKdEZ6cFUrUXd2UjRaQnFpWm1oRnBpc2laeWFWKzBMaU5jV3BJTW81UDlUQ2V1Rnp1akdPRmx5VEFJbjJicVk3bklzUkhaZE11U1lSRGV5cVRUeWh4UzFCdFVuczN3MG1RNENGWXlGM3hhVFBJWjRhWEpzQXlqc3JaVVFjbG5oQ0hEZzhSMXVMcXhtdlVsc0ZsUThobmhwY2t3QnRqSmlJazNDa28rSTd3MEdRYmhmYkZqMXFYMCtQeDVsYXc4UHJ0MWJJekJlcEtUMTM1M1kvYjVQMWhJNHBzU0xpN0R0Vzk4Vkh6MlI2eURBeGVvOW1laCtBVEs3b1d6am5oN1lGQmI0bjJHbDVsS1c0Z2JRbnc4VmtBTWxEQmt1TmdsUlFrZFBTdkVsMG03UWN0R21QWFp1Q0h3SFYwS0w0K0R2MWtyaERyMlZWSUp4WFBBM1Y0WWdGSENrT0U5Mm1mdWRGOThhaEJVdjg1MGFrdVlLNGNXTGo3YTRtWXdlalNRc204RGlMNWJBZHROcVNmMExkYzBOaFFMd1pzU2hneWZrNkxjeVYrSnp5bnNpQVk4WldFK25kdjNnNkF2M3RuUVozVmZQSzNiYmNjbVoyUnJOQmNGMDVRd1pQZ3NOMHNDN0ptN3FRb1Z4VFVUL2xSbHdIb2dMdnQ2Mm9hV1ZlZzJwV21wYWFmcjU2RndXNVAwWXBLVWNFRVpYck9URnZRd21mWkIveXJabEo4VmFObTRBdHhPczdIMExCNXVvei9ZcStIQ2VhT0UyNW1uazJ1ZEprNnQ0dDZtazRZZHJKaHR5Wm50dXpEUXppT2NtWXdPa0hWaGFpT3hhS0VwWVZIb0l5dm9HVS9nb1JOdURNWnlXS2U3K05sMzM0b1loelFFT09pNjh1MmVxWmdOVk9ZRWhOVlFYUkZMRU1LUTRiZzBNbkJpcG1UWDVWUkFDOXlEMXJveU16M0hUK2ppZVZ6VlFEWFVsYzFZdnUwRHUra2N6U3dLUXdqaGdqTGNGT1pHRCt2ZXRmMHJBVHVTdWM2Wi9QNXdYMHlXMklaMWFsT2o1UzRZaGlLdTBBWWtYNFJ3UVJrdTI2Qmd3bWRHejNkTitndmNRMDByK2dOUkpYN3daYmJ1SGVlNEZURWJBNWoyRU1KYnNZMmJWb25aVVUxM3ZYSHQzN1JBVDFsRFRqL1k3WnFpTlJPdjREMGdhRXk4K3doOGhZMkVnRlNTRU1hcW5FV0xjK1JCK0RBSnBzMmxUNktzN0wwYnl5aDFMb2dRWHZWT2s5UVdzUkhDSXo1b0FscVlSRit6VnhNUTVKd2ZldThHZHlXM0lENGdsZEQzdXlTN0lFa0lGNVJocVp2aTFqaldSK2pjSUpoWXJ3a0NjRmN4Qm1yUkdtSEtNbEdNVGhQQ0JXVVk0aUtmVzl1UnhnbGhhS3d0UERWSENDY01EWXljSXhZZmUzdkNCV1U0cUlXU0w2N3V4N3p4amcvSEVBYmJzcjRSTFU0WTJzRkZ3OExqYjArNG9BekxLd2o5MEZnTkhma1poZ3liVUZNR21ub2MzSWZoMlc0TjRoeVp4Uk11S01NNFpVUEQrSWkxSExyNEVUTHNJbHhBZHlTTXE4U0o4R3ZBR29sblBPR3RZaktNSnV1R01mL1hCaytZeUxCMDFxNWt3UWxqa2R3YXlOSUZqeWZjOHRxekFKOVkxUGduZUVSREFML3ZzZUE3cHA1elZuN1NUY2dhSlBiZ2paN3dLTGZmKzlvdTljcHR5WGpzOGtoNGxrTXZBZUN1SXhzd0oyajAvWURXWFpEMmhOdTUvVDZ4dVQrQzhEa3B3VTY3YWJJVEgraUF1dzdLNE5kbkhqMGxwNHkzSnFZODRmeCtuOWhRZ0ZuYUlTV0kwSTlNRm5Sc0FVQjdLZzFuN2xxakN2QjNmRzVoeWhGR0M5THZOKzR2aE1jTFAySk4yRWFITm8wM2lkQTdOZ0NWOTBHR0p4Ymd5S014RHJzYzN2Z25nTjN6aExVN3dwQmhHUUtlbUU0M1gzQllhT1NPaGNmZUIrTFR4b1lSVXhqV2ZLeEx3TTFLTkRBMk9HY09OR0U1WGUxbFFnREpNMjMxOFRCa2VCZTIwYmtxcUxVWjNId01tRHJraFdHNmIzSTJaL2hYRG50MkVSbUdObGhGN3REMU9PR0VXMTBFNm5SK1FlYlk5T3BtR0VIWFRkaDZlaVEvWTN6VjNCT2FQb21lbkgrNktWWEY0R1pnOEpVSEpnbjRrVW0yZld3VUJPaDh4OWp4cW9iZElQZ3BaL0FWVyt3SW95M0FBaDMwVlVNR24rdFJvUGd2SHh2ajF6OEhmbzJyWEdWVzNPS0RqWFEyK2ZUOGVveG9QSW5SN1NtQStybURSYXQxNXQrQ2crNkNQaiswSGVGVHBUME52Y0IzeFhQSEdpbXIrQWZxcVM4UHJHbnEvYlBoUEZVVnJvcEhCb1NwTU1jWW5PTXBXN1BsbkFNV1NJcGRCTWtWZjRLelB1dkNQcnFKN3l2bmM2cXFJenhSUzdpaXQwZnZTUlRXWllnMU9WUXc4NE5ST2U5WHBuMHZEZXZ1UGtXVkRJM2d5bXNmTzY5M2hQK2pMM2YzWnRwNWFMb0lndGZtQTFCVkkrdDE4WDNsSWoyRmNJUmJpdkJRTFY1ZHRic3U1MldLTWZvSC9PaGVrUUw2SlZzNjRVTnBPVCtRbFk0bHF0WWhzN3JDd3AwN1h2bnEwcDFycW9iNlhiY1NvenR5aEllSzhBaGdmQllvMnVxWDNqNHBHWFU4VlAyV1FzcGsxYm1BS3NDODd1b0U0c3lMdmxxbnUySzJiV3p5ODVuNkpsVDdUQmR0ZHFUVFZlV25ZRkNSa0MwdVVZNHdaQTBEQzhjUytKTDZQWkE5Mm5ha1dVV3ozRk5YTGdhcUlBZ2VZd2V6dk95NXFVdmduNWRsNmMrYkhYV3ZiZkNnZUd5UzhqVVIyaWNxdlF0dlhwZmVjT3FkUlFJZFlXajZkckFtUDhydDAwT1BtMkpzcy9JTmQrUVRXZXVZVyt4ZlIzWWo1cldyYStJTC9tRTEvRTVRMnJkN1Q5dmRuS29zZ3VybjBkMXZ4Y1daTHBhL0ozSnlSMWE1dGQwUlJpeHdXTnQvU2x2bGIxVk9idDNlUDJzN2xtSEc5OERMNG9mYldKblh4UVZlNU1INEJ6cXJaUGdsTVJmaUdXUFJkcmNFT291RFpuNURpTStNZFZiOTl1V1hkT1I2MnhQR1RIVDhKcFpPTnBCWElKekg3K2V2Y3BVSi9pSEVkWFQwRmtaSG43cFZCbmtvSEFiQlg4UHJYNlBsOHN0cWx4azIvOVdaZis4M3pCVHVJZHRMbStIZ1h1L2lQc0d2eWxOL1BVSVlwZ2poNEJjdmhMUHYvb2RVVk1rVnQvNG5QaHBtb0ZYanRjeklNZzIxTGNJVUgyWlFtWm5JamJMS2ZSaVdHblZ6aVV0K2h1NGdnOTl2SjJFMm1LNGxJZGJWam5kNnJpSGVKYUpWZXRManQ3aEt3RktTNDhoK1JrNDBJTU9KY0FSeGlYWnZiRW1uckhGWjhpcmhjVHBWVWxNMGpOMXZOTGlPUjZ2WmZNZE5hK2pQQkZ1bzMvdXh5ZURsd2I1MHlxaStwODd3bXRnRC9NUk5sRzJzeVYzS21pUHZxdHR6a09HVUlaN3dRelBTZ3B4YnVaaStKUTFJSmF6L0NpN2U2T3FEV01zSmhxYmJVVktHRXdBd05jbEJuWVRZVU42TEFiUENWTUo5dFdBbkpJclM5VnFIckg1S1ppaDJUQW1KaGlQWVdwcXZHTnlxY2txNCtobXRtRW80Vk1Mdll5NWJhZHExcVVYdnZuTmhMY09KV0E5S0xEN1FMaFA1M0VzalhORk91QlhWbmxxWTJIakVXUFBWSU1OSGtWS2JMZHR3d3hyNE85UVZPMnFpWFZFYTRWVWRHK0RpWStDd010RzhaTm1VeklidkJETE1scFRVMkV6emJvV0I4eC9MeEpSdjJqVENCenFNeExmTGZkSUZaT05wbGszSm5OaklSMFp0a1NHVEtsTWFZUks3U3E0Ym9UbmxycDVHdUtjZENFSGdEbXVwMTJYWmxFelBuZDlvSUoxd09TYWFwTDJ5bWYreU8rUlZZUnJoamptVE8zNnVKTDZaNjJDdTJLK2xlMi8wUVBpSk4zOU1pSkRrd3IvazNyeW0xN1prM3FaZUd1SFhudEdBeDh6YndBOXllY1RRUmlCVDBGVVBZVW1Uay9tQVp2T2swd2duMTkxMGFwVmNicXp0OTB6aVlIYjlDOTkvOXByWGpFaTFlc1poRjRITDdOVUlOMzZRMEVUTTFGemttaHlkOXo5UStGcFhJK3pyTFVxTmNqbTZhbUZEYSsyaTFpSmxId0xoeHVMemdCTVltVHNXYmwyUSt4RCt0MWNyWDhTc1NUWHk3UW95Z2xoMFE4b0tKV3VSb3lhamtWK3E0eXdEUkl0ZlA2TzVKYVJyWDNXTi9COGdlbVZXSjJIazRnQUFBQUJKUlU1RXJrSmdnZz09Igp9Cg=="/>
+    </extobj>
+    <extobj name="334E55B0-647D-440b-865C-3EC943EB4CBC-7">
+      <extobjdata type="334E55B0-647D-440b-865C-3EC943EB4CBC" data="ewogICAiSW1nU2V0dGluZ0pzb24iIDogIntcImRwaVwiOlwiNjAwXCIsXCJmb3JtYXRcIjpcIlBOR1wiLFwidHJhbnNwYXJlbnRcIjp0cnVlLFwiYXV0b1wiOmZhbHNlfSIsCiAgICJMYXRleCIgOiAiWEZzZ2NDaGpYMXh3YVh4cExITXNiRjljY0drcElGeHdjbTl3ZEc4Z2NDaHNYMXh3YVh4cEtYQW9ZMTljY0dsOGJGOWNjR2tzY3lrZ1hGMD0iLAogICAiTGF0ZXhJbWdCYXNlNjQiIDogImlWQk9SdzBLR2dvQUFBQU5TVWhFVWdBQUJGY0FBQUJUQkFNQUFBQ29ydlhMQUFBQU1GQk1WRVgvLy84QUFBQUFBQUFBQUFBQUFBQUFBQUFBQUFBQUFBQUFBQUFBQUFBQUFBQUFBQUFBQUFBQUFBQUFBQUFBQUFBdjNhQjdBQUFBRDNSU1RsTUFNcnZ2M2F0bXpZa2lFSFpFVkprVnBLT1BBQUFBQ1hCSVdYTUFBQTdFQUFBT3hBR1ZLdzRiQUFBYnNFbEVRVlI0QWIxZFhXd3N5Vlh1c1gxdHovaG5MZ2tTVWw3RzBvWUhFSXR2c3B1RVRhUzB5UzVCRU5BNEtGSWcybWdzRkVSUWtPendJemFiU0dPMGo0R01sU1h3QU1LVHZidEVhQU8rZ0tKQVhzYktLaElnZ3EyRkVBbUpqSVdJSWhBd04yc3YzdDNzM3VLcjZxNnFVOVgxMXgwNy9lQ3VPblhxbksrL1BsMTFxcnJuM2l5TEgvOThITmN4Tko0NE02cmZnOHFUTzk4REoxbFdnNG5sZHpvUnRkL3FGSHVGTlR3V05xNmMrM3FJMTg4UHZOZmlibUIzM2ZMcmt5NjhjSDIydGVVNlRIU1o3a2RML1ExYWk1WHJlQ3hzWFQzM3RSQVB2aDI3Skt1OXcxNnhKTmRlN2ZRZnYzWWZXVmFIaVNNMmRpSjYrdEl0ZHlyWDhpZ3NYQVAzZFJEUHNXUDNoWGlsYmZheXQrMjZHcDY4R0YrWGFXVzNGaE9IekQwZXQvT2ZWZ2FqaFZvZWhiVnI0TDRPNHVIL1JhL0pVcmdHd0gvMEw1OTYvOE9oRWE3RmF0d0RDMjlxVlRQUi91cUh2L2tiK2MxUVIxK3daTDBhWWEwOWhselJOc3A5QWtyYTFWdE9SM3lEN1h1dGVCb29ZSTlLVGZHVGpCK2hZTW1tbHpWdDFsYlhUTFJ6Z2FkWnNLeXh2VlRYMm1OcWo0eHduNEl5eVc0NjRsSDkxSkVBVGdJVFY1cUttM00zcExqTXRrUE5WOUNtbVZnVGNEd1piT25KTzdKa294ZFR3V2lQcVQxb3NLU2dUTE9iaW5pMVFiSnFCOHZpOEJOcG9MeGFpMy85TGR5ZjhCUFovNDYzKzVVMFVDWSs4cWtoWStHaHpBNldYNzQ4TG1Fc3NEdHBnS2pIdEI0WkRaWXNBV1dhMlZURXQ5bE9ta0dpWlFmTGdIbVNQZEluV3R4bGtmbndrTjJNR3ZsdUZFd21GaGw3S1dqTkNwWWJUR1g5N2ZCOHFxMmFIclU4VkRLNWo2SU1tZEp0cVlpSDRlZEhHeVFsRTNBR3hLblBFakZpRjZjc3NpcGJZVnQybnl1dG0weGdqSDgxYU40S0ZzUzZHdmttRjhHZXF0SDBxTVRCZ3NsOUZHWFFsbTVNUTd5b25nZmRNMW95QVdkTENKYWRhS2VZd29TRmM0UXN5OE9QZXN4QnBOMWlZb1ZGZHIrc1lCa3lwbGFWODVFeHNrUmllWXpnSzV0TjdxTW8wNHhtYVlpUDJGbWlQYUptQXM2NkNKWUQwdHlzdUJuSkViSnM5MXJuSVl1SnVWZ0taUVVMT0ZDYlQ0dHA4NURsTVkwMmsvc295alNqbUJ5Q0s5SFN5c0N6RHhsMFlnTE9nUGdLbnZtNGtZVklCaHpFSEcyMG1NQVRzQi9zWXdYTEp0WHZKODN0bHNlZ045Vm9jaDlGcWZwRkNpbUlXK3hleElxcjJRU2N0Zk1Jcnk0YnRxd1Z5eEd5YkkyOVp2ZTZ1cnJOUkMrV1FsbkI4aVI5WUtic05JN005aGp2d1RWTTdxTW8wNHhtV1FyaXVRWUxaeHR3bHEzK2ZTb212MTdLN05zLzkvZi9ibHRzSmlheEZNb0tsdXdmeGhyQ0FydWxLNzZTN2RHblo4ck5ZSW1pTkR2N2F5bUllMDFTRml1Ni9RanF0S1RNdnBNcldIVDVNTmxNUkZNb08xaW80Ulc5TXFKaXMyeDdORnQ5TlROWW9paDlabXg1Q3VMTlJqbWpDZGoyMjZ5ZU12c2VwVHl3emR4bk5oUFJGQ29VTEIyV01BYmFIdE9BbTl4SFVhWVp6YklFeEIyV3VDTmcralFCbTIxTmF5bXo3NDNyUzFwc0p1SXBWQ2hZc2tFOGFiRTlKaEpuY0I5SG1XZ1ZYMmRFRWEvUXJDelo3clZNUXltejcycDBkWjErRFphbXpVUThoUW9HeTBsODRXWjd0QUQ1cWthd3hGSDZ6RlRrY2NRTGVtK2cwanNnTUFBSDlPbzBKYzIrN0FyMmM5eWdiQ2JpS1ZRd1dMcHhZbTJQYmx3VnFjRjlIR1dsdjA4UVI5eUxQd0F1NHdaZ2wwSURXZExzdTNrRmEzUTNOcHVKZUFvVkRKYTUrSkJ0ZTNUanFrZ043dU1vSy8xOWdqamlXVFB5RGNBKzcvWGthYlB2N3JXOUhyS1ppS2RRd1dCWmpDZUR0c2RFdmd6dTR5Z1RyV2JZdzQybHI3R05KNDhyQTdCSHA2WVlzMi9DZDcySFNidlNOVjBMZFpzSnBGRGpzSjFnc0xSWmRKbHBld3g3VTYwRzkzR1VxbCtzRUVXOEd0dDQ4bmd3QUh0MGFvclRadCtGbFAyTG1wNkZlb1dKZUFvVkRKYXNIOXNTcW5oTWhHMXdIMGVaYUJWcU1jVExEVmNYQnVCME9DSE50Tm4zQnF2L1dWL0lxMnFyTUJGUG9jTEJNbUFieXJpelVQSG8xS29LRGU3aktLc0dmQktOdUhYZnhYdUYxdUo5NTQrcE44UkxyalNzODRXSHo5LzFOejZUUWs0QnI5MTMvbWhRV1RUK3ljLzF6eCs3R2RCTG0zM3g1WXpYUnZ1cmYyZTNmZmJmM21DTHNqUW1FbElvR2l6UDUyODVOajN0Nmc4YzBqeUs3alc1VDBCcG9sSzF6aSs5a2IzdHQxV1ZGelRpMFhuT2ZoaVNaL1B6UG50eHpCdHhkQjJiWEl1YmpEM00yQThWR3U2L0pGaGFReGpjZHF0cDZlc1l1K2l6aTJNdHNVdHBzeS9ZOFVYY2h4aGpMNXhTczZzRDE1ZVJhVXdrcEZBa1dINkFQY2lzNzI1N09ydEs4OGlSMStRK1MwQkpDZEhsRm03eUk0ejlqSlprbVVLOGNuNjh4aTdHV1N0LzZTRDdKM1VkSjZxa2VpM203TjNRZXlMNDFSb0pscE43QjR2Uk45Zkw3SVYvemJMZjd3YytaTmlNSnVNQ292Y3JxMTNFQ21QblgxSVhrcTNrRUZReS9FUW1rRUp0YVZQT2tnNldWZmFmZUM3UERLMnUraFFxMFNONjErV2VmeHV5WlhoTnJZelkvZU9zL1NGakxhd1E5L0JkemlZR2dNbTlNWDluTEIvUGtSNHJTemV0SVN0K3F6c0xmUXlqZzZYRk40bVZQUS9XenZCQ2pBY3JnYVNQUlNOT0dQZU5Zay94VU1GeGZpd3hyUGJaQzc5NjhGbFpsZWRFSnBCQ25ja3Vuck1PbGg2K25PaGF6OTJDR21vU1BXWlpYZTY1MHloS0ovalBzUjhYOHNsM1NMTkN2SGtueTBiczVlVmkvMy9FM2w0b2JWWUNjeUt2Y1QzMCtZNE9sbm53aER4Nmd6aXRGcGZZNDRWdzk1VnFZeUhCL01JdFJZK0I1MVZpbjkzL2hqOTlIdEdpQnE4UmU4ZllZUzZSaVI2THZpclJ3WkxqZ1Ztd1V1OGI2bFZpb3Njc3E4czluem1pS0IwVVpObXcvSVh0SWlNVVNjUnRuaGJ1c3BkR3hYQnhKQ01pdCsveXVnelZ6K1NoalhVZExMTXpXR2FlTzRnbWNRek94MFZoaVVaeUlTci9wczYrczhwWUtBek1zWS94OHpPSWxqSXVzVzRhaXlielR5b1RrK2cyUzZhQ1pmMGVmSFJWY0JRT3dXUlJTUFdZMWVhZWh4ZTkyK2FWQm1vMzVHQ1JEVEdJeUVNaUZwY0R5K1gwZzZudVFLakkwSkQ2bUtxS0o3T2RCMk5XQlV1TGcrMUU5dE5XNWViSWN1NWQrQUxTbGtJUktFd1lKdFRxTWVQM0M4Y0pKcUxpMG9idVQ4aFRtVWhJb1ZTdzlGNkI1eVBydmlINkN5Q3BIbXR6RDZjSktEa3I5bkVpMDRFbjZHQWhFWGY1aURKUzN5M0tHRWJ5UWlJTEt2aE1mME5ZNXQvcm40cVM4NDhLbGprZVc5aGV1dXRVSzRWTGpMT0pJN0NGMUszRWJkSEYvanQxL2o2akphZnVOb0w4SWQ1bnpxbUhBU0NSaVlRVVNnWEw1ajRjbnNpUmhIdkhnZDlvSEl0Q3FzZmEzTU42QWtxQndmb3pMTWNqUEtGN3Vra2lQcmtGMllESjVCY3h4QVg4THUvd3N6cG1ySnd3RGhFc0IwcGNLYWhnNGNsYmRpTXlEZlhLUVFQdXJQV2xOdHdMQmlmVlU3KzMwTUpzU1kxWStNMzB4Umd0TTVuREV5MWVUR1FpSllXU3dkSVNUQTJzYVFnV2RvVHZSSTlBWEpON1pNU0ppWjdBb2YrMDVCb1JBYjVOeFFWaWtWbms2bkt3dFNVR2M1eVB0VEovbHlTelRKaXBMRHFKcGdxVzJRYWtYVGtlRVExYW5KWEQxVEw1WlExdDUrV0pOWXJiN2JKK1dNNlRzbDZjVDhUbDhETDQ0OTY4bjNZbk1wR1NRc2xnV1JlUmlrMmVBa3Y1RjZQMnZpZ21lcXpQZmRaMG0yVmRRaDNKZ0JaQUplTCtxY2dzWkhvcGdlSHUzU3l2VFp6d2VPOFY5YVB3djJpZ2dvV3ZBN0pwWkZUb2wxWXh6bTBWNXF0L1UyZmZybk53R3V3cml3Q0RzZWZRbWw5VmN5SVRLU21VREJheElNUzFXYXM1K2RRbWVxelBQWjlyL1lTcUs2NFdGdVJMbnFrNUloU0lPM3lPd3VYSTV3OUJJdUlHdWNzQnRkVlhkMzJSNlEwTHFsR1daYkMwUk1hL2FVM1hkZ2ZsK0lsM2p1MDJXVStkZmJ2eVFtVkhmaGJYVndvd0p1Q2lOczNIWENtbk10Rk5TS0Zrc1BUdXdqenVHeitSbzN6d1VqM1c1aDZ1VWxBU1JMS0lic1Z0WDM3Z3Y2U01ud3ZFYTV3NlJNYXRzZ2xKaGxqMDREd3VSZnlFQVVkOVp2ejV3aHhwcFVVWkxDdjNJTVZpaUovOGgydlQzZEpPbm4yZHdiSklVNkVocnRuN3J4TWtNcEcwZ1NHRFpYS0dpem1xUkZjWkxJa2U2M01QcHhpTlRpMGlVNm9JbGoyWFhpRnUvUWphRnVTNEtCNERjWHV0WUprblArMTJHZE15R1N5ci9BMFNudVZpKzBhM202V2N1ZmZIaUZaS2ppRFV1K2JJV1poWWY1V1lPc1JWTEZpSnUycE9aQ0lwaFpMQjhtWCtYRTJzR1owL3AxdmNiYUxIK3R3WFRzZmNSODBEdnVockVkV2JUR3FJL1oxU2pyZ1JJd3ZHenJGU0ZSZjhDcWtHaWpKWWhBcXNiUVYwc1YvSU1MYjhUbEFGU01JMlpPOTVQZmhKRVo0RENodlBLSnVGc25NK0N1eVVuVDFNSkcxZ3lHQVJwdnFWSU03VlFDN0duWWhIQkJ1OWlCS2U2MFM0VDAzMExETjhYNFE5ZG14SnM0d2duc3FaU21BWEMxRDBvajF5ei9CRWRZb3lBY3lUU1Y4MldYYWNNSDVjbWkvRVRhTVlHYzlNaWFmbURKYnVGdFVld3RsclZHQ1hwMUVta2pZd2FMQmdKU0ZYRDlJYm9aNHZBZVMwamtpOU11NWo4NytFWXAxNVdvZmpzWnVXbkNER09sNDJucFRiYzJhdzhGWG5IYWtTUGh2Qk10Sk11SHZkRnRnWSs0UzdtVXQ3cWJNdmhvS3FsY050S2p1RXV5MHFzTXRSSnRJMk1HaXdZTWtnVncvU1c1OWt2RkdQamJoUFR2UWtwUExjeWNFUWpzdGpzNEVneG1jc3NnMjNWMlFaWnJEZ2dsWDhTMDNQMlFpVzNMVkFvUjJ4R1ZjYy9sQ2NtQk1pN1cyV25TTkw3NHdxOFFmbmxBcnNjcFNKdEEwTUdpeElBL1lzTitRNXhadlc2K0ErT2RHemtQSGRabkZZZzZGR2pEV0xHUDU0eDgxeW5XZm1MSGhvMWRoam03ZnFORmdRQ3Nxd3BTYXJ6NVhnUktJa2hjWTVlZmFkcitRR3NIT3lieGdiaGpjSjQweWtiV0RRWUFIOU93WUduZ0ZzU1VuY1l5UHVreE05aVVPZVYvUHlodXhMaVRocnhOaG1VV3NXcUc3d1puTTFkQmpZalJmRzlCOGFMREJ5VjdlNFMzOVZnanQyTjlkNHllRU1scWs1WlBYQ09VdWNpYlFOREJvc2crcnNxS25uVzF6WHdYMDNOZEdyc0w2U0Z6ZmtWYU5GSXliYkxIeUMzT0ZxWnJEZzZZZ05FZEkyRFJaQTNwWnk3L2tiZllGdXk2TUFSSW11bmZzczFzaUMrZlI4N1BFRWNad0pua0x0K0EyVUxUUllITThabVpqaUhodHhuNFRTZlJsci95SHVoN2xvMUlneDBHMlVIVlZ5Z29zNDBNYW1KUDYxMUZtaXdiSnJ2V0J5ZHNnNmY1c0RuaG5KV2hPenI1MGY2a2FqMUpYdk5halV6Rmw0TklUaU44NUVOakdJb2E1SW1RUUxsdXVWUzlOODh5MnVqYkxqVlhLZmhKSUFOb3FmZndJc3NXTXEweWlQOUZJSDJJdVFBbktpRGQvUithUzBUWU5sbUpqcHJHNzZWM3FZZlc5UjJQN3lrVTRWdFpLNUd1TDdLTlY3cDdYalRDQ3BTOGplU0xCZ3BXRGpSNTZ5TFgzR1BUYmlQZ21seEZBOWZ4azBuUkV4UVR6Vlc0ekFYdXhEWUM0OTFkb3pwbE15TFhXV1NMQmdoOEdmdHhxZE1YeDQzdGp3SEVFeGEvU3BWSnh2bmMxOUZyenNENmJxY1Nhd3phSldMeFVFU2tDQzVWQytZbGFOL0VQbmZWbUxlMnpFZlJKS2ljRnhudWloaExjU3hJQWo5YUcwSmNwSUZYYWtVSHdjdGFGcndSSUpsbklHV2YyQXIwUHJwbXdaZU5mWXZRTElKNldtLzN6aVNtNldqTTFQL0FQQXVmbk1tT2JpVEpRcDFQSWRzNk5WSThFQ1JnL1ErcFd4VnNFaWNVZlc0aDVINW4yVEhWMW54WDBheXFxSjc1TWlwS3g3c293elFZeHYzV1ZEWDE0SEJwNTlLUlM3L2R1NlZwYStBbVYxdkZrMks4RGlsZE1XeEFzcTNaYzY1Um52cjIrV3haNkdZQ2tWWkxmbE4rSnVwNkxQbEZXU2d5eGJMZ2JLMHVnY096c0p6VU54SnNvSDRMQ2tjdlY5aWdFTVdSc1NPd21XY3JPL0w2OFVLaGkxajZWbTNDTUlxTTE5R2txSlFaMTMyWnZLTXFKdFE0a3BZc1NGM0lLQmpzeUNqUWR3YXRRS0swOFJtbEE4TFcyVFlPa1Z1VkR2Rm5GTGl4TWR2bDN2aEZYTXZ1SWROdnA2bkFxckUxY212R3BNR3RQek1WSmM3M29vZ1lreWhacWNDWmVkVFlNRUZaZzZXTUFvSjdkRkV4M2N5Z1BSM2ZpUzZDcTVUME5aWWxBbjRKTFBKR2JiZlNVWEw0Ukx4R1NwRHlibE1DQS9TeEpkRHMxZzZlMWdHcVBqQ2lpVGwwK0NaVmJzdlk2MmlWdFN4RVNvMHVhdWExUVF1cm5JRVphSysrQnpLalRkWC9mbnhHTW54eW9jdURlSWpCWVRtTUIrTEwrYzRhbm85M3RHck9oZzFjRUNSdmxFdUV4akZqTHBOY0ZqRSs3VFVFb1E4Z3hQQ2hnWi9OQ3NFWk90TTZqdmwxMDNhUklQNXh1bEhLZDJ2cE5seGY4Q0JQUEY4Yk95bVFSTFhzd3QrWEhSdHZydmowb2xjZWJ2Z0xkS3lhSHlabWtob3ZnMlM3ZElQWHhPaFpYcUw1MjRlSFJITklvL1Mvd3FldjZWVndJVGg4VTh6Y2JjWUR2SEplampvb2dnTk9oZ0tabWJwelBrbkJxKytYYldYVzRKeCtFVmNnOWJPekFaUWZtUFAzZ01KWDNzNm5tbGJhNzVOR0pjejh0bGo2RWVoeWIwdlRnaWEwc2J2WTNCcXRPLytCVmM0QzB3UmtkWVZKV3g4ajZ2eXZhUlprUFlnbEgxZG5LcVNwWVdVaXMrMWszM2VCZXZVMkV2TjFaN1FvUS9IS0k4Qm53QzR0c1pkNlRFUENjd2NTSldqbXZGY1AwMGUvZEJjZjNVQzJ6cVlDbHZtL2cwV3pxYlovZDBVZEYxbGR3bm9RUVI1bUoxcHZPUk5TWXpFNEZVSThiMThJY1hCd2JGaDRvU2Z3RGxoQVFKN3Z0ZDJZQmJodjlrYnVsOEI0TEpOanFwZVU1bzZHREJmZWJqd1ZKcEhGV21Kbld1aXFkS2RSM3kyOGdQV3d1UXVHZiswNzJBVTk2SWhPT1VuNjFqWFJPeVhselN3TUtoT3lRd01SVWo5VnhCNWZDdDZMdkNaNWdpbUpVbEhTeTRiV09JaHp1cWpYOEdvbmhJOE5pRSt5U1VnR1l5TnRBNTVKTDZyWm5BclJIdnFwdDJXLzRNQ3hycXQ5QkNlMEJ5aXVjdXhnZ1RFVldjZzNVNkhkT1JCZmY1RmpwUCtSOGNpQTBkSEZ5d3pDNUVDS0NvdjdpM3RaRDIzZVdCY01CN2VKM3lSbWdLSlY0bVI0Y2R5OXFnS0NMNzh3d3RDVXowUkxBY3ZjeHRyb2dmclltSFliWXRuWWl6RHBhcEdNL1g1T2dxV250cU5NRlBRU1VuVjhwOUVzb0JlTmlqc0Vmc1BiSTZOY05JSSthZEJNMmRQaGxONW96TnA5dDZhYnZDSi83aTdvbS8xdTlPOWNpQ3V3Zk5qSC9Demc5c0RwdTNzL2hSaldnN1ZET0lyWVh4NGk1dWkxamIrNTF5STFpSUMxdjJuK21iU3NrZnlBY2FGL3ppMkZiamRUVEVtRGdTd1RMWjRPcEZ5SWkvd3p0Y29BNGRMTVdld0lJYVNyaktybmlJaEhLQ3g2d0I5MGtvKzdoYUVmUVNkay9WMm5xaUZJMGFjYzR1UjN0YzlyVGU5K0RQUGVVZXM4TnBZWE5WL09NWWJmN3BicmJJVmJvR0VTUm53ZkpyR3dPUDNNUGhEN1Q1Ukc4K1hwak1Xcm1heEN0YW16eFlib3Y4ME8rVTI3bGhSSGRwR2FmeUYvODhtSTRMS1phSTdpOS9FNWdBUGp3cXViRDBhZkYzOXhhc1NuWUtCeVJuNlFwVTRqZFVaUnVQU2ZCU0hBa2UrY3g4V21nbmM1K0VjaE0wR0puSjNPVzRoUFY2OWZBV0FvVVljK0pMQy94bTRSK2k0UCttVDNrQTRvRXM0eXgzdkJhSGwxcTh4R2VnRTNFamxhb2VXZkNqMkEyc1JwRGdpSU12Zmt3TVQxOGNpNVlPK2NjWksxb2lkeHBzQ0VYeHgrV1VOOHpMekV1ckZxWFppemRSZURablB5VmJ2aDlJWHZqa1IyUlZubE9Zd0hCNU03c2hId0RlYzdqTk02MWphVVNjOWNpQ2YzNEc4Y29uYm4za2JLZXNwSGhzd24wU3lsMndvQjVTRHFqVEwvOEZueiszTXQ5TUljYnRlYldkZnpSckRVeTJWVHlMQzF2TjJYdEJ5bCt5eTlQeVFuRTY1SVBLNU50YWdCSUpGdjVQLzc1Tzg0Ukl6a0dzUGpxYmwzK0IycDhOMkVlMTBOWmF3YVQrVFBtTGRxSGxjc29iZW5UNXB1M3grZW5pNXovOGZ1TXBtdkhBbGR1UFNqZUppUW5iNnd3ZVVuMXd2U0JreGZ4RkhobFpzSzF6ME5xVUQ0em9oanM1THZzbmVjd2FjSitDRXNQUHVabHZQc1UrZmhNeDh6VjJpUk01TkdLa2xIZXpUN01MZTJoV1EwL1JDMlAzeGNPTXZlV1lHQm54MWM3TUd5eWRJZXV6RHlqOWxlRjdqdlpValJmV2h1ejhrWnl4KzRtMG9yVUxhT1RtWkM2bnZELzRJV1pvOFRNOE5OaVBqYldzUFlLZ0VpeEpUT0QrOW1uc0x2TTd2KzRQbHM4Qi9vdkVOWThzdFFoTThzaDcxT1UrQ2VVWEw3NmtrQlRjZkoyeEIzR1R6WDlTalNLZUZ6bng4L21ESDlSazh0S0pUc05FdytxMytoZS95VWNDZmVSYktBKzl3WkxoWHpSOFZHdWoxTFh1Wi9zTEQ3TzMvZWlwb1dOcmRiN0lQazRWWEU1NSs2WWEzS20yS0QvN3h2TjMvYmNwL2Nhdm4vK0VLZUVUR1krM0dCUFBEaS92a0o3elBPYVcvTUdTL2FMOUR4RE82UkU4elNORzlOcmNwNkFFY0N0WXNqOThYMzcrYS85RExrOFVOZUpESysyVW12Tmt0U3hsNW5sTnBDQzVOMmN4dFhudGFLTXFxMHFDV2s2bnNJRmwwN2hxcXBha0VSTlRQdTNQZTNNV0I0QWpQVjgyOGloTU9ta2dLWURsMTRrU3BOSGt5K3BDcWhyeHJ2NmFoYlR6VllRNW9SbU5vcklrc25TNUlDM2IvWUNoMERzcnRZS25vSmJUS2N5dG1NbGEwSUduc1JFVHc5ZGdyU3ZYSzZWbG5lQTZYRTEwbXQvSW96RHBwTUhQdlJNbDlxYU1CTmVCdFJCcHhBT3hjMUJWeEtOYUZScVNIbitXTytieWl5YTRocktvVE9rQVhtMHVKVUV0cDFOMFhDQjdSRjdMNFlZbVRMVEVNSEZrN2dsa3dXRHA2em1yaWNmaUdwdzBlSVBGalJKSm83RjA5cktqRVpldis2cWFBK3R4cVdnTStIUnQ3OTk0QWZQdXMyUCtOM1lFdFp4T1lmSFFtOS9HM0tuMkpremNZRnZDK1pteXdndWhZR25yL0RacjRyRnc1S1RCeTcwYkpSSnpNNFV3cmtGWE5HSXM5VDNoRmFPL0l3WitiYW13N2dYTW0zT05JRkFLYWJtZHd0ak1TaHNDOWoxTmpaZ28vdjlsbTZwUXNLenJYTENSUjRIZVRZT1hlemRLNUZwM1BWd1lZbzJZTC9XTkpsVXAzN3VwdWwxWUZ0a0tMdGhvOEFLR1ZzdE92bzJlc2hMVWNqdmxzMkZhcmlhZE9NNk5tQmlKNGZlUWJ6T1RJeFFzUjJ4RGFqYnlLRHE3YWZCeTcwYUpISEpQUWdtZE5XS3gxSGVxeHZpZkY5TTFVcHRUMnQwTEdFcnI1UXRvcWw4dEI3WGNUbms2YnE3Z3EyYWpra1pNNUdJTnB0L0tGbDVDd1RMU0tVc2pqOEtEbXdZdjkyNlVHSTUzb3F4QVFTTXVsdnJPUGxySjJieGJaQW5pRFpCVzhBS0d5bTN6K2RPZGpGSlF5KzJVdi9iZk5vdzBxRFJoWXJGSVFJbzNRTnBuSUZnNlpKSFp4R1BoeEUyRGozc1BTcnpqMHBEOUpZSVlTLzE5aitKQytBYmtSY2UrR0dDVUNSOWdyakRiVjJxQlFsREw3WlJIL3poZ01xbXBDUlB6eFZzVXZDczMzQWVDWlpuUTFjUmpjU2x1R256Y2UxQm01RnVmQUVNRU1aYjZ4alJDZXEzNnNobWhnd24zZ0JkbXpFaVFmWUNoMlpaZk9Jbit2ajlCTFk5VHJNbVNaamlmVHlGdndzUnU4WklmSC8zZG9iWUR3WEpJTnBxYmVCUnVQRFQ0dVBlZ3pBN2ZUa0g3eWdReGx2cGpuOXFNZnFWZ0t5MlZTOEFUTTdYMEFVWjMrYzJjYmNtc0I3VThUckhmdm1kYWFWQnJ3c1N3OEl0WDlCdlVZeUJZaGlUSmIrSlJ1UEhRNE9QZWc5TDhmby9pTjhvYU1TN1RIeXdMZXEvUjZDNHFDK1c0czJBKzFEN0E2R04rMVZHMVdFaUNXaDZuMlc3U29PVnpLZVNObU9pWEMvWStHUzlnelI4c2krUjd4VVllQlZZUERUN3VQU2pWcDBaQlhoVGlaNzg1UkxDOCtYOS8xNjJPSC9DNUc3aDA5WUZpNUcyVjUxTFRCNWgvS2pVdWRVS25zSmJIYVNjNFlZYmN5YmFHVER6M2pzTEE2OHR6YWM0ZkxFZHFPNmloUitIQlE0T1Bldy9LM2FSWlNDR2VJVlRFSVRtenp0T0xzU1dKVm4yQThSbzdFSG5hYkpxVzFoZWxPVE5sc0ZwVHFsZkxoRDlZTmxXQ2Q3VWV4VFg2dVhkUnNLclg4SzVtS1ZPSWQ4OGYvTW5mZXVRQnNwcVRLc1Y1cFg0cTRBZjhkWkVQbXc2cXRUUXRxOThzN1lXWTFZdFdyNVlKYjdDczY0bjlhajJLYS9GelR5OVZsdGMrSmt1aE0wRWNVdU50bzlpYjU0cUJlb0FyM1JzSnhEZmtqWHFtZDZyRmhEZFlKalgybVd0NUZCZHlIZHpYUUx6TTl0UDV2RGJBTVFqVDJpRWRzMWh0cjhXRUwxald3anRYcHRkYUhrWFhhd2lXV29nbmRmY3ZPbVRUeWJ6NGE2dXAvMUxvMmp4d3czV1lPUEtzTUh1MXBzczZIc1dsWHdQM3RSQ3ZwV1ZCNURaWjc5Ukl5M1VWajFUU2VGMGV1TjA2VEhUTmw2c1NWcWRlSGw3SFkrSGl5cm12aWZpUGs5SlNTUWZPWHpzbGxlOUo4Wm02RUp1aHFzSEUyZ2VkTGpxLzRCUjdoVFU4RmphdW5IdUMrUDhCTUpHUlZlbkF3SVVBQUFBQVNVVk9SSzVDWUlJPSIKfQo="/>
+    </extobj>
+    <extobj name="334E55B0-647D-440b-865C-3EC943EB4CBC-8">
+      <extobjdata type="334E55B0-647D-440b-865C-3EC943EB4CBC" data="ewogICAiSW1nU2V0dGluZ0pzb24iIDogIntcImRwaVwiOlwiNjAwXCIsXCJmb3JtYXRcIjpcIlBOR1wiLFwidHJhbnNwYXJlbnRcIjp0cnVlLFwiYXV0b1wiOmZhbHNlfSIsCiAgICJMYXRleCIgOiAiWEZzZ1hIQnBQVnhoY21kY2JXRjRYR3hwYldsMGMxOTdYSEJwSUZ4cGJpQmNjSEp2Wkgxd0tHeGZYSEJwZkdrcGNDaGpYMXh3YVh4c1gxeHdhU3h6S1NCY1hRPT0iLAogICAiTGF0ZXhJbWdCYXNlNjQiIDogImlWQk9SdzBLR2dvQUFBQU5TVWhFVWdBQUJBb0FBQUNHQkFNQUFBQ210M1d2QUFBQU1GQk1WRVgvLy84QUFBQUFBQUFBQUFBQUFBQUFBQUFBQUFBQUFBQUFBQUFBQUFBQUFBQUFBQUFBQUFBQUFBQUFBQUFBQUFBdjNhQjdBQUFBRDNSU1RsTUFJb25ONzkxRUVLc3lWTHRtZHBtMHJIcllBQUFBQ1hCSVdYTUFBQTdFQUFBT3hBR1ZLdzRiQUFBZWdFbEVRVlI0QWUxZGZZeWtTVmwvZTJabmV1ZHJaeUlMLzBpY1FTOFNUYnhaT1Evd0EzcVVYVlFRZWlLN0hDQ2tSd1FrTVRoajRDS0twc2ZjSVNyaWJPRDhpQmZwRVZTTUlmUUNoekZFcmtjK0pPYWlNOUdMSHpGaEZrOEZRN2hlN25wZ1llSEszMVBmVlcvVisxYjM3V3h1Myt0S3B0K3FwNnFlNTZtcVh6MzFWTDBmazJYamdCNllmWGw2Tjl4eU9WajI5RjZRSENNT0k1SHptSGhwak5XbzlDRTFIbFhNelZPdi82UHB1cklyd2JKVDE0TGtHSEVZaVp6SElvdXhHcFUrcE1hamlybHA2cDFrRjVOMXJiT3ZCY3ZXVzg4SjBzUEVZU1FLRG0yMkZXWTFNblU0alVjV2M5TlU3SDAxWGRVYSswcTQ4T21qSVlacEdJbEMzREpiQ3NzZG5UcVV4cU9MdVVscVRySTlwZW5UUG5qclhlZS9ybEtoYXhRRk0reU9VUGtnelpJWXpBOFFiUlNVYXhsZ2tDY05vM0crZHRVb080K29GcDFtRkVaRFFkWjlWTEVwdlJxSnBVVlZBUXNGQ1ZxcVdzWFhJVFF1WmxTQjNBbDJTYldpeTFGd1JTVkQxNmd0eUNiWWRxaENnR1pKRE9TR1NSWUtFclFNOC9DcDZScjdOYXVYM2pSKzEvdy9Qd1FjbkNscW80K0MrY2F6VmZIV3QxU3M1R3BKTENscHNpMFVKR2hwNmhYR2tqVXU1RktGekhyem0zWXo5aGxic2ROKzNFZkJEdE51MjNMaVZzT1Q2RXNJcHkwVW9FQ1psbUVlT1dxcXhybUtsU05NdW5NZjVuYWpxSTBlQ3VaaE93NWsrUVcyWGxSVDUza1NOYjB3NHFLZ1RNdENWaVl6VldOVG82cXhmVDJYZVFzUFdmSHhqSWVDU2FCZ1QzVk5VN3VaaWhLOGVoS0RaWEpFRndWbFd1YXFSd2lKR2tkcVY0ZGNaNDg1amVteFlsZmZROEVpVUxDa0dPd25MUW0rUkZXNytPcWlvRXpMWWw0bU4wMWpVNzZxc1pQZVdTQmp4UlBhUThHY1hYN0tYVndpWGVaTGpCVHp5QzRLYktsZXdhR1NhUm9QeGZLbUxOeGhsMjI5WnhnclBrajBVRkJyV3M3a0xQdUd6U3NTOXlSR1N2bGtCd1dsV3ZxMVkrazBqV08xcTBQdm1YMGlOV3FCUmU0V3FSWjdLTWltZjE3bDROb2FXSWxZMUpNWUsrYlJIUlNVYXVsVmppZVROSTVYcjBqT2pPY1d3TUlYSGhka1BncWNmampVK3dXSDdDUjhpVTVtUE9HZ29GVExPQjh2SjBWanIwb0ZrM1BlZVRHOHZaWENaaGFpb00zV0NpdFRwaSt4dElJbzRLQ2dWTXRFcGxtV29uRXlzNXUyWU52YjQzZEtqZ3VLYmNISkJNZkFsNWpZZFE0S1NyVk1aSnBsS1Jvbk03dHBDeDU2VTc5MEkxNW9DNlpMdHBuVVRiN0V4SzV6VUZDcVpTTFRMRXZST0puWlRWdXdaWGI3dkEybEcvRkNGR1RNWXhmb0YxOWlvRWlJNUtDZ1ZNc1FoekF0UWVOd3hRcFJaL3pKVzdvUkwwWkJ6ek10K2E3S1Njd1hDVkljRkpScUdXUVJKSlpySEt4V0tlSXA3NHlvZkNOZWpJSjl6ODNJZDVZdk1WOGlUTEZSVUs1bG1FZUlXcTV4cUZhMWFJdmVHUkUyNHVISENuV3ppMUd3N0cwNWREVWQ4U1hxakpLSWpZSnlMVXVZV2RubEdsdUZLeHJkOU02SXlqZml4U2lZWW1YUEdQZ1NVenZXUmtHNWxxbGNzNnhjNDNSZWo2L2thMjkvdnI0ajgvZzREVnQ3MVRzakt0K0lGNlBnSkN0N0lOMlhtS3F4allKeUxWTzUwbGF4VE9OMFhsN0oxMzZzZWU0VFptRHJUL3ZnNTk3NUErdFpOdk0vWnoreXBjcldIampQWHZGWnBEN0RHUHRKUmMxcWYvQ1B0MzcwL0M3U0h6by9lTmwzQy9yMFE4MXpIN21veTFERWsrSGtCUkwzTmw4aDZqL1FmTUV6ZEg3RDgrYktOK0kyQ21idkcveW1ac1VqZU54QUU5SWs4dUsvL25hbnZ6UUxLMktqb0Z4THE2SVQvYlYzdGdiUGN2cFJhMXo3cmliR3dRcEhHMDdWb1JPM01IYU9zYU05VmZFazU3MmUxWHZzTEh1UnBNNzBPUFVkMlp2Wi85WmI1blp1bDVOM3MreEJOb0JlcjZMaTh5MVVaQU1RZGZCbDlNOWV1TzIyMjg4MzZkSFJoY0c1bDFGOFE1ZkdRNEZuMlRVQXNQNGdxZllPbGNIWXJvcnk2eUZ6YnlzNG1UeGhvV0NtTVdoNXp4ckNiMU45bkNpUm1ENkF6bXF5YTB0NWFZWmlvNkJjUzFQUGlkMExRUzNtREsvU3VMN0QrOTMrV1hQcURwdjRNL2E3UzFsdDFZeWFRc0U5ajM0QVM1cnNwaDEyOVEvcmY4VFl2emEva0FHUUdDRVJGQXFlTXZpZUxQdHpSdDFjN3oxMk1adHUyTFlySjZNdjllY29rUEVOeVJLWHd4ZG1YWHBVL0I3MmpHeTJxWFNZMXRySWtqMTJaT29FWXhZS05oOWJtbWVQdWFYTU15ZUpFbEg5MCt3SUp2SGR6Y0tibVRZS3lyVjBsVktwQ1hidEExbjI5Slp6NzF4cUxCNXN0a0hndVV5S1NlSjFnbjJCU21MaXF4NmF2ZlZ1c0Yrdk53K3lWWFczNXFsc1FIRG9NRHAwbldEbXRPWGJ2dGhBNGQwYXdJSFFJQ2FuSHlPTUFFRGJSS0tRbC9HaDMycWhHbU1mUnU0MGp3NmV1OFRMMHM4TStNK3hxN2hsU0Z5MVh3eTV1Z2lQTUsyelN6Y3BnNElac2lNK2pMUnhTSldZWmU5aGd6M2lmMHBoa3hLNVlLT2dYTXRjZFNMVUcwZlU1ZWlFQTdySUlEVEdmTWlGRlZWa2xPcytocFVDTE1BWkVjUHY2NENDT1dSZ2ZLNFFzZDVrL04xQVNFY2g5eWlsMWdBSzNpSzR0SEd1WDIvdThTcldyZitRREc3VHhHdGlaSHhlczBTVlpKaUQ2MDVRVytWY0o5aGdpMmZNZVZNZjVsRXFyeXJtcmdZRko2aG95enpHem92dXFQdEppUkw1dmV4dElhV1Bub2dHQ3dVSldnYlpURExSTzltK3ZSc1dHbmV3NEY2NDdYWjJHMEpqUUwrMy9VNlFTU0t4eHA0bis3OWxUU3dNd2ZyK1NwWTE1WVo4U3BsT0xBeGcvTzREbXp0VTJtMXNjQXJHYzMxU2pzd09VN2Z2d3pLd2paYlBBTllZK3ltYlliWjhCYzRGWTk4cHBsdGRXWlVUekhXUUV6YmlCZ1g5eXhEQjFLaExjWDFsUnhNbFpsbGY5bEx0N3RpN2I1eTFoWUlFTGFVMjdtVkhZaitidExlelhHTk15ci9GcU0xejkyelNlU2piOFBpVk44VEN6NXBDTW5aS3o2ZE5ES2JLbm1Yc0RscHlkekNxUkR0VUk0b1IzeUNDSFJZWit5dXBLR3pGVndnOUZMcmEvSVpsb0VQbGcwTTE1cjAwU0NOR0lDR3ZBYUVuTzN6UndpblJzZWh3N1NnZUNSb0ZNK1RLQUUvMnZLSjJ5ZGNZRXlXU3lCVXVDZ3R6a1IyeVVKQ2daVWo1YVhXV01kRzBzYzgxbm1RdnB5cHozR05ZbEwza01RRlNvdUhBSzV1ZFFGSDBEd0tlenoyamNqR2FyNkZHTG90QlIrOUpwd0hGMTFVaGRRVUtQaTJKS1BqSU9VbHZxdzZMeUtBZUZSMDVyMnlmNGtnMkFPWklBVTdOdjJYVk1iSWNCRjlXVlNKWGpRTGVZMmpXRmFkZ1Z4MUdKa3JNdE0vYlVNbzcvSFRDUWtHQ2xycWFGWmxVZ0hYdlJYR05Ed1V1RnJtRDJuR2JwRmlncmRGd1NSVlNWK2dvN1RJbW41d1l0UEt6QzJzb1Vudm90NmtnckxNME96RDV1aERsVUFBeVdyczhSaVpYVHhGdzNoYlVzQXh5Tm9TWE9lV1pnbWxhU2lCSk9jZktFbTBxTGFTd2ptVzlKTW0vYUJSMFNHM3dYSE5LZENUSFZJbXdhai9PR1dBUnkzZUV4ZHBDUVlLV1ZrVWQ3Y2pwaHRHa1JWZ0Ywcmdtdlp0TlB2NzdheXJQdmQ0TkZjUEIyWHZ5U2pSQ0J6eUdrZGNyRE9MUzh2RXNQV3RwaHRxckZNOEZDdlNHRFFPN3hva2NIR2RFTkN5RDd6aldxY1NPQjZ4VFpIakFkWTB5RWZZbFd2YlZ6QlZrMkhPelk1VWsvNkpSMEwrRUxDaENGeE9XSmRKU0pVS1RYVjZiWmhyWDNmQnlZaFlLRXJSMHFzcEVYNnFLSHRmRGdpelNlRTUydC9CUGQ5d21oWGlWMHVEM1NjTnJ6RDYzQmZaR0NJWGs3aGdHdzBZbVo0L3hVck1XVHJnMjBxZ2sreWtzZzVzWUd1OTVxWURXZFlvV2lyWkNKMGZCTG1XdUtrZUJFZ2dKRzNHTmd1WXVLblRWSUZKdENvdXlOWWtTTVRua2VSazZ5KzRnd2MzNnRWQ1FvS1ZWVVVkYmNuMkdpMmJEalRUZWxMT211VUtsVy95WFlxTUhDRkhPaHpYQWFLNXk4SWsxNXBCMFFiQTJtSE5ES1JVb2tCamhXOHRkU1lhZnNTYWlZUm5JMitHclVjZTNMbTF5NFRCaVM2STZuVm9jVUxUdkdXSHRyY2h5Z1l0Q3dRdy9hZWo1Qnc2THNqV0pFZ0ZuNGNrUU1sOFlFS2RKRmdvU3ROVFZySWhlY1c1NTZaWkZKbzEzZGpsaFJzd2V1YUJiWlVhSXZ2OW9SZFl5ZUNDL1FHR0RNa3RSb0QxdjJBSTFkZ1lGV1ZBRytLSlh2dzczNERMSnNFTDNFaEo5ZzBPQVpZV3lkNVREUkFsdXNOU1lDRUxnVjZGZ2dZeU9iZTFFV1lXQ1JJbjdHdGhaUGIvZHNzVWJGS0FyUzdXMGE2cDRZTHBSRm1uOFM2TE1CRWYyTk5zVnlldjBhNDA4VktkdVV3R2pWYndpWEZFbGdRSVZ0VkNnU09ROTJ1aUNqM1dVVGVhTXk3MGJxTkF5U3crbThHVmk0YUVnWlNPdVVERDlZZFJIQlc5WHRTZzlta1NKVGJOS2tUNEZ3YUFnUmNzUUk4aDZpVzBFWkJtbE1aSW5lTWN0K090cGlOa1FOR3VFZ0lKdldqVWQ3MUQ3QUtxQTVjZGg3SVpCQWZsOTIrSHZoMkhlYWczQWRJV0U5Vnhia0xJUlZ5amd1Z0xNNnp5aWYwNFlnME9Xb2tRaUJyVFVIWldzRFFwU3ROVDZXSkVHaEQwcTc5RmFaRXZqVFQ0U3czOTV5K0xtUld0Ly9Na3Z1aWl3elJnV2RybDJZNnZrVFNmdXpldk9iWmx1aFMzUUpvSkw4MlFRRFZ1M2EyRXNRNlRhT1pBbnRrZWxHeTdEUldraUtDc1dIQlFzNTZheTFhZFp1VVRBUFdlM0lvSU5DbEswRERFNVJLc2hEL2ZvbkdCcDNPZjJlVW92d1U2NUVSSlBmNGlMTk5ZYXRrQTdmTVJQQXlRL25WSlJrSlBCOVd4cGZIbHFBMjVya2tTN3NnMktleWpvK0I2L0xHOWZIQlNzTXIvSDBCeGR1bHdpQlBxT3JLN3RSUXdLVXJUMEt2UGtXOUJxQ3M5Mk15Mk54WnhvcDVvbmwwOCs5U25zQ043MUYwdDZxTG5qNWFEZ1VQWFdzaHdRbXdtbVNMa3R5TXZnTE1EUE5SaUtNVnE3TGVQWU1ZdGRtWWNDS0xXbGlzZXVEZ3FhdWFsc3pTeHlWVXNrQWtYS1BzWGtLYnBCUVlxV3FwWjlKZXp6Y0dCVGNZeWlObSt6WWl1NWFYRHNGQnd5VWUvTE8zb3VDaHpEang0U3l2U056NmJGSktBZ0pJUFhoeG0rcWhuWmtiWmNCVUREeWlwYTZ2a0ZLUnR4R3dYb1Y3M3dTMUVuekhsWFZpNnhaZXlUcldvb2JsQ1FvbVdJQTkzWDVjSDF3NHpHYzhKWk9ydytLRGhrN0llNEdnVW93R0d2ZFdmWlV6b0JCU0VaZ2t2RGpMYkR0bXRPWlJhVll0NGV3ZDNIT0xWMXdrWUJuQkRmN3BnKzVRY1VGMlc5c0VRNk5kN1duSXNqQmdVcFdvWjVQUWg1RkRic2JLTnhXMlQwcndzS25xSlAvbFJuUXlqOEFzY1c0QXlIbi9WMzJhTmJ0azQ4WG82Q29BeGVGNmRRbmlUSjNqb3U2S2c1N0tMQTI4ZmsxT0lFR3dVWTIyMnZsRG92SUhLcFJMTFJleDZEV0ZLaklFbkxDSmNQdFNEUldtNnBtTkY0VlJuSVNPMWh5UGl1Z3dKYkVRcWFPK3lScGZvdk9IY1hsSmhTRklSbDhPcWRxMDMxRElsaUo2NHRkazBSVnRWeTdKNGRZdDlXdmtyYktOalhMVldjMGFkYVNsWXFFYXRYNGFteDVvcUlSa0dTbG5aTk8xNS9MVWJIOWRPTnhrMnhYMm5GbktPWjJPTUZiOGdmZU1FVlZYNWdBUW9XSHBucFFSL0dmc05XVXNaTFVSQ1dRYlhyelVzZC93NFA1NHJkb1hiSFcybzZyR3BWcVF6Y2hUVmV0dWpIUmtGRE8xYTZSdHQ0SmVVUzZiaEExeXlKYUJRa2FSbG5OdDN6VmhTdDhieThlUk5ESmhieGFCQStuaVVWVWhTdEFBVW52cGJWL3JNMTRFK2lXNVZGdEJRRllSbFVlZTVvQzMycng5dXd4cnhUU3hJZEYrenluSzV6RnJ1WU4vQ212b3BaS01DeTdqcGFLRU4zNkdRb2w0aXRwTDUzcW1yRnJob0ZTVnJHdUlDTzdqSG1DbW10OGFTY0Vua0RKN2pwUFVZQUM1YzhnVmkyMU01REhncThnVXI0ZmtGbnphdG5KOHRRRUpGQkxGWmgwNEdSRFpzZGo2UEhyMGdpK2tGMmZvZDkweXJZRWF2MDkxbWtmTlJDQWZqUUNqTDlEcXVVOWNSQ3VVVHNXSjBCc2Zqa29ob0ZTVnJtcW1jekZ4VnR4OTNlYW8wN29vTXdSOVFzVmpYazllN0E4QXZTMFlaWEZBWkx6MFRleUJuZTR6NEtEdGU5ZW5heURBVVJHV0F4UzVNYzY0VjRjc1BtaWEzcEpabEdWQTUrMjh4YzVCMHlPZ09xcWRPOE43YXNWcjlZOGJKUUFEN1VpaWxsWTZpSWZ0YUkzOWtxa1FnWTVYZTEwMiszeEE0VUIweFo2RVloU1V0UjFQcWRGNDk4RTZYalFrOXJ2Q002Q0NqWXRpcU9GbDAyTGhiNEFlcGhGUFN2RkxBdlEwRkVCamd1RXdLQk9EV1NSa2piUUx5ajNBTDRjdll0cmg2M1l2eG1JZXE5alRsaFY3S3lVQUErQjZBNlp1M1FPSmp0VW9sWU0yejVYRUs5NTRqVngrNGFCVWxhU21YTjVkQTgvYmZvUUIrb0VpNnhzZ0ZZNTg2WWVpUEdObzNseFdoRVVlQS9EZVJJSzBOQlJBWjR0TGFKRVpwOG1hNTI2QnFucDYralV3NWNtbnhteWllZWF5MW5OTlJNeE1OWmVoOEJQbHNRc2JwdHlkSFBJRHZIQlJHSjZIQWJCVE5rb1o3cWl0WENOQXFTdExRMDRsRkkwZ3Zpb3VNU1l6OHJKaVNXcDR0VUZtZ1FCSi9ITU9sOTQyakQ0RVZSME0rYlFpT2xEQVVSR2JpWEpGd1NyQmg2RGltdU85b2RSNDhvRDI3TytEQllDc1JDc1NnZWJUanRqc2FyRkI4TEJYaXBqS2oyaTNEd1NkWlZ5WEtKZUM2ZmM1QTFUZ01GdEFlMnd0R3U0cVpRa0tibDlKZmNGeWpwRkVVcHRzeldGRk82S28zVlNUSlFvUFo0ZHJIaDRvY0dTcE1GS0Rpa0JUd1d5bEFRa1FFaklQU25QYzJTeDl5UW9OWVptUW1jYnVseThJRnBoZS95ekhycjZPK3d3S3hoWExTenkwc2FGTWp4NE0rWmFpWk5ZNFhLSldJZVdudUVlaE9TNzJTdnh0dDlKSkprVzBHaElFM0xWZThjQnA2cTl2bTZPc2JaSzQzM2xZL2lHaWhMaFNHaVhlTVhiRGJJNE01eXVHTjFjQkNHL2NsU2xHc1pDaUl5OEx6aEpjR3pZNUF2aFdESTFERmRsdzJVYUdoMVVXdUJWZm9LRXIwRG9rd085dkI3dUEzOVhSL0RvQURqUVdiRGVZY0RFMmtYTkFvSkVyTmxiYUJRNFU0NlRHM1EyelFMWkNnRkdoRVJRYUVnU1V2YTFEbldFR2ZkdWhrTjlYSUtaNncxYnFrYUxkdEFLdkZEWHRHd2I4a3FGNWFKbi9DMm9KZURBa3pJd1FXOFpmekR2L2U5U3prSmkyWlZvWmVaVkQ1OGNob21USk93RER4T3lFZVFYdmxUd0ZaMXlTU2U0UWtZQ240SGd5YzBOSkFDSk1DK0xxeklJUy9UMkFNdmQrMHlLTUI0cktGYWwzNVVBSThsR1UrUVNFOURiS2lxMDgwNzBGa2NvQnhZL1cyVnc2OEtCVWxhZ3E4WmRhbyt3WTVrMTJBYjVlQkRhU3d4amJJOWUycHcyY1Ava0FKYnZOcmNOekJzRzlra0gzMzBDZmsrT2tDNERoL1hWQmxwcStGR0dxVUVPLzZ3b25DV0lqTGVvNjBlY1Y5eHVGSVZVZmxPdTVFOXRxMkxZVlpjd1RodzB5V3d3SCtkMTdsb2lpdUhEVUl1b1hKclYzT2dwNS8xK3BFZ01RTWlpUVVQaHlTNHpabnozOGFCekJBWGhZSWtMZEh4Qm81VW45NmRsV0hackZsRVVSckRsem9qU3F3eXQ0U3NOOVNGM0J1QUdwT3F0NExac3A1MTF5bjFac3o5RFlxb0FGazYvSmdpeWl2eWxEM0J5cTNIODFETjhMQ01uME5STGxuY09yNnEyMDFjc2NnOGk5dkVlc3Y2WWdhc3g1cVVpVXVQVVBBV0R0cmFYeE41bm9aMDBaazZGZ29BMEcyWUNvNGFLazNocExGQktSS3pUVDB4WDgrYitlMGJ4SVcvRnNKMkthcURRa0dTbGhoU1BTTUVoOTV6SktlWnByMHRNUm92YTdPNG1WdE90Ukxwa1E3R2V4ZkZINFFqM21PREwySGxuWC80TGxKcjhEY1BQMFB6b2VIVjRaV2FuR1h2ZmZnK29yLzQ0YzludFllL0JFeXh3ZjBQWDh5K1E1SC9EMlU3ZVJsZmJLQWtHNndRcDdkU0xYWjAvNWNwSWNJeXdOUzZqUGpyMmJVdFNjTmxVODlzSkRya0hlNWNNcm1UVjZtSXM1TFpLRmlsaWJ3cWdTZHFuVEFXTDBVaVBaUzJ3V3QraW4yLzRFQy9qVzM2SE9VR1JYWFFLRWpSa2xZamQwTGZlYlRCV2RYN2VsSUoxa3JqZmIzeUxwcnpOUzE5NkFnZGV3eSsvTWtldVZld0FQU1VQUmxIRVhTUDFtOVJKSDY5YU1SMFZjWlgwUk1xN05MQWkwQUxTMENHek9WanVDd1QyaUhpNzZGc25INzBZb2JQWmtBdkhSYjFYQVJwQVd2cFc3WG5DTUl5bVlGRFFNTUtaa1hJcGdDaGU5MTM0VHJtY1ZaMGE2bEVlcVAvS3RyK3BwNThJb01McXBFWldMRDhWcUpxRkNScDJXT3N1VTNWVktqM0h2MFB4SDkxaC8yZ0lvbXIwbmhUbTE4NFZSdHVtVkZTMDFBQjRabFU5MU9ESDhIdlNYYjJBajR4YytHczhSRDc3Q1ZMeUtuLzh0UCtxWUhDNjFSWWhPNkF2azF6NFN3KzdUSE56dkpQMDV4RnQzUVVtVkNRNVdWQXhHMFh6amNGQ3Fnc3hGa28yQUhVYXozV1lvTi9rM0w0eGJMZ1NPK3pJOHR6eER6L0dvajlLQXJxRGZDemJ5SUFNbXB4NVMvSWxFdWtHdXdDN29YYjIvc0o4b1Q4YjFwb0ZDUnB1ZEI0VGZ1TTNkQnN0Z0Yzdk1uWXh4MnEwWGppM0lITXFmZWU3WlVaS1ZsLzMxM05uL2xzWWRVNzJWVzBWSVQ2Wjh3eGpxS1ZYaE5rT0R5YWZOTjYzK0FWdXc1NTJuaHpvTmYvaFQzUHptNnVJOVdJb2lDYnozM2Rxc2YyRklNa2lTajhpN2V6bDczcm9xcEYxeE4waURBWnN3VkpXb0xCNGhuaVpVTHQzOCt6Rjl5L2F3Z2labW5zWngxN3V1R3NUbjJ6RHpnbXlkaThLMy9UbGRBc3NINnpmR21GVGJLRHRTTFlaQkdIQTYvQVBaSkV3YVZML3RzSlR6RmpDenl4UVMxUnBuM0pLeGhNV2hvSDg0K1R1R0NmbWZIdC9kNXhpcVA5RUhPbnRCSzNTbjUrSkV6UytwelpuZ09TaFNoWVlOb0JIMG1pVUtUeERWd1h1WEJCb044b0NvSmFva0xuTWxVckM1YkdaVVd2ZTM3Ykd4TnIyM3pkWlhHRzhFK3ZCRG0zSTNRcTNLR0pYZmVNU0NFS3BreTdScExJVlp6aEhtWmJuWUJKdGFNb0NHcUpTdDBEV2JQd1ltbGNXTzQ0TXJ2Mk5oMEMrbDc2dXN2RTVqMXNJSXYrUzhRT3JjODFNNzI1Vm9Vb1dEYk80VWdTdVlTVDNGZjJEbmZpdGlDb0pSajFOemkza2g5TDQ1S1MxeitiNzdRdHR2c0ZNOUlxTm5wMDJUdEUwWnhxN2ttcnBpTWkvdStoWDZBUUJYMnptSThpVVVodmMzZkVINTZZTFFockNVNU51eTNSdUtWeHRNeHhaZXg0cTNIM3VGR3dIOTBEOXoxZjNEUjVnbnNFOFBJTUNiRWlGTlN0RzhXalNCU0NWcmxIc094MVNRd0ZZUzF4Wm14dGs1MEdPQWxiWXlmalJpU3NiVFVYZDJnZkdCeUhBanZlV0JvWjdjaFNRVjQ2SFJmQWlkNDFwWXRSTUdIY0F2cWVobDNOaXNjbGlrSk52czlvZTE1cERBVmhMZUZ4ODNNVlMyd3dhbXNjTEhDY1JPZmdGb0lhN25IbjlSZk5OKzlCdHZGKzJCZUxQTDliWUtvVzJZSzJaZUpHa2NpbHpJczFhcEZkTlVJUmk2RWdyQ1h1aDRTOVlZY250cE9XeGw3VzhTY24zU2JpcEhqcFdJWENyS3ZIaTNKeVdtNXZtM3o1WDFOYjVsQ1k4b3BRc0twUEMxQnNCSWxjOWdsUkViY0Z0NHd1Y1JTRXRZUnp1R0xYanNVdGpXTkZqbytPbTdKN0Z2ZlRuaDl1WlYyZktEYnZ0QWNQaGszajBUbjVxTU9oMlhlM2lnVW9xREZqaFVlUktNVHZpeHRjT00wL3NQV0oySUtJbG5oY3ljR1F6Y21LMnhwYjVCc1Y3ZHBkTzNNampndG9qUStHVTVGZDZxVGNQV3hhTGg4WUZLQmcwdXdUNlFiYTBCS0ZlZzNCQmZieGtxMXZCQVVSTGQwbm9HdytUdHpXMk1tNE1RbEEyTnlHT1hUWGgyUFFZTE5nVExLV1B1OXpKRS9KVzE5VDFneEhnUUlVN0Z2emJ4U0pRbnhMMnFhV1l5NWpma0ZFeTZ6dlFNaHBtSld3TmJiSU55ejZGSVovVk1BRDNVemFQVTY1OWMvZGhidVdnL3YvS3lKbE9ieFhuRDRyTFBLTXZFb1Y0eWlvNnp1bUkwb1VFbDczRW5HOVIxNmwzSWd0aUdnNWJ3RlNNZ2hjak1hQnpCdENlajlqUC8ybjJJaTlxY2NHenh4WjRnVEdOeEt1S0taWVlVWFFGSlVqcnJQcUNTV1hIRW5GVVRDbkYvTHJLMUVvRWtGQlJNdk44RjBUcjdUUjJNdTRjY24zTmpFMjlIZDFiM1NoS1NpWXAwY1A4UDl6b3B1aXc2UURGcWxrSEFWOXZiSmNYNGxDOEhBb2VQOVNTcDhhalZOS0gwK1oydnMrZHBhZGUvN2ZQeDd1Q3dRamVwclpEaTJpUlh5K2tMQ0pLRDRDcGFNb1dIQzl1VUJWUXhwS29xZzJIQXFNcUlMWU1Cb1hzSGtpWkwwWEEyNDJhRnlqUlpCZXZUV0VjcXZSdzRROGt5Z0t1ckZ6aHp3UFBNVTBoRVJSL3hoUU1KVEdvVlk4Z1dqN0lSUU1ZK1BwR2IrOTVBYlZJenZBbWFHT1A0ZVJLRlJydTRkSXlmckdDdzZuY1p6UEV5SUhoMng1V3hBOUl3cXIzRTF5cGtSZDd5NlBZdGorbG9vbFhZZVJ5Qmt1eG01TEpJa0xGUnBTNHhDTEp3NE5EbmtlQmRFVG03RGV0YytINlNIcVgrNkdxTmxiay93eFhYVVlpYnpTN09QNloxWmFyaFVaVW1PcjVoTXdpbTFDSGdXUlRlRVRVUDJ4U3RlbEI4WW91QzdkZUpNekdhUGdKaC9BVWRTZnZmV2ovR3pnK2FyeUdBV3FKNTQ4MXdmb1FJaUhEZG5vTVFxZVBLTXZXL3BwaFFIejRkd3hDcDVzS1BoOXhuN2lIN3d0MlJnRlR6SVU0S21FL0l1VVl4UTh5VkRRWjYvTXQzaU1nbnlmVkpseUt2aDQ0aGdGVlI3emZOdjJnemQ5eGlqSTkxU0ZLZm8veDd0dEhLUEE3WThLcGQ3WTBsdENmT0pJTkd5S3JZUmFPRVpCcUZlcVFBdCtpWHJmK2s2bzFjZ3hDcXpPcUZLMFpsc0NHQVZ4UXVCOVZFUTFlSXdDMVJNVnV3YS9SSzAvYitzMWRvd0NyME1xa2d4L2lYb3U4dGJDR0FVVkdYYXZHZUV2VVMvcWI4dTZ4Y2NvY1B1aktxbndsNmczSTgvNGpsRlFsWEYzMmhINUV2Vis1UEhPTVFxYzNxdEtJdklsNmxYM3U0TzZ0V01VNks2b1hpVDNKZW9kNnh3SlVmMlBlY2NvcU43ZzZ4WXQweXNGaDlaN0FqMFhCV3hERmgyalFQZFo5U0s1TDFIMzNiY1JuNnVhUEVhQjZva0tYbk5mb2g3N0JSVWM1WkltNWIveHZCOTV3WE5zQzBxNjhpYk96bi9qdVhNdDNKd3hDc0w5VWdWcS9odlBKeUl2N1k1UlVJWHhEcmNoLzQzblUvcURNVzZOTVFyYy9xaFFLdkNONTVuSTEwbkdLS2pRdUx0TkNYM2p1UmQyRDhjb2NMdXVRcW5RTjU0alg2UWJvNkJDNCs0MkpmU041MVBPL3pmVDVjY28wRjFSdFVqd0c4L3V2NGxXVFI2alFQVkUxYTdoYnp6ZlNmK2hNeGZHS01oMVNVVUk0Vzg4NDk4cnIrUWJPRVpCdmsrcVFZbDg0L2x0b1kvbGpsRlFqVEhQdHlMeWpXZjhpM1QyaVl0ZThURUt2QTZwZkxKR2o1cUlPOHpqTDlwVWZyU2pEYXo5dDM3V1pFTVdHdHVDYUc5Vk4rTlA3bXB4SUl5Zk9LdnVHSS9Rc3JFdEdLSFRLbGRsaklMS0Rla0lEUnFqWUlST3Exd1ZmQTNiZTE5bHNlaC9aVld1L2VNR1VRL2d5L2plczJpYkJmODljZHhuMWV5QkxyWU03a2xTRCsrc1ZMT3Q0MVpGZW9EK1l3NTd4UG9TWmgzL25ZMnhWMjFGeW8vSjFlc0I4ZCt6TU9vdlVtMmJhaElJY01LNHJpamphOVY3QUJzRUVmUS95amloS0ZlcTN2WngrMVFQakZHZ2V1THhYUDhmdW5OTUJFUld6RElBQUFBQVNVVk9SSzVDWUlJPSIKfQo="/>
+    </extobj>
+  </extobjs>
+</s:customData>
+</file>
+
+<file path=customXml/itemProps1.xml><?xml version="1.0" encoding="utf-8"?>
+<ds:datastoreItem xmlns:ds="http://schemas.openxmlformats.org/officeDocument/2006/customXml" ds:itemID="s:customData">
+  <ds:schemaRefs>
+    <ds:schemaRef ds:uri="http://www.wps.cn/officeDocument/2013/wpsCustomData"/>
+  </ds:schemaRefs>
+</ds:datastoreItem>
 </file>